--- a/文書/報告書.pptx
+++ b/文書/報告書.pptx
@@ -194,7 +194,7 @@
           <a:noFill/>
           <a:extLst>
             <a:ext uri="{909E8E84-426E-40dd-AFC4-6F175D3DCCD1}">
-              <a14:hiddenFill xmlns:a14="http://schemas.microsoft.com/office/drawing/2010/main" xmlns="">
+              <a14:hiddenFill xmlns="" xmlns:a14="http://schemas.microsoft.com/office/drawing/2010/main">
                 <a:solidFill>
                   <a:srgbClr val="FFFFFF"/>
                 </a:solidFill>
@@ -254,7 +254,7 @@
             </a:ln>
             <a:extLst>
               <a:ext uri="{91240B29-F687-4f45-9708-019B960494DF}">
-                <a14:hiddenLine xmlns:a14="http://schemas.microsoft.com/office/drawing/2010/main" xmlns="" w="9525">
+                <a14:hiddenLine xmlns="" xmlns:a14="http://schemas.microsoft.com/office/drawing/2010/main" w="9525">
                   <a:solidFill>
                     <a:srgbClr val="000000"/>
                   </a:solidFill>
@@ -344,7 +344,7 @@
             </a:ln>
             <a:extLst>
               <a:ext uri="{91240B29-F687-4f45-9708-019B960494DF}">
-                <a14:hiddenLine xmlns:a14="http://schemas.microsoft.com/office/drawing/2010/main" xmlns="" w="9525">
+                <a14:hiddenLine xmlns="" xmlns:a14="http://schemas.microsoft.com/office/drawing/2010/main" w="9525">
                   <a:solidFill>
                     <a:srgbClr val="000000"/>
                   </a:solidFill>
@@ -434,7 +434,7 @@
             </a:ln>
             <a:extLst>
               <a:ext uri="{91240B29-F687-4f45-9708-019B960494DF}">
-                <a14:hiddenLine xmlns:a14="http://schemas.microsoft.com/office/drawing/2010/main" xmlns="" w="9525">
+                <a14:hiddenLine xmlns="" xmlns:a14="http://schemas.microsoft.com/office/drawing/2010/main" w="9525">
                   <a:solidFill>
                     <a:srgbClr val="000000"/>
                   </a:solidFill>
@@ -468,7 +468,7 @@
             </a:ln>
             <a:extLst>
               <a:ext uri="{91240B29-F687-4f45-9708-019B960494DF}">
-                <a14:hiddenLine xmlns:a14="http://schemas.microsoft.com/office/drawing/2010/main" xmlns="" w="9525">
+                <a14:hiddenLine xmlns="" xmlns:a14="http://schemas.microsoft.com/office/drawing/2010/main" w="9525">
                   <a:solidFill>
                     <a:srgbClr val="000000"/>
                   </a:solidFill>
@@ -558,7 +558,7 @@
             </a:ln>
             <a:extLst>
               <a:ext uri="{91240B29-F687-4f45-9708-019B960494DF}">
-                <a14:hiddenLine xmlns:a14="http://schemas.microsoft.com/office/drawing/2010/main" xmlns="" w="9525">
+                <a14:hiddenLine xmlns="" xmlns:a14="http://schemas.microsoft.com/office/drawing/2010/main" w="9525">
                   <a:solidFill>
                     <a:srgbClr val="000000"/>
                   </a:solidFill>
@@ -620,7 +620,7 @@
             </a:ln>
             <a:extLst>
               <a:ext uri="{91240B29-F687-4f45-9708-019B960494DF}">
-                <a14:hiddenLine xmlns:a14="http://schemas.microsoft.com/office/drawing/2010/main" xmlns="" w="9525">
+                <a14:hiddenLine xmlns="" xmlns:a14="http://schemas.microsoft.com/office/drawing/2010/main" w="9525">
                   <a:solidFill>
                     <a:srgbClr val="000000"/>
                   </a:solidFill>
@@ -682,7 +682,7 @@
             </a:ln>
             <a:extLst>
               <a:ext uri="{91240B29-F687-4f45-9708-019B960494DF}">
-                <a14:hiddenLine xmlns:a14="http://schemas.microsoft.com/office/drawing/2010/main" xmlns="" w="9525">
+                <a14:hiddenLine xmlns="" xmlns:a14="http://schemas.microsoft.com/office/drawing/2010/main" w="9525">
                   <a:solidFill>
                     <a:srgbClr val="000000"/>
                   </a:solidFill>
@@ -772,7 +772,7 @@
             </a:ln>
             <a:extLst>
               <a:ext uri="{91240B29-F687-4f45-9708-019B960494DF}">
-                <a14:hiddenLine xmlns:a14="http://schemas.microsoft.com/office/drawing/2010/main" xmlns="" w="9525">
+                <a14:hiddenLine xmlns="" xmlns:a14="http://schemas.microsoft.com/office/drawing/2010/main" w="9525">
                   <a:solidFill>
                     <a:srgbClr val="000000"/>
                   </a:solidFill>
@@ -834,7 +834,7 @@
             </a:ln>
             <a:extLst>
               <a:ext uri="{91240B29-F687-4f45-9708-019B960494DF}">
-                <a14:hiddenLine xmlns:a14="http://schemas.microsoft.com/office/drawing/2010/main" xmlns="" w="9525">
+                <a14:hiddenLine xmlns="" xmlns:a14="http://schemas.microsoft.com/office/drawing/2010/main" w="9525">
                   <a:solidFill>
                     <a:srgbClr val="000000"/>
                   </a:solidFill>
@@ -896,7 +896,7 @@
             </a:ln>
             <a:extLst>
               <a:ext uri="{91240B29-F687-4f45-9708-019B960494DF}">
-                <a14:hiddenLine xmlns:a14="http://schemas.microsoft.com/office/drawing/2010/main" xmlns="" w="9525">
+                <a14:hiddenLine xmlns="" xmlns:a14="http://schemas.microsoft.com/office/drawing/2010/main" w="9525">
                   <a:solidFill>
                     <a:srgbClr val="000000"/>
                   </a:solidFill>
@@ -986,7 +986,7 @@
             </a:ln>
             <a:extLst>
               <a:ext uri="{91240B29-F687-4f45-9708-019B960494DF}">
-                <a14:hiddenLine xmlns:a14="http://schemas.microsoft.com/office/drawing/2010/main" xmlns="" w="9525">
+                <a14:hiddenLine xmlns="" xmlns:a14="http://schemas.microsoft.com/office/drawing/2010/main" w="9525">
                   <a:solidFill>
                     <a:srgbClr val="000000"/>
                   </a:solidFill>
@@ -1076,7 +1076,7 @@
             </a:ln>
             <a:extLst>
               <a:ext uri="{91240B29-F687-4f45-9708-019B960494DF}">
-                <a14:hiddenLine xmlns:a14="http://schemas.microsoft.com/office/drawing/2010/main" xmlns="" w="9525">
+                <a14:hiddenLine xmlns="" xmlns:a14="http://schemas.microsoft.com/office/drawing/2010/main" w="9525">
                   <a:solidFill>
                     <a:srgbClr val="000000"/>
                   </a:solidFill>
@@ -1138,7 +1138,7 @@
             </a:ln>
             <a:extLst>
               <a:ext uri="{91240B29-F687-4f45-9708-019B960494DF}">
-                <a14:hiddenLine xmlns:a14="http://schemas.microsoft.com/office/drawing/2010/main" xmlns="" w="9525">
+                <a14:hiddenLine xmlns="" xmlns:a14="http://schemas.microsoft.com/office/drawing/2010/main" w="9525">
                   <a:solidFill>
                     <a:srgbClr val="000000"/>
                   </a:solidFill>
@@ -1248,7 +1248,7 @@
             </a:ln>
             <a:extLst>
               <a:ext uri="{91240B29-F687-4f45-9708-019B960494DF}">
-                <a14:hiddenLine xmlns:a14="http://schemas.microsoft.com/office/drawing/2010/main" xmlns="" w="9525">
+                <a14:hiddenLine xmlns="" xmlns:a14="http://schemas.microsoft.com/office/drawing/2010/main" w="9525">
                   <a:solidFill>
                     <a:srgbClr val="000000"/>
                   </a:solidFill>
@@ -1310,7 +1310,7 @@
             </a:ln>
             <a:extLst>
               <a:ext uri="{91240B29-F687-4f45-9708-019B960494DF}">
-                <a14:hiddenLine xmlns:a14="http://schemas.microsoft.com/office/drawing/2010/main" xmlns="" w="9525">
+                <a14:hiddenLine xmlns="" xmlns:a14="http://schemas.microsoft.com/office/drawing/2010/main" w="9525">
                   <a:solidFill>
                     <a:srgbClr val="000000"/>
                   </a:solidFill>
@@ -1400,7 +1400,7 @@
             </a:ln>
             <a:extLst>
               <a:ext uri="{91240B29-F687-4f45-9708-019B960494DF}">
-                <a14:hiddenLine xmlns:a14="http://schemas.microsoft.com/office/drawing/2010/main" xmlns="" w="9525">
+                <a14:hiddenLine xmlns="" xmlns:a14="http://schemas.microsoft.com/office/drawing/2010/main" w="9525">
                   <a:solidFill>
                     <a:srgbClr val="000000"/>
                   </a:solidFill>
@@ -1490,7 +1490,7 @@
             </a:ln>
             <a:extLst>
               <a:ext uri="{91240B29-F687-4f45-9708-019B960494DF}">
-                <a14:hiddenLine xmlns:a14="http://schemas.microsoft.com/office/drawing/2010/main" xmlns="" w="9525">
+                <a14:hiddenLine xmlns="" xmlns:a14="http://schemas.microsoft.com/office/drawing/2010/main" w="9525">
                   <a:solidFill>
                     <a:srgbClr val="000000"/>
                   </a:solidFill>
@@ -1552,7 +1552,7 @@
             </a:ln>
             <a:extLst>
               <a:ext uri="{91240B29-F687-4f45-9708-019B960494DF}">
-                <a14:hiddenLine xmlns:a14="http://schemas.microsoft.com/office/drawing/2010/main" xmlns="" w="9525">
+                <a14:hiddenLine xmlns="" xmlns:a14="http://schemas.microsoft.com/office/drawing/2010/main" w="9525">
                   <a:solidFill>
                     <a:srgbClr val="000000"/>
                   </a:solidFill>
@@ -1642,7 +1642,7 @@
             </a:ln>
             <a:extLst>
               <a:ext uri="{91240B29-F687-4f45-9708-019B960494DF}">
-                <a14:hiddenLine xmlns:a14="http://schemas.microsoft.com/office/drawing/2010/main" xmlns="" w="9525">
+                <a14:hiddenLine xmlns="" xmlns:a14="http://schemas.microsoft.com/office/drawing/2010/main" w="9525">
                   <a:solidFill>
                     <a:srgbClr val="000000"/>
                   </a:solidFill>
@@ -1732,7 +1732,7 @@
             </a:ln>
             <a:extLst>
               <a:ext uri="{91240B29-F687-4f45-9708-019B960494DF}">
-                <a14:hiddenLine xmlns:a14="http://schemas.microsoft.com/office/drawing/2010/main" xmlns="" w="9525">
+                <a14:hiddenLine xmlns="" xmlns:a14="http://schemas.microsoft.com/office/drawing/2010/main" w="9525">
                   <a:solidFill>
                     <a:srgbClr val="000000"/>
                   </a:solidFill>
@@ -1788,7 +1788,7 @@
             </a:ln>
             <a:extLst>
               <a:ext uri="{91240B29-F687-4f45-9708-019B960494DF}">
-                <a14:hiddenLine xmlns:a14="http://schemas.microsoft.com/office/drawing/2010/main" xmlns="" w="9525">
+                <a14:hiddenLine xmlns="" xmlns:a14="http://schemas.microsoft.com/office/drawing/2010/main" w="9525">
                   <a:solidFill>
                     <a:srgbClr val="000000"/>
                   </a:solidFill>
@@ -1878,7 +1878,7 @@
             </a:ln>
             <a:extLst>
               <a:ext uri="{91240B29-F687-4f45-9708-019B960494DF}">
-                <a14:hiddenLine xmlns:a14="http://schemas.microsoft.com/office/drawing/2010/main" xmlns="" w="9525">
+                <a14:hiddenLine xmlns="" xmlns:a14="http://schemas.microsoft.com/office/drawing/2010/main" w="9525">
                   <a:solidFill>
                     <a:srgbClr val="000000"/>
                   </a:solidFill>
@@ -1934,7 +1934,7 @@
             </a:ln>
             <a:extLst>
               <a:ext uri="{91240B29-F687-4f45-9708-019B960494DF}">
-                <a14:hiddenLine xmlns:a14="http://schemas.microsoft.com/office/drawing/2010/main" xmlns="" w="9525">
+                <a14:hiddenLine xmlns="" xmlns:a14="http://schemas.microsoft.com/office/drawing/2010/main" w="9525">
                   <a:solidFill>
                     <a:srgbClr val="000000"/>
                   </a:solidFill>
@@ -2024,7 +2024,7 @@
             </a:ln>
             <a:extLst>
               <a:ext uri="{91240B29-F687-4f45-9708-019B960494DF}">
-                <a14:hiddenLine xmlns:a14="http://schemas.microsoft.com/office/drawing/2010/main" xmlns="" w="9525">
+                <a14:hiddenLine xmlns="" xmlns:a14="http://schemas.microsoft.com/office/drawing/2010/main" w="9525">
                   <a:solidFill>
                     <a:srgbClr val="000000"/>
                   </a:solidFill>
@@ -2092,7 +2092,7 @@
             </a:ln>
             <a:extLst>
               <a:ext uri="{91240B29-F687-4f45-9708-019B960494DF}">
-                <a14:hiddenLine xmlns:a14="http://schemas.microsoft.com/office/drawing/2010/main" xmlns="" w="9525">
+                <a14:hiddenLine xmlns="" xmlns:a14="http://schemas.microsoft.com/office/drawing/2010/main" w="9525">
                   <a:solidFill>
                     <a:srgbClr val="000000"/>
                   </a:solidFill>
@@ -2182,7 +2182,7 @@
             </a:ln>
             <a:extLst>
               <a:ext uri="{91240B29-F687-4f45-9708-019B960494DF}">
-                <a14:hiddenLine xmlns:a14="http://schemas.microsoft.com/office/drawing/2010/main" xmlns="" w="9525">
+                <a14:hiddenLine xmlns="" xmlns:a14="http://schemas.microsoft.com/office/drawing/2010/main" w="9525">
                   <a:solidFill>
                     <a:srgbClr val="000000"/>
                   </a:solidFill>
@@ -2250,7 +2250,7 @@
             </a:ln>
             <a:extLst>
               <a:ext uri="{91240B29-F687-4f45-9708-019B960494DF}">
-                <a14:hiddenLine xmlns:a14="http://schemas.microsoft.com/office/drawing/2010/main" xmlns="" w="9525">
+                <a14:hiddenLine xmlns="" xmlns:a14="http://schemas.microsoft.com/office/drawing/2010/main" w="9525">
                   <a:solidFill>
                     <a:srgbClr val="000000"/>
                   </a:solidFill>
@@ -2340,7 +2340,7 @@
             </a:ln>
             <a:extLst>
               <a:ext uri="{91240B29-F687-4f45-9708-019B960494DF}">
-                <a14:hiddenLine xmlns:a14="http://schemas.microsoft.com/office/drawing/2010/main" xmlns="" w="9525">
+                <a14:hiddenLine xmlns="" xmlns:a14="http://schemas.microsoft.com/office/drawing/2010/main" w="9525">
                   <a:solidFill>
                     <a:srgbClr val="000000"/>
                   </a:solidFill>
@@ -2374,7 +2374,7 @@
             </a:ln>
             <a:extLst>
               <a:ext uri="{91240B29-F687-4f45-9708-019B960494DF}">
-                <a14:hiddenLine xmlns:a14="http://schemas.microsoft.com/office/drawing/2010/main" xmlns="" w="9525">
+                <a14:hiddenLine xmlns="" xmlns:a14="http://schemas.microsoft.com/office/drawing/2010/main" w="9525">
                   <a:solidFill>
                     <a:srgbClr val="000000"/>
                   </a:solidFill>
@@ -2464,7 +2464,7 @@
             </a:ln>
             <a:extLst>
               <a:ext uri="{91240B29-F687-4f45-9708-019B960494DF}">
-                <a14:hiddenLine xmlns:a14="http://schemas.microsoft.com/office/drawing/2010/main" xmlns="" w="9525">
+                <a14:hiddenLine xmlns="" xmlns:a14="http://schemas.microsoft.com/office/drawing/2010/main" w="9525">
                   <a:solidFill>
                     <a:srgbClr val="000000"/>
                   </a:solidFill>
@@ -2526,7 +2526,7 @@
             </a:ln>
             <a:extLst>
               <a:ext uri="{91240B29-F687-4f45-9708-019B960494DF}">
-                <a14:hiddenLine xmlns:a14="http://schemas.microsoft.com/office/drawing/2010/main" xmlns="" w="9525">
+                <a14:hiddenLine xmlns="" xmlns:a14="http://schemas.microsoft.com/office/drawing/2010/main" w="9525">
                   <a:solidFill>
                     <a:srgbClr val="000000"/>
                   </a:solidFill>
@@ -2588,7 +2588,7 @@
             </a:ln>
             <a:extLst>
               <a:ext uri="{91240B29-F687-4f45-9708-019B960494DF}">
-                <a14:hiddenLine xmlns:a14="http://schemas.microsoft.com/office/drawing/2010/main" xmlns="" w="9525">
+                <a14:hiddenLine xmlns="" xmlns:a14="http://schemas.microsoft.com/office/drawing/2010/main" w="9525">
                   <a:solidFill>
                     <a:srgbClr val="000000"/>
                   </a:solidFill>
@@ -2678,7 +2678,7 @@
             </a:ln>
             <a:extLst>
               <a:ext uri="{91240B29-F687-4f45-9708-019B960494DF}">
-                <a14:hiddenLine xmlns:a14="http://schemas.microsoft.com/office/drawing/2010/main" xmlns="" w="9525">
+                <a14:hiddenLine xmlns="" xmlns:a14="http://schemas.microsoft.com/office/drawing/2010/main" w="9525">
                   <a:solidFill>
                     <a:srgbClr val="000000"/>
                   </a:solidFill>
@@ -2746,7 +2746,7 @@
             </a:ln>
             <a:extLst>
               <a:ext uri="{91240B29-F687-4f45-9708-019B960494DF}">
-                <a14:hiddenLine xmlns:a14="http://schemas.microsoft.com/office/drawing/2010/main" xmlns="" w="9525">
+                <a14:hiddenLine xmlns="" xmlns:a14="http://schemas.microsoft.com/office/drawing/2010/main" w="9525">
                   <a:solidFill>
                     <a:srgbClr val="000000"/>
                   </a:solidFill>
@@ -2808,7 +2808,7 @@
             </a:ln>
             <a:extLst>
               <a:ext uri="{91240B29-F687-4f45-9708-019B960494DF}">
-                <a14:hiddenLine xmlns:a14="http://schemas.microsoft.com/office/drawing/2010/main" xmlns="" w="9525">
+                <a14:hiddenLine xmlns="" xmlns:a14="http://schemas.microsoft.com/office/drawing/2010/main" w="9525">
                   <a:solidFill>
                     <a:srgbClr val="000000"/>
                   </a:solidFill>
@@ -2898,7 +2898,7 @@
             </a:ln>
             <a:extLst>
               <a:ext uri="{91240B29-F687-4f45-9708-019B960494DF}">
-                <a14:hiddenLine xmlns:a14="http://schemas.microsoft.com/office/drawing/2010/main" xmlns="" w="9525">
+                <a14:hiddenLine xmlns="" xmlns:a14="http://schemas.microsoft.com/office/drawing/2010/main" w="9525">
                   <a:solidFill>
                     <a:srgbClr val="000000"/>
                   </a:solidFill>
@@ -2960,7 +2960,7 @@
             </a:ln>
             <a:extLst>
               <a:ext uri="{91240B29-F687-4f45-9708-019B960494DF}">
-                <a14:hiddenLine xmlns:a14="http://schemas.microsoft.com/office/drawing/2010/main" xmlns="" w="9525">
+                <a14:hiddenLine xmlns="" xmlns:a14="http://schemas.microsoft.com/office/drawing/2010/main" w="9525">
                   <a:solidFill>
                     <a:srgbClr val="000000"/>
                   </a:solidFill>
@@ -3050,7 +3050,7 @@
             </a:ln>
             <a:extLst>
               <a:ext uri="{91240B29-F687-4f45-9708-019B960494DF}">
-                <a14:hiddenLine xmlns:a14="http://schemas.microsoft.com/office/drawing/2010/main" xmlns="" w="9525">
+                <a14:hiddenLine xmlns="" xmlns:a14="http://schemas.microsoft.com/office/drawing/2010/main" w="9525">
                   <a:solidFill>
                     <a:srgbClr val="000000"/>
                   </a:solidFill>
@@ -3112,7 +3112,7 @@
             </a:ln>
             <a:extLst>
               <a:ext uri="{91240B29-F687-4f45-9708-019B960494DF}">
-                <a14:hiddenLine xmlns:a14="http://schemas.microsoft.com/office/drawing/2010/main" xmlns="" w="9525">
+                <a14:hiddenLine xmlns="" xmlns:a14="http://schemas.microsoft.com/office/drawing/2010/main" w="9525">
                   <a:solidFill>
                     <a:srgbClr val="000000"/>
                   </a:solidFill>
@@ -3202,7 +3202,7 @@
             </a:ln>
             <a:extLst>
               <a:ext uri="{91240B29-F687-4f45-9708-019B960494DF}">
-                <a14:hiddenLine xmlns:a14="http://schemas.microsoft.com/office/drawing/2010/main" xmlns="" w="9525">
+                <a14:hiddenLine xmlns="" xmlns:a14="http://schemas.microsoft.com/office/drawing/2010/main" w="9525">
                   <a:solidFill>
                     <a:srgbClr val="000000"/>
                   </a:solidFill>
@@ -3236,7 +3236,7 @@
             </a:ln>
             <a:extLst>
               <a:ext uri="{91240B29-F687-4f45-9708-019B960494DF}">
-                <a14:hiddenLine xmlns:a14="http://schemas.microsoft.com/office/drawing/2010/main" xmlns="" w="9525">
+                <a14:hiddenLine xmlns="" xmlns:a14="http://schemas.microsoft.com/office/drawing/2010/main" w="9525">
                   <a:solidFill>
                     <a:srgbClr val="000000"/>
                   </a:solidFill>
@@ -3301,7 +3301,7 @@
             </a:ln>
             <a:extLst>
               <a:ext uri="{91240B29-F687-4f45-9708-019B960494DF}">
-                <a14:hiddenLine xmlns:a14="http://schemas.microsoft.com/office/drawing/2010/main" xmlns="" w="9525">
+                <a14:hiddenLine xmlns="" xmlns:a14="http://schemas.microsoft.com/office/drawing/2010/main" w="9525">
                   <a:solidFill>
                     <a:srgbClr val="000000"/>
                   </a:solidFill>
@@ -3391,7 +3391,7 @@
             </a:ln>
             <a:extLst>
               <a:ext uri="{91240B29-F687-4f45-9708-019B960494DF}">
-                <a14:hiddenLine xmlns:a14="http://schemas.microsoft.com/office/drawing/2010/main" xmlns="" w="9525">
+                <a14:hiddenLine xmlns="" xmlns:a14="http://schemas.microsoft.com/office/drawing/2010/main" w="9525">
                   <a:solidFill>
                     <a:srgbClr val="000000"/>
                   </a:solidFill>
@@ -3453,7 +3453,7 @@
             </a:ln>
             <a:extLst>
               <a:ext uri="{91240B29-F687-4f45-9708-019B960494DF}">
-                <a14:hiddenLine xmlns:a14="http://schemas.microsoft.com/office/drawing/2010/main" xmlns="" w="9525">
+                <a14:hiddenLine xmlns="" xmlns:a14="http://schemas.microsoft.com/office/drawing/2010/main" w="9525">
                   <a:solidFill>
                     <a:srgbClr val="000000"/>
                   </a:solidFill>
@@ -3543,7 +3543,7 @@
             </a:ln>
             <a:extLst>
               <a:ext uri="{91240B29-F687-4f45-9708-019B960494DF}">
-                <a14:hiddenLine xmlns:a14="http://schemas.microsoft.com/office/drawing/2010/main" xmlns="" w="9525">
+                <a14:hiddenLine xmlns="" xmlns:a14="http://schemas.microsoft.com/office/drawing/2010/main" w="9525">
                   <a:solidFill>
                     <a:srgbClr val="000000"/>
                   </a:solidFill>
@@ -3633,7 +3633,7 @@
             </a:ln>
             <a:extLst>
               <a:ext uri="{91240B29-F687-4f45-9708-019B960494DF}">
-                <a14:hiddenLine xmlns:a14="http://schemas.microsoft.com/office/drawing/2010/main" xmlns="" w="9525">
+                <a14:hiddenLine xmlns="" xmlns:a14="http://schemas.microsoft.com/office/drawing/2010/main" w="9525">
                   <a:solidFill>
                     <a:srgbClr val="000000"/>
                   </a:solidFill>
@@ -3698,7 +3698,7 @@
             </a:ln>
             <a:extLst>
               <a:ext uri="{91240B29-F687-4f45-9708-019B960494DF}">
-                <a14:hiddenLine xmlns:a14="http://schemas.microsoft.com/office/drawing/2010/main" xmlns="" w="9525">
+                <a14:hiddenLine xmlns="" xmlns:a14="http://schemas.microsoft.com/office/drawing/2010/main" w="9525">
                   <a:solidFill>
                     <a:srgbClr val="000000"/>
                   </a:solidFill>
@@ -3760,7 +3760,7 @@
             </a:ln>
             <a:extLst>
               <a:ext uri="{91240B29-F687-4f45-9708-019B960494DF}">
-                <a14:hiddenLine xmlns:a14="http://schemas.microsoft.com/office/drawing/2010/main" xmlns="" w="9525">
+                <a14:hiddenLine xmlns="" xmlns:a14="http://schemas.microsoft.com/office/drawing/2010/main" w="9525">
                   <a:solidFill>
                     <a:srgbClr val="000000"/>
                   </a:solidFill>
@@ -3850,7 +3850,7 @@
             </a:ln>
             <a:extLst>
               <a:ext uri="{91240B29-F687-4f45-9708-019B960494DF}">
-                <a14:hiddenLine xmlns:a14="http://schemas.microsoft.com/office/drawing/2010/main" xmlns="" w="9525">
+                <a14:hiddenLine xmlns="" xmlns:a14="http://schemas.microsoft.com/office/drawing/2010/main" w="9525">
                   <a:solidFill>
                     <a:srgbClr val="000000"/>
                   </a:solidFill>
@@ -3940,7 +3940,7 @@
             </a:ln>
             <a:extLst>
               <a:ext uri="{91240B29-F687-4f45-9708-019B960494DF}">
-                <a14:hiddenLine xmlns:a14="http://schemas.microsoft.com/office/drawing/2010/main" xmlns="" w="9525">
+                <a14:hiddenLine xmlns="" xmlns:a14="http://schemas.microsoft.com/office/drawing/2010/main" w="9525">
                   <a:solidFill>
                     <a:srgbClr val="000000"/>
                   </a:solidFill>
@@ -4002,7 +4002,7 @@
             </a:ln>
             <a:extLst>
               <a:ext uri="{91240B29-F687-4f45-9708-019B960494DF}">
-                <a14:hiddenLine xmlns:a14="http://schemas.microsoft.com/office/drawing/2010/main" xmlns="" w="9525">
+                <a14:hiddenLine xmlns="" xmlns:a14="http://schemas.microsoft.com/office/drawing/2010/main" w="9525">
                   <a:solidFill>
                     <a:srgbClr val="000000"/>
                   </a:solidFill>
@@ -4122,7 +4122,7 @@
             </a:ln>
             <a:extLst>
               <a:ext uri="{91240B29-F687-4f45-9708-019B960494DF}">
-                <a14:hiddenLine xmlns:a14="http://schemas.microsoft.com/office/drawing/2010/main" xmlns="" w="9525">
+                <a14:hiddenLine xmlns="" xmlns:a14="http://schemas.microsoft.com/office/drawing/2010/main" w="9525">
                   <a:solidFill>
                     <a:srgbClr val="000000"/>
                   </a:solidFill>
@@ -4190,7 +4190,7 @@
             </a:ln>
             <a:extLst>
               <a:ext uri="{91240B29-F687-4f45-9708-019B960494DF}">
-                <a14:hiddenLine xmlns:a14="http://schemas.microsoft.com/office/drawing/2010/main" xmlns="" w="9525">
+                <a14:hiddenLine xmlns="" xmlns:a14="http://schemas.microsoft.com/office/drawing/2010/main" w="9525">
                   <a:solidFill>
                     <a:srgbClr val="000000"/>
                   </a:solidFill>
@@ -4280,7 +4280,7 @@
             </a:ln>
             <a:extLst>
               <a:ext uri="{91240B29-F687-4f45-9708-019B960494DF}">
-                <a14:hiddenLine xmlns:a14="http://schemas.microsoft.com/office/drawing/2010/main" xmlns="" w="9525">
+                <a14:hiddenLine xmlns="" xmlns:a14="http://schemas.microsoft.com/office/drawing/2010/main" w="9525">
                   <a:solidFill>
                     <a:srgbClr val="000000"/>
                   </a:solidFill>
@@ -9087,7 +9087,7 @@
           <a:noFill/>
           <a:extLst>
             <a:ext uri="{909E8E84-426E-40dd-AFC4-6F175D3DCCD1}">
-              <a14:hiddenFill xmlns:a14="http://schemas.microsoft.com/office/drawing/2010/main" xmlns="">
+              <a14:hiddenFill xmlns="" xmlns:a14="http://schemas.microsoft.com/office/drawing/2010/main">
                 <a:solidFill>
                   <a:srgbClr val="FFFFFF"/>
                 </a:solidFill>
@@ -9161,7 +9161,7 @@
               </a:ln>
               <a:extLst>
                 <a:ext uri="{91240B29-F687-4f45-9708-019B960494DF}">
-                  <a14:hiddenLine xmlns:a14="http://schemas.microsoft.com/office/drawing/2010/main" xmlns="" w="9525">
+                  <a14:hiddenLine xmlns="" xmlns:a14="http://schemas.microsoft.com/office/drawing/2010/main" w="9525">
                     <a:solidFill>
                       <a:srgbClr val="000000"/>
                     </a:solidFill>
@@ -9251,7 +9251,7 @@
               </a:ln>
               <a:extLst>
                 <a:ext uri="{91240B29-F687-4f45-9708-019B960494DF}">
-                  <a14:hiddenLine xmlns:a14="http://schemas.microsoft.com/office/drawing/2010/main" xmlns="" w="9525">
+                  <a14:hiddenLine xmlns="" xmlns:a14="http://schemas.microsoft.com/office/drawing/2010/main" w="9525">
                     <a:solidFill>
                       <a:srgbClr val="000000"/>
                     </a:solidFill>
@@ -9341,7 +9341,7 @@
               </a:ln>
               <a:extLst>
                 <a:ext uri="{91240B29-F687-4f45-9708-019B960494DF}">
-                  <a14:hiddenLine xmlns:a14="http://schemas.microsoft.com/office/drawing/2010/main" xmlns="" w="9525">
+                  <a14:hiddenLine xmlns="" xmlns:a14="http://schemas.microsoft.com/office/drawing/2010/main" w="9525">
                     <a:solidFill>
                       <a:srgbClr val="000000"/>
                     </a:solidFill>
@@ -9403,7 +9403,7 @@
               </a:ln>
               <a:extLst>
                 <a:ext uri="{91240B29-F687-4f45-9708-019B960494DF}">
-                  <a14:hiddenLine xmlns:a14="http://schemas.microsoft.com/office/drawing/2010/main" xmlns="" w="9525">
+                  <a14:hiddenLine xmlns="" xmlns:a14="http://schemas.microsoft.com/office/drawing/2010/main" w="9525">
                     <a:solidFill>
                       <a:srgbClr val="000000"/>
                     </a:solidFill>
@@ -9493,7 +9493,7 @@
               </a:ln>
               <a:extLst>
                 <a:ext uri="{91240B29-F687-4f45-9708-019B960494DF}">
-                  <a14:hiddenLine xmlns:a14="http://schemas.microsoft.com/office/drawing/2010/main" xmlns="" w="9525">
+                  <a14:hiddenLine xmlns="" xmlns:a14="http://schemas.microsoft.com/office/drawing/2010/main" w="9525">
                     <a:solidFill>
                       <a:srgbClr val="000000"/>
                     </a:solidFill>
@@ -9555,7 +9555,7 @@
               </a:ln>
               <a:extLst>
                 <a:ext uri="{91240B29-F687-4f45-9708-019B960494DF}">
-                  <a14:hiddenLine xmlns:a14="http://schemas.microsoft.com/office/drawing/2010/main" xmlns="" w="9525">
+                  <a14:hiddenLine xmlns="" xmlns:a14="http://schemas.microsoft.com/office/drawing/2010/main" w="9525">
                     <a:solidFill>
                       <a:srgbClr val="000000"/>
                     </a:solidFill>
@@ -9617,7 +9617,7 @@
               </a:ln>
               <a:extLst>
                 <a:ext uri="{91240B29-F687-4f45-9708-019B960494DF}">
-                  <a14:hiddenLine xmlns:a14="http://schemas.microsoft.com/office/drawing/2010/main" xmlns="" w="9525">
+                  <a14:hiddenLine xmlns="" xmlns:a14="http://schemas.microsoft.com/office/drawing/2010/main" w="9525">
                     <a:solidFill>
                       <a:srgbClr val="000000"/>
                     </a:solidFill>
@@ -9707,7 +9707,7 @@
               </a:ln>
               <a:extLst>
                 <a:ext uri="{91240B29-F687-4f45-9708-019B960494DF}">
-                  <a14:hiddenLine xmlns:a14="http://schemas.microsoft.com/office/drawing/2010/main" xmlns="" w="9525">
+                  <a14:hiddenLine xmlns="" xmlns:a14="http://schemas.microsoft.com/office/drawing/2010/main" w="9525">
                     <a:solidFill>
                       <a:srgbClr val="000000"/>
                     </a:solidFill>
@@ -9797,7 +9797,7 @@
               </a:ln>
               <a:extLst>
                 <a:ext uri="{91240B29-F687-4f45-9708-019B960494DF}">
-                  <a14:hiddenLine xmlns:a14="http://schemas.microsoft.com/office/drawing/2010/main" xmlns="" w="9525">
+                  <a14:hiddenLine xmlns="" xmlns:a14="http://schemas.microsoft.com/office/drawing/2010/main" w="9525">
                     <a:solidFill>
                       <a:srgbClr val="000000"/>
                     </a:solidFill>
@@ -9859,7 +9859,7 @@
               </a:ln>
               <a:extLst>
                 <a:ext uri="{91240B29-F687-4f45-9708-019B960494DF}">
-                  <a14:hiddenLine xmlns:a14="http://schemas.microsoft.com/office/drawing/2010/main" xmlns="" w="9525">
+                  <a14:hiddenLine xmlns="" xmlns:a14="http://schemas.microsoft.com/office/drawing/2010/main" w="9525">
                     <a:solidFill>
                       <a:srgbClr val="000000"/>
                     </a:solidFill>
@@ -9969,7 +9969,7 @@
               </a:ln>
               <a:extLst>
                 <a:ext uri="{91240B29-F687-4f45-9708-019B960494DF}">
-                  <a14:hiddenLine xmlns:a14="http://schemas.microsoft.com/office/drawing/2010/main" xmlns="" w="9525">
+                  <a14:hiddenLine xmlns="" xmlns:a14="http://schemas.microsoft.com/office/drawing/2010/main" w="9525">
                     <a:solidFill>
                       <a:srgbClr val="000000"/>
                     </a:solidFill>
@@ -10053,7 +10053,7 @@
               </a:ln>
               <a:extLst>
                 <a:ext uri="{91240B29-F687-4f45-9708-019B960494DF}">
-                  <a14:hiddenLine xmlns:a14="http://schemas.microsoft.com/office/drawing/2010/main" xmlns="" w="9525">
+                  <a14:hiddenLine xmlns="" xmlns:a14="http://schemas.microsoft.com/office/drawing/2010/main" w="9525">
                     <a:solidFill>
                       <a:srgbClr val="000000"/>
                     </a:solidFill>
@@ -10115,7 +10115,7 @@
               </a:ln>
               <a:extLst>
                 <a:ext uri="{91240B29-F687-4f45-9708-019B960494DF}">
-                  <a14:hiddenLine xmlns:a14="http://schemas.microsoft.com/office/drawing/2010/main" xmlns="" w="9525">
+                  <a14:hiddenLine xmlns="" xmlns:a14="http://schemas.microsoft.com/office/drawing/2010/main" w="9525">
                     <a:solidFill>
                       <a:srgbClr val="000000"/>
                     </a:solidFill>
@@ -10177,7 +10177,7 @@
               </a:ln>
               <a:extLst>
                 <a:ext uri="{91240B29-F687-4f45-9708-019B960494DF}">
-                  <a14:hiddenLine xmlns:a14="http://schemas.microsoft.com/office/drawing/2010/main" xmlns="" w="9525">
+                  <a14:hiddenLine xmlns="" xmlns:a14="http://schemas.microsoft.com/office/drawing/2010/main" w="9525">
                     <a:solidFill>
                       <a:srgbClr val="000000"/>
                     </a:solidFill>
@@ -10267,7 +10267,7 @@
               </a:ln>
               <a:extLst>
                 <a:ext uri="{91240B29-F687-4f45-9708-019B960494DF}">
-                  <a14:hiddenLine xmlns:a14="http://schemas.microsoft.com/office/drawing/2010/main" xmlns="" w="9525">
+                  <a14:hiddenLine xmlns="" xmlns:a14="http://schemas.microsoft.com/office/drawing/2010/main" w="9525">
                     <a:solidFill>
                       <a:srgbClr val="000000"/>
                     </a:solidFill>
@@ -10301,7 +10301,7 @@
               </a:ln>
               <a:extLst>
                 <a:ext uri="{91240B29-F687-4f45-9708-019B960494DF}">
-                  <a14:hiddenLine xmlns:a14="http://schemas.microsoft.com/office/drawing/2010/main" xmlns="" w="9525">
+                  <a14:hiddenLine xmlns="" xmlns:a14="http://schemas.microsoft.com/office/drawing/2010/main" w="9525">
                     <a:solidFill>
                       <a:srgbClr val="000000"/>
                     </a:solidFill>
@@ -10366,7 +10366,7 @@
               </a:ln>
               <a:extLst>
                 <a:ext uri="{91240B29-F687-4f45-9708-019B960494DF}">
-                  <a14:hiddenLine xmlns:a14="http://schemas.microsoft.com/office/drawing/2010/main" xmlns="" w="9525">
+                  <a14:hiddenLine xmlns="" xmlns:a14="http://schemas.microsoft.com/office/drawing/2010/main" w="9525">
                     <a:solidFill>
                       <a:srgbClr val="000000"/>
                     </a:solidFill>
@@ -10456,7 +10456,7 @@
               </a:ln>
               <a:extLst>
                 <a:ext uri="{91240B29-F687-4f45-9708-019B960494DF}">
-                  <a14:hiddenLine xmlns:a14="http://schemas.microsoft.com/office/drawing/2010/main" xmlns="" w="9525">
+                  <a14:hiddenLine xmlns="" xmlns:a14="http://schemas.microsoft.com/office/drawing/2010/main" w="9525">
                     <a:solidFill>
                       <a:srgbClr val="000000"/>
                     </a:solidFill>
@@ -10518,7 +10518,7 @@
               </a:ln>
               <a:extLst>
                 <a:ext uri="{91240B29-F687-4f45-9708-019B960494DF}">
-                  <a14:hiddenLine xmlns:a14="http://schemas.microsoft.com/office/drawing/2010/main" xmlns="" w="9525">
+                  <a14:hiddenLine xmlns="" xmlns:a14="http://schemas.microsoft.com/office/drawing/2010/main" w="9525">
                     <a:solidFill>
                       <a:srgbClr val="000000"/>
                     </a:solidFill>
@@ -10608,7 +10608,7 @@
               </a:ln>
               <a:extLst>
                 <a:ext uri="{91240B29-F687-4f45-9708-019B960494DF}">
-                  <a14:hiddenLine xmlns:a14="http://schemas.microsoft.com/office/drawing/2010/main" xmlns="" w="9525">
+                  <a14:hiddenLine xmlns="" xmlns:a14="http://schemas.microsoft.com/office/drawing/2010/main" w="9525">
                     <a:solidFill>
                       <a:srgbClr val="000000"/>
                     </a:solidFill>
@@ -10673,7 +10673,7 @@
               </a:ln>
               <a:extLst>
                 <a:ext uri="{91240B29-F687-4f45-9708-019B960494DF}">
-                  <a14:hiddenLine xmlns:a14="http://schemas.microsoft.com/office/drawing/2010/main" xmlns="" w="9525">
+                  <a14:hiddenLine xmlns="" xmlns:a14="http://schemas.microsoft.com/office/drawing/2010/main" w="9525">
                     <a:solidFill>
                       <a:srgbClr val="000000"/>
                     </a:solidFill>
@@ -10735,7 +10735,7 @@
               </a:ln>
               <a:extLst>
                 <a:ext uri="{91240B29-F687-4f45-9708-019B960494DF}">
-                  <a14:hiddenLine xmlns:a14="http://schemas.microsoft.com/office/drawing/2010/main" xmlns="" w="9525">
+                  <a14:hiddenLine xmlns="" xmlns:a14="http://schemas.microsoft.com/office/drawing/2010/main" w="9525">
                     <a:solidFill>
                       <a:srgbClr val="000000"/>
                     </a:solidFill>
@@ -10825,7 +10825,7 @@
               </a:ln>
               <a:extLst>
                 <a:ext uri="{91240B29-F687-4f45-9708-019B960494DF}">
-                  <a14:hiddenLine xmlns:a14="http://schemas.microsoft.com/office/drawing/2010/main" xmlns="" w="9525">
+                  <a14:hiddenLine xmlns="" xmlns:a14="http://schemas.microsoft.com/office/drawing/2010/main" w="9525">
                     <a:solidFill>
                       <a:srgbClr val="000000"/>
                     </a:solidFill>
@@ -10915,7 +10915,7 @@
               </a:ln>
               <a:extLst>
                 <a:ext uri="{91240B29-F687-4f45-9708-019B960494DF}">
-                  <a14:hiddenLine xmlns:a14="http://schemas.microsoft.com/office/drawing/2010/main" xmlns="" w="9525">
+                  <a14:hiddenLine xmlns="" xmlns:a14="http://schemas.microsoft.com/office/drawing/2010/main" w="9525">
                     <a:solidFill>
                       <a:srgbClr val="000000"/>
                     </a:solidFill>
@@ -10980,7 +10980,7 @@
               </a:ln>
               <a:extLst>
                 <a:ext uri="{91240B29-F687-4f45-9708-019B960494DF}">
-                  <a14:hiddenLine xmlns:a14="http://schemas.microsoft.com/office/drawing/2010/main" xmlns="" w="9525">
+                  <a14:hiddenLine xmlns="" xmlns:a14="http://schemas.microsoft.com/office/drawing/2010/main" w="9525">
                     <a:solidFill>
                       <a:srgbClr val="000000"/>
                     </a:solidFill>
@@ -11100,7 +11100,7 @@
               </a:ln>
               <a:extLst>
                 <a:ext uri="{91240B29-F687-4f45-9708-019B960494DF}">
-                  <a14:hiddenLine xmlns:a14="http://schemas.microsoft.com/office/drawing/2010/main" xmlns="" w="9525">
+                  <a14:hiddenLine xmlns="" xmlns:a14="http://schemas.microsoft.com/office/drawing/2010/main" w="9525">
                     <a:solidFill>
                       <a:srgbClr val="000000"/>
                     </a:solidFill>
@@ -11198,7 +11198,7 @@
               </a:ln>
               <a:extLst>
                 <a:ext uri="{91240B29-F687-4f45-9708-019B960494DF}">
-                  <a14:hiddenLine xmlns:a14="http://schemas.microsoft.com/office/drawing/2010/main" xmlns="" w="9525">
+                  <a14:hiddenLine xmlns="" xmlns:a14="http://schemas.microsoft.com/office/drawing/2010/main" w="9525">
                     <a:solidFill>
                       <a:srgbClr val="000000"/>
                     </a:solidFill>
@@ -11313,7 +11313,7 @@
               </a:ln>
               <a:extLst>
                 <a:ext uri="{91240B29-F687-4f45-9708-019B960494DF}">
-                  <a14:hiddenLine xmlns:a14="http://schemas.microsoft.com/office/drawing/2010/main" xmlns="" w="9525">
+                  <a14:hiddenLine xmlns="" xmlns:a14="http://schemas.microsoft.com/office/drawing/2010/main" w="9525">
                     <a:solidFill>
                       <a:srgbClr val="000000"/>
                     </a:solidFill>
@@ -11403,7 +11403,7 @@
               </a:ln>
               <a:extLst>
                 <a:ext uri="{91240B29-F687-4f45-9708-019B960494DF}">
-                  <a14:hiddenLine xmlns:a14="http://schemas.microsoft.com/office/drawing/2010/main" xmlns="" w="9525">
+                  <a14:hiddenLine xmlns="" xmlns:a14="http://schemas.microsoft.com/office/drawing/2010/main" w="9525">
                     <a:solidFill>
                       <a:srgbClr val="000000"/>
                     </a:solidFill>
@@ -11468,7 +11468,7 @@
               </a:ln>
               <a:extLst>
                 <a:ext uri="{91240B29-F687-4f45-9708-019B960494DF}">
-                  <a14:hiddenLine xmlns:a14="http://schemas.microsoft.com/office/drawing/2010/main" xmlns="" w="9525">
+                  <a14:hiddenLine xmlns="" xmlns:a14="http://schemas.microsoft.com/office/drawing/2010/main" w="9525">
                     <a:solidFill>
                       <a:srgbClr val="000000"/>
                     </a:solidFill>
@@ -11558,7 +11558,7 @@
               </a:ln>
               <a:extLst>
                 <a:ext uri="{91240B29-F687-4f45-9708-019B960494DF}">
-                  <a14:hiddenLine xmlns:a14="http://schemas.microsoft.com/office/drawing/2010/main" xmlns="" w="9525">
+                  <a14:hiddenLine xmlns="" xmlns:a14="http://schemas.microsoft.com/office/drawing/2010/main" w="9525">
                     <a:solidFill>
                       <a:srgbClr val="000000"/>
                     </a:solidFill>
@@ -11626,7 +11626,7 @@
               </a:ln>
               <a:extLst>
                 <a:ext uri="{91240B29-F687-4f45-9708-019B960494DF}">
-                  <a14:hiddenLine xmlns:a14="http://schemas.microsoft.com/office/drawing/2010/main" xmlns="" w="9525">
+                  <a14:hiddenLine xmlns="" xmlns:a14="http://schemas.microsoft.com/office/drawing/2010/main" w="9525">
                     <a:solidFill>
                       <a:srgbClr val="000000"/>
                     </a:solidFill>
@@ -11716,7 +11716,7 @@
               </a:ln>
               <a:extLst>
                 <a:ext uri="{91240B29-F687-4f45-9708-019B960494DF}">
-                  <a14:hiddenLine xmlns:a14="http://schemas.microsoft.com/office/drawing/2010/main" xmlns="" w="9525">
+                  <a14:hiddenLine xmlns="" xmlns:a14="http://schemas.microsoft.com/office/drawing/2010/main" w="9525">
                     <a:solidFill>
                       <a:srgbClr val="000000"/>
                     </a:solidFill>
@@ -11784,7 +11784,7 @@
               </a:ln>
               <a:extLst>
                 <a:ext uri="{91240B29-F687-4f45-9708-019B960494DF}">
-                  <a14:hiddenLine xmlns:a14="http://schemas.microsoft.com/office/drawing/2010/main" xmlns="" w="9525">
+                  <a14:hiddenLine xmlns="" xmlns:a14="http://schemas.microsoft.com/office/drawing/2010/main" w="9525">
                     <a:solidFill>
                       <a:srgbClr val="000000"/>
                     </a:solidFill>
@@ -11874,7 +11874,7 @@
               </a:ln>
               <a:extLst>
                 <a:ext uri="{91240B29-F687-4f45-9708-019B960494DF}">
-                  <a14:hiddenLine xmlns:a14="http://schemas.microsoft.com/office/drawing/2010/main" xmlns="" w="9525">
+                  <a14:hiddenLine xmlns="" xmlns:a14="http://schemas.microsoft.com/office/drawing/2010/main" w="9525">
                     <a:solidFill>
                       <a:srgbClr val="000000"/>
                     </a:solidFill>
@@ -11908,7 +11908,7 @@
               </a:ln>
               <a:extLst>
                 <a:ext uri="{91240B29-F687-4f45-9708-019B960494DF}">
-                  <a14:hiddenLine xmlns:a14="http://schemas.microsoft.com/office/drawing/2010/main" xmlns="" w="9525">
+                  <a14:hiddenLine xmlns="" xmlns:a14="http://schemas.microsoft.com/office/drawing/2010/main" w="9525">
                     <a:solidFill>
                       <a:srgbClr val="000000"/>
                     </a:solidFill>
@@ -12521,16 +12521,21 @@
             <p:ph type="subTitle" idx="1"/>
           </p:nvPr>
         </p:nvSpPr>
-        <p:spPr/>
+        <p:spPr>
+          <a:xfrm>
+            <a:off x="1876424" y="3602037"/>
+            <a:ext cx="8791575" cy="2387599"/>
+          </a:xfrm>
+        </p:spPr>
         <p:txBody>
           <a:bodyPr>
-            <a:normAutofit/>
+            <a:normAutofit fontScale="92500" lnSpcReduction="20000"/>
           </a:bodyPr>
           <a:lstStyle/>
           <a:p>
             <a:pPr algn="ctr"/>
             <a:r>
-              <a:rPr lang="zh-TW" altLang="en-US" dirty="0">
+              <a:rPr lang="zh-TW" altLang="en-US" sz="3000" dirty="0">
                 <a:solidFill>
                   <a:schemeClr val="bg1"/>
                 </a:solidFill>
@@ -12538,7 +12543,7 @@
               <a:t>組長</a:t>
             </a:r>
             <a:r>
-              <a:rPr lang="en-US" altLang="zh-TW" dirty="0">
+              <a:rPr lang="en-US" altLang="zh-TW" sz="3000" dirty="0">
                 <a:solidFill>
                   <a:schemeClr val="bg1"/>
                 </a:solidFill>
@@ -12546,14 +12551,14 @@
               <a:t>:ACS108150 </a:t>
             </a:r>
             <a:r>
-              <a:rPr lang="zh-TW" altLang="en-US" dirty="0">
+              <a:rPr lang="zh-TW" altLang="en-US" sz="3000" dirty="0">
                 <a:solidFill>
                   <a:schemeClr val="bg1"/>
                 </a:solidFill>
               </a:rPr>
               <a:t>吳竣宇</a:t>
             </a:r>
-            <a:endParaRPr lang="en-US" altLang="zh-TW" dirty="0">
+            <a:endParaRPr lang="en-US" altLang="zh-TW" sz="3000" dirty="0">
               <a:solidFill>
                 <a:schemeClr val="bg1"/>
               </a:solidFill>
@@ -12562,7 +12567,7 @@
           <a:p>
             <a:pPr algn="ctr"/>
             <a:r>
-              <a:rPr lang="zh-TW" altLang="en-US" dirty="0">
+              <a:rPr lang="zh-TW" altLang="en-US" sz="3000" dirty="0">
                 <a:solidFill>
                   <a:schemeClr val="bg1"/>
                 </a:solidFill>
@@ -12570,7 +12575,7 @@
               <a:t>組員</a:t>
             </a:r>
             <a:r>
-              <a:rPr lang="en-US" altLang="zh-TW" dirty="0">
+              <a:rPr lang="en-US" altLang="zh-TW" sz="3000" dirty="0">
                 <a:solidFill>
                   <a:schemeClr val="bg1"/>
                 </a:solidFill>
@@ -12578,7 +12583,7 @@
               <a:t>:ACS108101</a:t>
             </a:r>
             <a:r>
-              <a:rPr lang="zh-TW" altLang="en-US" dirty="0">
+              <a:rPr lang="zh-TW" altLang="en-US" sz="3000" dirty="0">
                 <a:solidFill>
                   <a:schemeClr val="bg1"/>
                 </a:solidFill>
@@ -12586,7 +12591,7 @@
               <a:t>施賀騰</a:t>
             </a:r>
             <a:r>
-              <a:rPr lang="en-US" altLang="zh-TW" dirty="0">
+              <a:rPr lang="en-US" altLang="zh-TW" sz="3000" dirty="0">
                 <a:solidFill>
                   <a:schemeClr val="bg1"/>
                 </a:solidFill>
@@ -12594,7 +12599,7 @@
               <a:t>,acs108111</a:t>
             </a:r>
             <a:r>
-              <a:rPr lang="zh-TW" altLang="en-US" dirty="0">
+              <a:rPr lang="zh-TW" altLang="en-US" sz="3000" dirty="0">
                 <a:solidFill>
                   <a:schemeClr val="bg1"/>
                 </a:solidFill>
@@ -12602,7 +12607,7 @@
               <a:t>林碩約</a:t>
             </a:r>
             <a:r>
-              <a:rPr lang="en-US" altLang="zh-TW" dirty="0">
+              <a:rPr lang="en-US" altLang="zh-TW" sz="3000" dirty="0">
                 <a:solidFill>
                   <a:schemeClr val="bg1"/>
                 </a:solidFill>
@@ -12610,7 +12615,7 @@
               <a:t>,ACS108127</a:t>
             </a:r>
             <a:r>
-              <a:rPr lang="zh-TW" altLang="en-US" dirty="0">
+              <a:rPr lang="zh-TW" altLang="en-US" sz="3000" dirty="0">
                 <a:solidFill>
                   <a:schemeClr val="bg1"/>
                 </a:solidFill>
@@ -12618,7 +12623,7 @@
               <a:t>顏志騰</a:t>
             </a:r>
             <a:r>
-              <a:rPr lang="en-US" altLang="zh-TW" dirty="0">
+              <a:rPr lang="en-US" altLang="zh-TW" sz="3000" dirty="0">
                 <a:solidFill>
                   <a:schemeClr val="bg1"/>
                 </a:solidFill>
@@ -12626,7 +12631,7 @@
               <a:t>,</a:t>
             </a:r>
             <a:r>
-              <a:rPr lang="zh-TW" altLang="zh-TW" sz="1800" kern="100" dirty="0">
+              <a:rPr lang="zh-TW" altLang="zh-TW" sz="3000" kern="100" dirty="0">
                 <a:effectLst/>
                 <a:latin typeface="Calibri" panose="020F0502020204030204" pitchFamily="34" charset="0"/>
                 <a:ea typeface="新細明體" panose="02020500000000000000" pitchFamily="18" charset="-120"/>
@@ -12635,7 +12640,7 @@
               <a:t> </a:t>
             </a:r>
             <a:r>
-              <a:rPr lang="en-US" altLang="zh-TW" kern="100" dirty="0">
+              <a:rPr lang="en-US" altLang="zh-TW" sz="3000" kern="100" dirty="0">
                 <a:solidFill>
                   <a:schemeClr val="bg1"/>
                 </a:solidFill>
@@ -12647,7 +12652,7 @@
               <a:t>ACS108131 </a:t>
             </a:r>
             <a:r>
-              <a:rPr lang="zh-TW" altLang="zh-TW" kern="100" dirty="0">
+              <a:rPr lang="zh-TW" altLang="zh-TW" sz="3000" kern="100" dirty="0">
                 <a:solidFill>
                   <a:schemeClr val="bg1"/>
                 </a:solidFill>
@@ -12659,7 +12664,7 @@
               <a:t>謝瑞峰</a:t>
             </a:r>
             <a:r>
-              <a:rPr lang="en-US" altLang="zh-TW" kern="100" dirty="0">
+              <a:rPr lang="en-US" altLang="zh-TW" sz="3000" kern="100" dirty="0">
                 <a:solidFill>
                   <a:schemeClr val="bg1"/>
                 </a:solidFill>
@@ -12671,7 +12676,7 @@
               <a:t>,ACS108143 </a:t>
             </a:r>
             <a:r>
-              <a:rPr lang="zh-TW" altLang="zh-TW" kern="100" dirty="0">
+              <a:rPr lang="zh-TW" altLang="zh-TW" sz="3000" kern="100" dirty="0">
                 <a:solidFill>
                   <a:schemeClr val="bg1"/>
                 </a:solidFill>
@@ -12683,7 +12688,7 @@
               <a:t>許育瑋</a:t>
             </a:r>
             <a:r>
-              <a:rPr lang="en-US" altLang="zh-TW" kern="100" dirty="0">
+              <a:rPr lang="en-US" altLang="zh-TW" sz="3000" kern="100" dirty="0">
                 <a:solidFill>
                   <a:schemeClr val="bg1"/>
                 </a:solidFill>
@@ -12695,7 +12700,7 @@
               <a:t>,ACS108146 </a:t>
             </a:r>
             <a:r>
-              <a:rPr lang="zh-TW" altLang="zh-TW" kern="100" dirty="0">
+              <a:rPr lang="zh-TW" altLang="zh-TW" sz="3000" kern="100" dirty="0">
                 <a:solidFill>
                   <a:schemeClr val="bg1"/>
                 </a:solidFill>
@@ -12707,7 +12712,7 @@
               <a:t>吳伯儒</a:t>
             </a:r>
             <a:r>
-              <a:rPr lang="en-US" altLang="zh-TW" kern="100" dirty="0">
+              <a:rPr lang="en-US" altLang="zh-TW" sz="3000" kern="100" dirty="0">
                 <a:solidFill>
                   <a:schemeClr val="bg1"/>
                 </a:solidFill>
@@ -12719,7 +12724,7 @@
               <a:t>,AMA107148 </a:t>
             </a:r>
             <a:r>
-              <a:rPr lang="zh-TW" altLang="zh-TW" kern="100" dirty="0">
+              <a:rPr lang="zh-TW" altLang="zh-TW" sz="3000" kern="100" dirty="0">
                 <a:solidFill>
                   <a:schemeClr val="bg1"/>
                 </a:solidFill>
@@ -12731,7 +12736,7 @@
               <a:t>江亦賢</a:t>
             </a:r>
             <a:r>
-              <a:rPr lang="en-US" altLang="zh-TW" kern="100" dirty="0">
+              <a:rPr lang="en-US" altLang="zh-TW" sz="3000" kern="100" dirty="0">
                 <a:solidFill>
                   <a:schemeClr val="bg1"/>
                 </a:solidFill>
@@ -12743,7 +12748,7 @@
               <a:t>,ACS107803 </a:t>
             </a:r>
             <a:r>
-              <a:rPr lang="zh-TW" altLang="zh-TW" kern="100" dirty="0">
+              <a:rPr lang="zh-TW" altLang="zh-TW" sz="3000" kern="100" dirty="0">
                 <a:solidFill>
                   <a:schemeClr val="bg1"/>
                 </a:solidFill>
@@ -12813,12 +12818,14 @@
         </p:nvSpPr>
         <p:spPr/>
         <p:txBody>
-          <a:bodyPr/>
+          <a:bodyPr>
+            <a:normAutofit/>
+          </a:bodyPr>
           <a:lstStyle/>
           <a:p>
             <a:pPr algn="ctr"/>
             <a:r>
-              <a:rPr lang="zh-TW" altLang="en-US" dirty="0">
+              <a:rPr lang="zh-TW" altLang="en-US" sz="4400" dirty="0">
                 <a:solidFill>
                   <a:schemeClr val="bg1"/>
                 </a:solidFill>
@@ -12826,14 +12833,14 @@
               <a:t>程式</a:t>
             </a:r>
             <a:r>
-              <a:rPr lang="en-US" altLang="zh-TW" dirty="0">
+              <a:rPr lang="en-US" altLang="zh-TW" sz="4400" dirty="0">
                 <a:solidFill>
                   <a:schemeClr val="bg1"/>
                 </a:solidFill>
               </a:rPr>
               <a:t>input:</a:t>
             </a:r>
-            <a:endParaRPr lang="zh-TW" altLang="en-US" dirty="0">
+            <a:endParaRPr lang="zh-TW" altLang="en-US" sz="4400" dirty="0">
               <a:solidFill>
                 <a:schemeClr val="bg1"/>
               </a:solidFill>
@@ -12918,12 +12925,14 @@
         </p:nvSpPr>
         <p:spPr/>
         <p:txBody>
-          <a:bodyPr/>
+          <a:bodyPr>
+            <a:normAutofit/>
+          </a:bodyPr>
           <a:lstStyle/>
           <a:p>
             <a:pPr algn="ctr"/>
             <a:r>
-              <a:rPr lang="zh-TW" altLang="en-US" dirty="0">
+              <a:rPr lang="zh-TW" altLang="en-US" sz="4400" dirty="0">
                 <a:solidFill>
                   <a:schemeClr val="bg1"/>
                 </a:solidFill>
@@ -12931,14 +12940,14 @@
               <a:t>程式碼</a:t>
             </a:r>
             <a:r>
-              <a:rPr lang="en-US" altLang="zh-TW" dirty="0">
+              <a:rPr lang="en-US" altLang="zh-TW" sz="4400" dirty="0">
                 <a:solidFill>
                   <a:schemeClr val="bg1"/>
                 </a:solidFill>
               </a:rPr>
               <a:t>:</a:t>
             </a:r>
-            <a:endParaRPr lang="zh-TW" altLang="en-US" dirty="0">
+            <a:endParaRPr lang="zh-TW" altLang="en-US" sz="4400" dirty="0">
               <a:solidFill>
                 <a:schemeClr val="bg1"/>
               </a:solidFill>
@@ -12989,8 +12998,8 @@
         </p:nvSpPr>
         <p:spPr>
           <a:xfrm>
-            <a:off x="5260157" y="2394408"/>
-            <a:ext cx="5109328" cy="1384995"/>
+            <a:off x="5260157" y="2394406"/>
+            <a:ext cx="5646655" cy="1569660"/>
           </a:xfrm>
           <a:prstGeom prst="rect">
             <a:avLst/>
@@ -13004,7 +13013,7 @@
           <a:lstStyle/>
           <a:p>
             <a:r>
-              <a:rPr lang="zh-TW" altLang="en-US" sz="2800" dirty="0">
+              <a:rPr lang="zh-TW" altLang="en-US" sz="3200" dirty="0">
                 <a:solidFill>
                   <a:schemeClr val="bg1"/>
                 </a:solidFill>
@@ -13012,7 +13021,7 @@
               <a:t>利用</a:t>
             </a:r>
             <a:r>
-              <a:rPr lang="en-US" altLang="zh-TW" sz="2800" dirty="0" err="1">
+              <a:rPr lang="en-US" altLang="zh-TW" sz="3200" dirty="0" err="1">
                 <a:solidFill>
                   <a:schemeClr val="bg1"/>
                 </a:solidFill>
@@ -13020,7 +13029,7 @@
               <a:t>addNumber</a:t>
             </a:r>
             <a:r>
-              <a:rPr lang="zh-TW" altLang="en-US" sz="2800" dirty="0">
+              <a:rPr lang="zh-TW" altLang="en-US" sz="3200" dirty="0">
                 <a:solidFill>
                   <a:schemeClr val="bg1"/>
                 </a:solidFill>
@@ -13028,7 +13037,7 @@
               <a:t>去抓取</a:t>
             </a:r>
             <a:r>
-              <a:rPr lang="en-US" altLang="zh-TW" sz="2800" dirty="0">
+              <a:rPr lang="en-US" altLang="zh-TW" sz="3200" dirty="0">
                 <a:solidFill>
                   <a:schemeClr val="bg1"/>
                 </a:solidFill>
@@ -13036,7 +13045,7 @@
               <a:t>input</a:t>
             </a:r>
             <a:r>
-              <a:rPr lang="zh-TW" altLang="en-US" sz="2800" dirty="0">
+              <a:rPr lang="zh-TW" altLang="en-US" sz="3200" dirty="0">
                 <a:solidFill>
                   <a:schemeClr val="bg1"/>
                 </a:solidFill>
@@ -13044,7 +13053,7 @@
               <a:t>的數字</a:t>
             </a:r>
             <a:r>
-              <a:rPr lang="en-US" altLang="zh-TW" sz="2800" dirty="0">
+              <a:rPr lang="en-US" altLang="zh-TW" sz="3200" dirty="0">
                 <a:solidFill>
                   <a:schemeClr val="bg1"/>
                 </a:solidFill>
@@ -13052,7 +13061,7 @@
               <a:t>,</a:t>
             </a:r>
             <a:r>
-              <a:rPr lang="zh-TW" altLang="en-US" sz="2800" dirty="0">
+              <a:rPr lang="zh-TW" altLang="en-US" sz="3200" dirty="0">
                 <a:solidFill>
                   <a:schemeClr val="bg1"/>
                 </a:solidFill>
@@ -13060,14 +13069,14 @@
               <a:t>並會將輸入的紀錄暫存在</a:t>
             </a:r>
             <a:r>
-              <a:rPr lang="en-US" altLang="zh-TW" sz="2800" dirty="0">
+              <a:rPr lang="en-US" altLang="zh-TW" sz="3200" dirty="0">
                 <a:solidFill>
                   <a:schemeClr val="bg1"/>
                 </a:solidFill>
               </a:rPr>
               <a:t>data.txt</a:t>
             </a:r>
-            <a:endParaRPr lang="zh-TW" altLang="en-US" sz="2800" dirty="0">
+            <a:endParaRPr lang="zh-TW" altLang="en-US" sz="3200" dirty="0">
               <a:solidFill>
                 <a:schemeClr val="bg1"/>
               </a:solidFill>
@@ -13123,12 +13132,14 @@
         </p:nvSpPr>
         <p:spPr/>
         <p:txBody>
-          <a:bodyPr/>
+          <a:bodyPr>
+            <a:normAutofit/>
+          </a:bodyPr>
           <a:lstStyle/>
           <a:p>
             <a:pPr algn="ctr"/>
             <a:r>
-              <a:rPr lang="zh-TW" altLang="en-US" dirty="0">
+              <a:rPr lang="zh-TW" altLang="en-US" sz="4400" dirty="0">
                 <a:solidFill>
                   <a:schemeClr val="bg1"/>
                 </a:solidFill>
@@ -13136,14 +13147,14 @@
               <a:t>請先點選</a:t>
             </a:r>
             <a:r>
-              <a:rPr lang="en-US" altLang="zh-TW" dirty="0">
+              <a:rPr lang="en-US" altLang="zh-TW" sz="4400" dirty="0">
                 <a:solidFill>
                   <a:schemeClr val="bg1"/>
                 </a:solidFill>
               </a:rPr>
               <a:t>insertion sort:</a:t>
             </a:r>
-            <a:endParaRPr lang="zh-TW" altLang="en-US" dirty="0">
+            <a:endParaRPr lang="zh-TW" altLang="en-US" sz="4400" dirty="0">
               <a:solidFill>
                 <a:schemeClr val="bg1"/>
               </a:solidFill>
@@ -13228,17 +13239,19 @@
         </p:nvSpPr>
         <p:spPr>
           <a:xfrm>
-            <a:off x="1000010" y="363995"/>
+            <a:off x="1000010" y="0"/>
             <a:ext cx="9905998" cy="1478570"/>
           </a:xfrm>
         </p:spPr>
         <p:txBody>
-          <a:bodyPr/>
+          <a:bodyPr>
+            <a:normAutofit/>
+          </a:bodyPr>
           <a:lstStyle/>
           <a:p>
             <a:pPr algn="ctr"/>
             <a:r>
-              <a:rPr lang="zh-TW" altLang="en-US" dirty="0">
+              <a:rPr lang="zh-TW" altLang="en-US" sz="4400" dirty="0">
                 <a:solidFill>
                   <a:schemeClr val="bg1"/>
                 </a:solidFill>
@@ -13246,14 +13259,14 @@
               <a:t>程式碼</a:t>
             </a:r>
             <a:r>
-              <a:rPr lang="en-US" altLang="zh-TW" dirty="0">
+              <a:rPr lang="en-US" altLang="zh-TW" sz="4400" dirty="0">
                 <a:solidFill>
                   <a:schemeClr val="bg1"/>
                 </a:solidFill>
               </a:rPr>
               <a:t>:</a:t>
             </a:r>
-            <a:endParaRPr lang="zh-TW" altLang="en-US" dirty="0"/>
+            <a:endParaRPr lang="zh-TW" altLang="en-US" sz="4400" dirty="0"/>
           </a:p>
         </p:txBody>
       </p:sp>
@@ -13468,19 +13481,21 @@
         </p:nvSpPr>
         <p:spPr/>
         <p:txBody>
-          <a:bodyPr/>
+          <a:bodyPr>
+            <a:normAutofit/>
+          </a:bodyPr>
           <a:lstStyle/>
           <a:p>
             <a:pPr algn="ctr"/>
             <a:r>
-              <a:rPr lang="en-US" altLang="zh-TW" dirty="0">
+              <a:rPr lang="en-US" altLang="zh-TW" sz="4400" dirty="0">
                 <a:solidFill>
                   <a:schemeClr val="bg1"/>
                 </a:solidFill>
               </a:rPr>
               <a:t>Count number:</a:t>
             </a:r>
-            <a:endParaRPr lang="zh-TW" altLang="en-US" dirty="0">
+            <a:endParaRPr lang="zh-TW" altLang="en-US" sz="4400" dirty="0">
               <a:solidFill>
                 <a:schemeClr val="bg1"/>
               </a:solidFill>
@@ -13565,12 +13580,14 @@
         </p:nvSpPr>
         <p:spPr/>
         <p:txBody>
-          <a:bodyPr/>
+          <a:bodyPr>
+            <a:normAutofit/>
+          </a:bodyPr>
           <a:lstStyle/>
           <a:p>
             <a:pPr algn="ctr"/>
             <a:r>
-              <a:rPr lang="zh-TW" altLang="en-US" dirty="0">
+              <a:rPr lang="zh-TW" altLang="en-US" sz="4400" dirty="0">
                 <a:solidFill>
                   <a:schemeClr val="bg1"/>
                 </a:solidFill>
@@ -13578,14 +13595,14 @@
               <a:t>程式碼</a:t>
             </a:r>
             <a:r>
-              <a:rPr lang="en-US" altLang="zh-TW" dirty="0">
+              <a:rPr lang="en-US" altLang="zh-TW" sz="4400" dirty="0">
                 <a:solidFill>
                   <a:schemeClr val="bg1"/>
                 </a:solidFill>
               </a:rPr>
               <a:t>:</a:t>
             </a:r>
-            <a:endParaRPr lang="zh-TW" altLang="en-US" dirty="0"/>
+            <a:endParaRPr lang="zh-TW" altLang="en-US" sz="4400" dirty="0"/>
           </a:p>
         </p:txBody>
       </p:sp>
@@ -13633,7 +13650,7 @@
         <p:spPr>
           <a:xfrm>
             <a:off x="6183984" y="2689714"/>
-            <a:ext cx="5147035" cy="954107"/>
+            <a:ext cx="5147035" cy="1200329"/>
           </a:xfrm>
           <a:prstGeom prst="rect">
             <a:avLst/>
@@ -13647,7 +13664,7 @@
           <a:lstStyle/>
           <a:p>
             <a:r>
-              <a:rPr lang="zh-TW" altLang="en-US" sz="2800" dirty="0">
+              <a:rPr lang="zh-TW" altLang="en-US" sz="3600" dirty="0">
                 <a:solidFill>
                   <a:schemeClr val="bg1"/>
                 </a:solidFill>
@@ -13655,7 +13672,7 @@
               <a:t>直接計算儲存</a:t>
             </a:r>
             <a:r>
-              <a:rPr lang="en-US" altLang="zh-TW" sz="2800" dirty="0">
+              <a:rPr lang="en-US" altLang="zh-TW" sz="3600" dirty="0">
                 <a:solidFill>
                   <a:schemeClr val="bg1"/>
                 </a:solidFill>
@@ -13663,7 +13680,7 @@
               <a:t>data</a:t>
             </a:r>
             <a:r>
-              <a:rPr lang="zh-TW" altLang="en-US" sz="2800" dirty="0">
+              <a:rPr lang="zh-TW" altLang="en-US" sz="3600" dirty="0">
                 <a:solidFill>
                   <a:schemeClr val="bg1"/>
                 </a:solidFill>
@@ -13671,7 +13688,7 @@
               <a:t>的</a:t>
             </a:r>
             <a:r>
-              <a:rPr lang="en-US" altLang="zh-TW" sz="2800" dirty="0" err="1">
+              <a:rPr lang="en-US" altLang="zh-TW" sz="3600" dirty="0" err="1">
                 <a:solidFill>
                   <a:schemeClr val="bg1"/>
                 </a:solidFill>
@@ -13679,7 +13696,7 @@
               <a:t>arraylist</a:t>
             </a:r>
             <a:r>
-              <a:rPr lang="zh-TW" altLang="en-US" sz="2800" dirty="0">
+              <a:rPr lang="zh-TW" altLang="en-US" sz="3600" dirty="0">
                 <a:solidFill>
                   <a:schemeClr val="bg1"/>
                 </a:solidFill>
@@ -13864,12 +13881,14 @@
         </p:nvSpPr>
         <p:spPr/>
         <p:txBody>
-          <a:bodyPr/>
+          <a:bodyPr>
+            <a:normAutofit/>
+          </a:bodyPr>
           <a:lstStyle/>
           <a:p>
             <a:pPr algn="ctr"/>
             <a:r>
-              <a:rPr lang="zh-TW" altLang="en-US" dirty="0">
+              <a:rPr lang="zh-TW" altLang="en-US" sz="4400" dirty="0">
                 <a:solidFill>
                   <a:schemeClr val="bg1"/>
                 </a:solidFill>
@@ -13877,14 +13896,14 @@
               <a:t>程式碼</a:t>
             </a:r>
             <a:r>
-              <a:rPr lang="en-US" altLang="zh-TW" dirty="0">
+              <a:rPr lang="en-US" altLang="zh-TW" sz="4400" dirty="0">
                 <a:solidFill>
                   <a:schemeClr val="bg1"/>
                 </a:solidFill>
               </a:rPr>
               <a:t>:</a:t>
             </a:r>
-            <a:endParaRPr lang="zh-TW" altLang="en-US" dirty="0"/>
+            <a:endParaRPr lang="zh-TW" altLang="en-US" sz="4400" dirty="0"/>
           </a:p>
         </p:txBody>
       </p:sp>
@@ -13931,8 +13950,8 @@
         </p:nvSpPr>
         <p:spPr>
           <a:xfrm>
-            <a:off x="5722070" y="2224726"/>
-            <a:ext cx="5222450" cy="523220"/>
+            <a:off x="5824960" y="3449990"/>
+            <a:ext cx="5572045" cy="584775"/>
           </a:xfrm>
           <a:prstGeom prst="rect">
             <a:avLst/>
@@ -13946,7 +13965,7 @@
           <a:lstStyle/>
           <a:p>
             <a:r>
-              <a:rPr lang="zh-TW" altLang="en-US" sz="2800" dirty="0">
+              <a:rPr lang="zh-TW" altLang="en-US" sz="3200" dirty="0">
                 <a:solidFill>
                   <a:schemeClr val="bg1"/>
                 </a:solidFill>
@@ -13954,7 +13973,7 @@
               <a:t>將新增數字輸入到</a:t>
             </a:r>
             <a:r>
-              <a:rPr lang="en-US" altLang="zh-TW" sz="2800" dirty="0">
+              <a:rPr lang="en-US" altLang="zh-TW" sz="3200" dirty="0">
                 <a:solidFill>
                   <a:schemeClr val="bg1"/>
                 </a:solidFill>
@@ -13962,7 +13981,7 @@
               <a:t>data</a:t>
             </a:r>
             <a:r>
-              <a:rPr lang="zh-TW" altLang="en-US" sz="2800" dirty="0">
+              <a:rPr lang="zh-TW" altLang="en-US" sz="3200" dirty="0">
                 <a:solidFill>
                   <a:schemeClr val="bg1"/>
                 </a:solidFill>
@@ -14020,19 +14039,21 @@
         </p:nvSpPr>
         <p:spPr/>
         <p:txBody>
-          <a:bodyPr/>
+          <a:bodyPr>
+            <a:normAutofit/>
+          </a:bodyPr>
           <a:lstStyle/>
           <a:p>
             <a:pPr algn="ctr"/>
             <a:r>
-              <a:rPr lang="en-US" altLang="zh-TW" dirty="0">
+              <a:rPr lang="en-US" altLang="zh-TW" sz="4400" dirty="0">
                 <a:solidFill>
                   <a:schemeClr val="bg1"/>
                 </a:solidFill>
               </a:rPr>
               <a:t>Search:</a:t>
             </a:r>
-            <a:endParaRPr lang="zh-TW" altLang="en-US" dirty="0">
+            <a:endParaRPr lang="zh-TW" altLang="en-US" sz="4400" dirty="0">
               <a:solidFill>
                 <a:schemeClr val="bg1"/>
               </a:solidFill>
@@ -14177,12 +14198,14 @@
         </p:nvSpPr>
         <p:spPr/>
         <p:txBody>
-          <a:bodyPr/>
+          <a:bodyPr>
+            <a:normAutofit/>
+          </a:bodyPr>
           <a:lstStyle/>
           <a:p>
             <a:pPr algn="ctr"/>
             <a:r>
-              <a:rPr lang="zh-TW" altLang="en-US" dirty="0">
+              <a:rPr lang="zh-TW" altLang="en-US" sz="4000" dirty="0">
                 <a:solidFill>
                   <a:schemeClr val="bg1"/>
                 </a:solidFill>
@@ -14190,14 +14213,14 @@
               <a:t>程式碼</a:t>
             </a:r>
             <a:r>
-              <a:rPr lang="en-US" altLang="zh-TW" dirty="0">
+              <a:rPr lang="en-US" altLang="zh-TW" sz="4000" dirty="0">
                 <a:solidFill>
                   <a:schemeClr val="bg1"/>
                 </a:solidFill>
               </a:rPr>
               <a:t>:</a:t>
             </a:r>
-            <a:endParaRPr lang="zh-TW" altLang="en-US" dirty="0"/>
+            <a:endParaRPr lang="zh-TW" altLang="en-US" sz="4000" dirty="0"/>
           </a:p>
         </p:txBody>
       </p:sp>
@@ -14244,8 +14267,8 @@
         </p:nvSpPr>
         <p:spPr>
           <a:xfrm>
-            <a:off x="5439266" y="2328421"/>
-            <a:ext cx="4958499" cy="954107"/>
+            <a:off x="6094412" y="2347274"/>
+            <a:ext cx="3902697" cy="1569660"/>
           </a:xfrm>
           <a:prstGeom prst="rect">
             <a:avLst/>
@@ -14259,7 +14282,7 @@
           <a:lstStyle/>
           <a:p>
             <a:r>
-              <a:rPr lang="zh-TW" altLang="en-US" sz="2800" dirty="0">
+              <a:rPr lang="zh-TW" altLang="en-US" sz="3200" dirty="0">
                 <a:solidFill>
                   <a:schemeClr val="bg1"/>
                 </a:solidFill>
@@ -14267,7 +14290,7 @@
               <a:t>輸入最小值和最大值</a:t>
             </a:r>
             <a:r>
-              <a:rPr lang="en-US" altLang="zh-TW" sz="2800" dirty="0">
+              <a:rPr lang="en-US" altLang="zh-TW" sz="3200" dirty="0">
                 <a:solidFill>
                   <a:schemeClr val="bg1"/>
                 </a:solidFill>
@@ -14275,7 +14298,7 @@
               <a:t>,</a:t>
             </a:r>
             <a:r>
-              <a:rPr lang="zh-TW" altLang="en-US" sz="2800" dirty="0">
+              <a:rPr lang="zh-TW" altLang="en-US" sz="3200" dirty="0">
                 <a:solidFill>
                   <a:schemeClr val="bg1"/>
                 </a:solidFill>
@@ -14333,12 +14356,14 @@
         </p:nvSpPr>
         <p:spPr/>
         <p:txBody>
-          <a:bodyPr/>
+          <a:bodyPr>
+            <a:normAutofit/>
+          </a:bodyPr>
           <a:lstStyle/>
           <a:p>
             <a:pPr algn="ctr"/>
             <a:r>
-              <a:rPr lang="zh-TW" altLang="en-US" dirty="0">
+              <a:rPr lang="zh-TW" altLang="en-US" sz="4400" dirty="0">
                 <a:solidFill>
                   <a:schemeClr val="bg1"/>
                 </a:solidFill>
@@ -14346,14 +14371,14 @@
               <a:t>需求定義</a:t>
             </a:r>
             <a:r>
-              <a:rPr lang="en-US" altLang="zh-TW" dirty="0">
+              <a:rPr lang="en-US" altLang="zh-TW" sz="4400" dirty="0">
                 <a:solidFill>
                   <a:schemeClr val="bg1"/>
                 </a:solidFill>
               </a:rPr>
               <a:t>:</a:t>
             </a:r>
-            <a:endParaRPr lang="zh-TW" altLang="en-US" dirty="0">
+            <a:endParaRPr lang="zh-TW" altLang="en-US" sz="4400" dirty="0">
               <a:solidFill>
                 <a:schemeClr val="bg1"/>
               </a:solidFill>
@@ -14379,11 +14404,13 @@
         </p:nvSpPr>
         <p:spPr/>
         <p:txBody>
-          <a:bodyPr/>
+          <a:bodyPr>
+            <a:normAutofit/>
+          </a:bodyPr>
           <a:lstStyle/>
           <a:p>
             <a:r>
-              <a:rPr lang="zh-TW" altLang="en-US" dirty="0">
+              <a:rPr lang="zh-TW" altLang="en-US" sz="3200" dirty="0">
                 <a:solidFill>
                   <a:schemeClr val="bg1"/>
                 </a:solidFill>
@@ -14391,7 +14418,7 @@
               <a:t>最初的發想是以數學工具包的目標去做</a:t>
             </a:r>
             <a:r>
-              <a:rPr lang="en-US" altLang="zh-TW" dirty="0">
+              <a:rPr lang="en-US" altLang="zh-TW" sz="3200" dirty="0">
                 <a:solidFill>
                   <a:schemeClr val="bg1"/>
                 </a:solidFill>
@@ -14399,7 +14426,7 @@
               <a:t>,</a:t>
             </a:r>
             <a:r>
-              <a:rPr lang="zh-TW" altLang="en-US" dirty="0">
+              <a:rPr lang="zh-TW" altLang="en-US" sz="3200" dirty="0">
                 <a:solidFill>
                   <a:schemeClr val="bg1"/>
                 </a:solidFill>
@@ -14407,7 +14434,7 @@
               <a:t>我們設想客群可能為高中生到社會人士不等</a:t>
             </a:r>
             <a:r>
-              <a:rPr lang="en-US" altLang="zh-TW" dirty="0">
+              <a:rPr lang="en-US" altLang="zh-TW" sz="3200" dirty="0">
                 <a:solidFill>
                   <a:schemeClr val="bg1"/>
                 </a:solidFill>
@@ -14415,7 +14442,7 @@
               <a:t>,</a:t>
             </a:r>
             <a:r>
-              <a:rPr lang="zh-TW" altLang="en-US" dirty="0">
+              <a:rPr lang="zh-TW" altLang="en-US" sz="3200" dirty="0">
                 <a:solidFill>
                   <a:schemeClr val="bg1"/>
                 </a:solidFill>
@@ -14423,7 +14450,7 @@
               <a:t>以</a:t>
             </a:r>
             <a:r>
-              <a:rPr lang="en-US" altLang="zh-TW" dirty="0">
+              <a:rPr lang="en-US" altLang="zh-TW" sz="3200" dirty="0">
                 <a:solidFill>
                   <a:schemeClr val="bg1"/>
                 </a:solidFill>
@@ -14431,7 +14458,7 @@
               <a:t>sort</a:t>
             </a:r>
             <a:r>
-              <a:rPr lang="zh-TW" altLang="en-US" dirty="0">
+              <a:rPr lang="zh-TW" altLang="en-US" sz="3200" dirty="0">
                 <a:solidFill>
                   <a:schemeClr val="bg1"/>
                 </a:solidFill>
@@ -14439,7 +14466,7 @@
               <a:t>後的資料分析為主</a:t>
             </a:r>
             <a:r>
-              <a:rPr lang="en-US" altLang="zh-TW" dirty="0">
+              <a:rPr lang="en-US" altLang="zh-TW" sz="3200" dirty="0">
                 <a:solidFill>
                   <a:schemeClr val="bg1"/>
                 </a:solidFill>
@@ -14447,7 +14474,7 @@
               <a:t>,</a:t>
             </a:r>
             <a:r>
-              <a:rPr lang="zh-TW" altLang="en-US" dirty="0">
+              <a:rPr lang="zh-TW" altLang="en-US" sz="3200" dirty="0">
                 <a:solidFill>
                   <a:schemeClr val="bg1"/>
                 </a:solidFill>
@@ -14505,19 +14532,21 @@
         </p:nvSpPr>
         <p:spPr/>
         <p:txBody>
-          <a:bodyPr/>
+          <a:bodyPr>
+            <a:normAutofit/>
+          </a:bodyPr>
           <a:lstStyle/>
           <a:p>
             <a:pPr algn="ctr"/>
             <a:r>
-              <a:rPr lang="en-US" altLang="zh-TW" dirty="0">
+              <a:rPr lang="en-US" altLang="zh-TW" sz="4400" dirty="0">
                 <a:solidFill>
                   <a:schemeClr val="bg1"/>
                 </a:solidFill>
               </a:rPr>
               <a:t>Edit:</a:t>
             </a:r>
-            <a:endParaRPr lang="zh-TW" altLang="en-US" dirty="0">
+            <a:endParaRPr lang="zh-TW" altLang="en-US" sz="4400" dirty="0">
               <a:solidFill>
                 <a:schemeClr val="bg1"/>
               </a:solidFill>
@@ -14662,12 +14691,14 @@
         </p:nvSpPr>
         <p:spPr/>
         <p:txBody>
-          <a:bodyPr/>
+          <a:bodyPr>
+            <a:normAutofit/>
+          </a:bodyPr>
           <a:lstStyle/>
           <a:p>
             <a:pPr algn="ctr"/>
             <a:r>
-              <a:rPr lang="zh-TW" altLang="en-US" dirty="0">
+              <a:rPr lang="zh-TW" altLang="en-US" sz="4400" dirty="0">
                 <a:solidFill>
                   <a:schemeClr val="bg1"/>
                 </a:solidFill>
@@ -14675,14 +14706,14 @@
               <a:t>程式碼</a:t>
             </a:r>
             <a:r>
-              <a:rPr lang="en-US" altLang="zh-TW" dirty="0">
+              <a:rPr lang="en-US" altLang="zh-TW" sz="4400" dirty="0">
                 <a:solidFill>
                   <a:schemeClr val="bg1"/>
                 </a:solidFill>
               </a:rPr>
               <a:t>:</a:t>
             </a:r>
-            <a:endParaRPr lang="zh-TW" altLang="en-US" dirty="0"/>
+            <a:endParaRPr lang="zh-TW" altLang="en-US" sz="4400" dirty="0"/>
           </a:p>
         </p:txBody>
       </p:sp>
@@ -14730,7 +14761,7 @@
         <p:spPr>
           <a:xfrm>
             <a:off x="6391373" y="2356701"/>
-            <a:ext cx="4779390" cy="954107"/>
+            <a:ext cx="3940404" cy="1077218"/>
           </a:xfrm>
           <a:prstGeom prst="rect">
             <a:avLst/>
@@ -14744,7 +14775,7 @@
           <a:lstStyle/>
           <a:p>
             <a:r>
-              <a:rPr lang="zh-TW" altLang="en-US" sz="2800" dirty="0">
+              <a:rPr lang="zh-TW" altLang="en-US" sz="3200" dirty="0">
                 <a:solidFill>
                   <a:schemeClr val="bg1"/>
                 </a:solidFill>
@@ -14752,7 +14783,7 @@
               <a:t>先輸入欲更改的數字</a:t>
             </a:r>
             <a:r>
-              <a:rPr lang="en-US" altLang="zh-TW" sz="2800" dirty="0">
+              <a:rPr lang="en-US" altLang="zh-TW" sz="3200" dirty="0">
                 <a:solidFill>
                   <a:schemeClr val="bg1"/>
                 </a:solidFill>
@@ -14760,7 +14791,7 @@
               <a:t>,</a:t>
             </a:r>
             <a:r>
-              <a:rPr lang="zh-TW" altLang="en-US" sz="2800" dirty="0">
+              <a:rPr lang="zh-TW" altLang="en-US" sz="3200" dirty="0">
                 <a:solidFill>
                   <a:schemeClr val="bg1"/>
                 </a:solidFill>
@@ -14818,19 +14849,21 @@
         </p:nvSpPr>
         <p:spPr/>
         <p:txBody>
-          <a:bodyPr/>
+          <a:bodyPr>
+            <a:normAutofit/>
+          </a:bodyPr>
           <a:lstStyle/>
           <a:p>
             <a:pPr algn="ctr"/>
             <a:r>
-              <a:rPr lang="en-US" altLang="zh-TW" dirty="0">
+              <a:rPr lang="en-US" altLang="zh-TW" sz="4400" dirty="0">
                 <a:solidFill>
                   <a:schemeClr val="bg1"/>
                 </a:solidFill>
               </a:rPr>
               <a:t>Delete:</a:t>
             </a:r>
-            <a:endParaRPr lang="zh-TW" altLang="en-US" dirty="0">
+            <a:endParaRPr lang="zh-TW" altLang="en-US" sz="4400" dirty="0">
               <a:solidFill>
                 <a:schemeClr val="bg1"/>
               </a:solidFill>
@@ -14945,12 +14978,14 @@
         </p:nvSpPr>
         <p:spPr/>
         <p:txBody>
-          <a:bodyPr/>
+          <a:bodyPr>
+            <a:normAutofit/>
+          </a:bodyPr>
           <a:lstStyle/>
           <a:p>
             <a:pPr algn="ctr"/>
             <a:r>
-              <a:rPr lang="zh-TW" altLang="en-US" dirty="0">
+              <a:rPr lang="zh-TW" altLang="en-US" sz="4400" dirty="0">
                 <a:solidFill>
                   <a:schemeClr val="bg1"/>
                 </a:solidFill>
@@ -14958,14 +14993,14 @@
               <a:t>程式碼</a:t>
             </a:r>
             <a:r>
-              <a:rPr lang="en-US" altLang="zh-TW" dirty="0">
+              <a:rPr lang="en-US" altLang="zh-TW" sz="4400" dirty="0">
                 <a:solidFill>
                   <a:schemeClr val="bg1"/>
                 </a:solidFill>
               </a:rPr>
               <a:t>:</a:t>
             </a:r>
-            <a:endParaRPr lang="zh-TW" altLang="en-US" dirty="0"/>
+            <a:endParaRPr lang="zh-TW" altLang="en-US" sz="4400" dirty="0"/>
           </a:p>
         </p:txBody>
       </p:sp>
@@ -15012,8 +15047,8 @@
         </p:nvSpPr>
         <p:spPr>
           <a:xfrm>
-            <a:off x="5674936" y="2535810"/>
-            <a:ext cx="4713402" cy="523220"/>
+            <a:off x="6094412" y="3091991"/>
+            <a:ext cx="4713402" cy="584775"/>
           </a:xfrm>
           <a:prstGeom prst="rect">
             <a:avLst/>
@@ -15027,7 +15062,7 @@
           <a:lstStyle/>
           <a:p>
             <a:r>
-              <a:rPr lang="zh-TW" altLang="en-US" sz="2800" dirty="0">
+              <a:rPr lang="zh-TW" altLang="en-US" sz="3200" dirty="0">
                 <a:solidFill>
                   <a:schemeClr val="bg1"/>
                 </a:solidFill>
@@ -15090,12 +15125,20 @@
           <a:p>
             <a:pPr algn="ctr"/>
             <a:r>
+              <a:rPr lang="en-US" altLang="zh-TW" sz="4400" dirty="0">
+                <a:solidFill>
+                  <a:schemeClr val="bg1"/>
+                </a:solidFill>
+              </a:rPr>
+              <a:t>Mean</a:t>
+            </a:r>
+            <a:r>
               <a:rPr lang="en-US" altLang="zh-TW" dirty="0">
                 <a:solidFill>
                   <a:schemeClr val="bg1"/>
                 </a:solidFill>
               </a:rPr>
-              <a:t>Mean:</a:t>
+              <a:t>:</a:t>
             </a:r>
             <a:endParaRPr lang="zh-TW" altLang="en-US" dirty="0">
               <a:solidFill>
@@ -15182,12 +15225,14 @@
         </p:nvSpPr>
         <p:spPr/>
         <p:txBody>
-          <a:bodyPr/>
+          <a:bodyPr>
+            <a:normAutofit/>
+          </a:bodyPr>
           <a:lstStyle/>
           <a:p>
             <a:pPr algn="ctr"/>
             <a:r>
-              <a:rPr lang="zh-TW" altLang="en-US" dirty="0">
+              <a:rPr lang="zh-TW" altLang="en-US" sz="4400" dirty="0">
                 <a:solidFill>
                   <a:schemeClr val="bg1"/>
                 </a:solidFill>
@@ -15195,14 +15240,14 @@
               <a:t>程式碼</a:t>
             </a:r>
             <a:r>
-              <a:rPr lang="en-US" altLang="zh-TW" dirty="0">
+              <a:rPr lang="en-US" altLang="zh-TW" sz="4400" dirty="0">
                 <a:solidFill>
                   <a:schemeClr val="bg1"/>
                 </a:solidFill>
               </a:rPr>
               <a:t>:</a:t>
             </a:r>
-            <a:endParaRPr lang="zh-TW" altLang="en-US" dirty="0"/>
+            <a:endParaRPr lang="zh-TW" altLang="en-US" sz="4400" dirty="0"/>
           </a:p>
         </p:txBody>
       </p:sp>
@@ -15250,7 +15295,7 @@
         <p:spPr>
           <a:xfrm>
             <a:off x="5580668" y="2629055"/>
-            <a:ext cx="4534293" cy="523220"/>
+            <a:ext cx="4534293" cy="584775"/>
           </a:xfrm>
           <a:prstGeom prst="rect">
             <a:avLst/>
@@ -15264,7 +15309,7 @@
           <a:lstStyle/>
           <a:p>
             <a:r>
-              <a:rPr lang="zh-TW" altLang="en-US" sz="2800" dirty="0">
+              <a:rPr lang="zh-TW" altLang="en-US" sz="3200" dirty="0">
                 <a:solidFill>
                   <a:schemeClr val="bg1"/>
                 </a:solidFill>
@@ -15322,19 +15367,21 @@
         </p:nvSpPr>
         <p:spPr/>
         <p:txBody>
-          <a:bodyPr/>
+          <a:bodyPr>
+            <a:normAutofit/>
+          </a:bodyPr>
           <a:lstStyle/>
           <a:p>
             <a:pPr algn="ctr"/>
             <a:r>
-              <a:rPr lang="en-US" altLang="zh-TW" dirty="0">
+              <a:rPr lang="en-US" altLang="zh-TW" sz="4400" dirty="0">
                 <a:solidFill>
                   <a:schemeClr val="bg1"/>
                 </a:solidFill>
               </a:rPr>
               <a:t>Big to small:</a:t>
             </a:r>
-            <a:endParaRPr lang="zh-TW" altLang="en-US" dirty="0">
+            <a:endParaRPr lang="zh-TW" altLang="en-US" sz="4400" dirty="0">
               <a:solidFill>
                 <a:schemeClr val="bg1"/>
               </a:solidFill>
@@ -15419,12 +15466,14 @@
         </p:nvSpPr>
         <p:spPr/>
         <p:txBody>
-          <a:bodyPr/>
+          <a:bodyPr>
+            <a:normAutofit/>
+          </a:bodyPr>
           <a:lstStyle/>
           <a:p>
             <a:pPr algn="ctr"/>
             <a:r>
-              <a:rPr lang="zh-TW" altLang="en-US" dirty="0">
+              <a:rPr lang="zh-TW" altLang="en-US" sz="4400" dirty="0">
                 <a:solidFill>
                   <a:schemeClr val="bg1"/>
                 </a:solidFill>
@@ -15432,14 +15481,14 @@
               <a:t>程式碼</a:t>
             </a:r>
             <a:r>
-              <a:rPr lang="en-US" altLang="zh-TW" dirty="0">
+              <a:rPr lang="en-US" altLang="zh-TW" sz="4400" dirty="0">
                 <a:solidFill>
                   <a:schemeClr val="bg1"/>
                 </a:solidFill>
               </a:rPr>
               <a:t>:</a:t>
             </a:r>
-            <a:endParaRPr lang="zh-TW" altLang="en-US" dirty="0"/>
+            <a:endParaRPr lang="zh-TW" altLang="en-US" sz="4400" dirty="0"/>
           </a:p>
         </p:txBody>
       </p:sp>
@@ -15487,7 +15536,7 @@
         <p:spPr>
           <a:xfrm>
             <a:off x="5967167" y="2422689"/>
-            <a:ext cx="4637988" cy="954107"/>
+            <a:ext cx="4637988" cy="1569660"/>
           </a:xfrm>
           <a:prstGeom prst="rect">
             <a:avLst/>
@@ -15501,7 +15550,7 @@
           <a:lstStyle/>
           <a:p>
             <a:r>
-              <a:rPr lang="zh-TW" altLang="en-US" sz="2800" dirty="0">
+              <a:rPr lang="zh-TW" altLang="en-US" sz="3200" dirty="0">
                 <a:solidFill>
                   <a:schemeClr val="bg1"/>
                 </a:solidFill>
@@ -15509,7 +15558,7 @@
               <a:t>利用</a:t>
             </a:r>
             <a:r>
-              <a:rPr lang="en-US" altLang="zh-TW" sz="2800" dirty="0" err="1">
+              <a:rPr lang="en-US" altLang="zh-TW" sz="3200" dirty="0" err="1">
                 <a:solidFill>
                   <a:schemeClr val="bg1"/>
                 </a:solidFill>
@@ -15517,7 +15566,7 @@
               <a:t>dstepbystep</a:t>
             </a:r>
             <a:r>
-              <a:rPr lang="en-US" altLang="zh-TW" sz="2800" dirty="0">
+              <a:rPr lang="en-US" altLang="zh-TW" sz="3200" dirty="0">
                 <a:solidFill>
                   <a:schemeClr val="bg1"/>
                 </a:solidFill>
@@ -15525,7 +15574,7 @@
               <a:t>(decreasing step by step)</a:t>
             </a:r>
             <a:r>
-              <a:rPr lang="zh-TW" altLang="en-US" sz="2800" dirty="0">
+              <a:rPr lang="zh-TW" altLang="en-US" sz="3200" dirty="0">
                 <a:solidFill>
                   <a:schemeClr val="bg1"/>
                 </a:solidFill>
@@ -15533,14 +15582,14 @@
               <a:t>從大到小</a:t>
             </a:r>
             <a:r>
-              <a:rPr lang="en-US" altLang="zh-TW" sz="2800" dirty="0">
+              <a:rPr lang="en-US" altLang="zh-TW" sz="3200" dirty="0">
                 <a:solidFill>
                   <a:schemeClr val="bg1"/>
                 </a:solidFill>
               </a:rPr>
               <a:t>sort </a:t>
             </a:r>
-            <a:endParaRPr lang="zh-TW" altLang="en-US" sz="2800" dirty="0">
+            <a:endParaRPr lang="zh-TW" altLang="en-US" sz="3200" dirty="0">
               <a:solidFill>
                 <a:schemeClr val="bg1"/>
               </a:solidFill>
@@ -15596,12 +15645,14 @@
         </p:nvSpPr>
         <p:spPr/>
         <p:txBody>
-          <a:bodyPr/>
+          <a:bodyPr>
+            <a:normAutofit/>
+          </a:bodyPr>
           <a:lstStyle/>
           <a:p>
             <a:pPr algn="ctr"/>
             <a:r>
-              <a:rPr lang="zh-TW" altLang="en-US" dirty="0">
+              <a:rPr lang="zh-TW" altLang="en-US" sz="4400" dirty="0">
                 <a:solidFill>
                   <a:schemeClr val="bg1"/>
                 </a:solidFill>
@@ -15609,14 +15660,14 @@
               <a:t>上一步</a:t>
             </a:r>
             <a:r>
-              <a:rPr lang="en-US" altLang="zh-TW" dirty="0">
+              <a:rPr lang="en-US" altLang="zh-TW" sz="4400" dirty="0">
                 <a:solidFill>
                   <a:schemeClr val="bg1"/>
                 </a:solidFill>
               </a:rPr>
               <a:t>(previous step):</a:t>
             </a:r>
-            <a:endParaRPr lang="zh-TW" altLang="en-US" dirty="0">
+            <a:endParaRPr lang="zh-TW" altLang="en-US" sz="4400" dirty="0">
               <a:solidFill>
                 <a:schemeClr val="bg1"/>
               </a:solidFill>
@@ -15731,12 +15782,14 @@
         </p:nvSpPr>
         <p:spPr/>
         <p:txBody>
-          <a:bodyPr/>
+          <a:bodyPr>
+            <a:normAutofit/>
+          </a:bodyPr>
           <a:lstStyle/>
           <a:p>
             <a:pPr algn="ctr"/>
             <a:r>
-              <a:rPr lang="zh-TW" altLang="en-US" dirty="0">
+              <a:rPr lang="zh-TW" altLang="en-US" sz="4400" dirty="0">
                 <a:solidFill>
                   <a:schemeClr val="bg1"/>
                 </a:solidFill>
@@ -15744,14 +15797,14 @@
               <a:t>程式碼</a:t>
             </a:r>
             <a:r>
-              <a:rPr lang="en-US" altLang="zh-TW" dirty="0">
+              <a:rPr lang="en-US" altLang="zh-TW" sz="4400" dirty="0">
                 <a:solidFill>
                   <a:schemeClr val="bg1"/>
                 </a:solidFill>
               </a:rPr>
               <a:t>:</a:t>
             </a:r>
-            <a:endParaRPr lang="zh-TW" altLang="en-US" dirty="0"/>
+            <a:endParaRPr lang="zh-TW" altLang="en-US" sz="4400" dirty="0"/>
           </a:p>
         </p:txBody>
       </p:sp>
@@ -15799,7 +15852,7 @@
         <p:spPr>
           <a:xfrm>
             <a:off x="6545461" y="1715167"/>
-            <a:ext cx="4627757" cy="4524315"/>
+            <a:ext cx="4832692" cy="5016758"/>
           </a:xfrm>
           <a:prstGeom prst="rect">
             <a:avLst/>
@@ -15813,7 +15866,7 @@
           <a:lstStyle/>
           <a:p>
             <a:r>
-              <a:rPr lang="en-US" altLang="zh-TW" dirty="0">
+              <a:rPr lang="en-US" altLang="zh-TW" sz="2000" dirty="0">
                 <a:solidFill>
                   <a:schemeClr val="bg1"/>
                 </a:solidFill>
@@ -15821,7 +15874,7 @@
               <a:t>record</a:t>
             </a:r>
             <a:r>
-              <a:rPr lang="zh-TW" altLang="en-US" dirty="0">
+              <a:rPr lang="zh-TW" altLang="en-US" sz="2000" dirty="0">
                 <a:solidFill>
                   <a:schemeClr val="bg1"/>
                 </a:solidFill>
@@ -15829,7 +15882,7 @@
               <a:t>是一個</a:t>
             </a:r>
             <a:r>
-              <a:rPr lang="en-US" altLang="zh-TW" dirty="0">
+              <a:rPr lang="en-US" altLang="zh-TW" sz="2000" dirty="0">
                 <a:solidFill>
                   <a:schemeClr val="bg1"/>
                 </a:solidFill>
@@ -15837,7 +15890,7 @@
               <a:t>String</a:t>
             </a:r>
             <a:r>
-              <a:rPr lang="zh-TW" altLang="en-US" dirty="0">
+              <a:rPr lang="zh-TW" altLang="en-US" sz="2000" dirty="0">
                 <a:solidFill>
                   <a:schemeClr val="bg1"/>
                 </a:solidFill>
@@ -15845,7 +15898,7 @@
               <a:t>的</a:t>
             </a:r>
             <a:r>
-              <a:rPr lang="en-US" altLang="zh-TW" dirty="0">
+              <a:rPr lang="en-US" altLang="zh-TW" sz="2000" dirty="0">
                 <a:solidFill>
                   <a:schemeClr val="bg1"/>
                 </a:solidFill>
@@ -15855,7 +15908,7 @@
           </a:p>
           <a:p>
             <a:r>
-              <a:rPr lang="en-US" altLang="zh-TW" dirty="0">
+              <a:rPr lang="en-US" altLang="zh-TW" sz="2000" dirty="0">
                 <a:solidFill>
                   <a:schemeClr val="bg1"/>
                 </a:solidFill>
@@ -15863,7 +15916,7 @@
               <a:t>1.</a:t>
             </a:r>
             <a:r>
-              <a:rPr lang="zh-TW" altLang="en-US" dirty="0">
+              <a:rPr lang="zh-TW" altLang="en-US" sz="2000" dirty="0">
                 <a:solidFill>
                   <a:schemeClr val="bg1"/>
                 </a:solidFill>
@@ -15873,7 +15926,7 @@
           </a:p>
           <a:p>
             <a:r>
-              <a:rPr lang="en-US" altLang="zh-TW" dirty="0">
+              <a:rPr lang="en-US" altLang="zh-TW" sz="2000" dirty="0">
                 <a:solidFill>
                   <a:schemeClr val="bg1"/>
                 </a:solidFill>
@@ -15881,7 +15934,7 @@
               <a:t>2.</a:t>
             </a:r>
             <a:r>
-              <a:rPr lang="zh-TW" altLang="en-US" dirty="0">
+              <a:rPr lang="zh-TW" altLang="en-US" sz="2000" dirty="0">
                 <a:solidFill>
                   <a:schemeClr val="bg1"/>
                 </a:solidFill>
@@ -15889,7 +15942,7 @@
               <a:t>如果</a:t>
             </a:r>
             <a:r>
-              <a:rPr lang="en-US" altLang="zh-TW" dirty="0">
+              <a:rPr lang="en-US" altLang="zh-TW" sz="2000" dirty="0">
                 <a:solidFill>
                   <a:schemeClr val="bg1"/>
                 </a:solidFill>
@@ -15897,7 +15950,7 @@
               <a:t>record</a:t>
             </a:r>
             <a:r>
-              <a:rPr lang="zh-TW" altLang="en-US" dirty="0">
+              <a:rPr lang="zh-TW" altLang="en-US" sz="2000" dirty="0">
                 <a:solidFill>
                   <a:schemeClr val="bg1"/>
                 </a:solidFill>
@@ -15907,7 +15960,7 @@
           </a:p>
           <a:p>
             <a:r>
-              <a:rPr lang="en-US" altLang="zh-TW" dirty="0">
+              <a:rPr lang="en-US" altLang="zh-TW" sz="2000" dirty="0">
                 <a:solidFill>
                   <a:schemeClr val="bg1"/>
                 </a:solidFill>
@@ -15917,7 +15970,7 @@
           </a:p>
           <a:p>
             <a:r>
-              <a:rPr lang="en-US" altLang="zh-TW" dirty="0">
+              <a:rPr lang="en-US" altLang="zh-TW" sz="2000" dirty="0">
                 <a:solidFill>
                   <a:schemeClr val="bg1"/>
                 </a:solidFill>
@@ -15925,7 +15978,7 @@
               <a:t>4.</a:t>
             </a:r>
             <a:r>
-              <a:rPr lang="zh-TW" altLang="en-US" dirty="0">
+              <a:rPr lang="zh-TW" altLang="en-US" sz="2000" dirty="0">
                 <a:solidFill>
                   <a:schemeClr val="bg1"/>
                 </a:solidFill>
@@ -15933,7 +15986,7 @@
               <a:t>把現在</a:t>
             </a:r>
             <a:r>
-              <a:rPr lang="en-US" altLang="zh-TW" dirty="0">
+              <a:rPr lang="en-US" altLang="zh-TW" sz="2000" dirty="0">
                 <a:solidFill>
                   <a:schemeClr val="bg1"/>
                 </a:solidFill>
@@ -15941,7 +15994,7 @@
               <a:t>record</a:t>
             </a:r>
             <a:r>
-              <a:rPr lang="zh-TW" altLang="en-US" dirty="0">
+              <a:rPr lang="zh-TW" altLang="en-US" sz="2000" dirty="0">
                 <a:solidFill>
                   <a:schemeClr val="bg1"/>
                 </a:solidFill>
@@ -15949,7 +16002,7 @@
               <a:t>最上面那一個</a:t>
             </a:r>
             <a:r>
-              <a:rPr lang="en-US" altLang="zh-TW" dirty="0">
+              <a:rPr lang="en-US" altLang="zh-TW" sz="2000" dirty="0">
                 <a:solidFill>
                   <a:schemeClr val="bg1"/>
                 </a:solidFill>
@@ -15957,7 +16010,7 @@
               <a:t>String</a:t>
             </a:r>
             <a:r>
-              <a:rPr lang="zh-TW" altLang="en-US" dirty="0">
+              <a:rPr lang="zh-TW" altLang="en-US" sz="2000" dirty="0">
                 <a:solidFill>
                   <a:schemeClr val="bg1"/>
                 </a:solidFill>
@@ -15967,7 +16020,7 @@
           </a:p>
           <a:p>
             <a:r>
-              <a:rPr lang="en-US" altLang="zh-TW" dirty="0">
+              <a:rPr lang="en-US" altLang="zh-TW" sz="2000" dirty="0">
                 <a:solidFill>
                   <a:schemeClr val="bg1"/>
                 </a:solidFill>
@@ -15975,7 +16028,7 @@
               <a:t>5.</a:t>
             </a:r>
             <a:r>
-              <a:rPr lang="zh-TW" altLang="en-US" dirty="0">
+              <a:rPr lang="zh-TW" altLang="en-US" sz="2000" dirty="0">
                 <a:solidFill>
                   <a:schemeClr val="bg1"/>
                 </a:solidFill>
@@ -15983,7 +16036,7 @@
               <a:t>輸出那個</a:t>
             </a:r>
             <a:r>
-              <a:rPr lang="en-US" altLang="zh-TW" dirty="0">
+              <a:rPr lang="en-US" altLang="zh-TW" sz="2000" dirty="0">
                 <a:solidFill>
                   <a:schemeClr val="bg1"/>
                 </a:solidFill>
@@ -15993,7 +16046,7 @@
           </a:p>
           <a:p>
             <a:r>
-              <a:rPr lang="en-US" altLang="zh-TW" dirty="0">
+              <a:rPr lang="en-US" altLang="zh-TW" sz="2000" dirty="0">
                 <a:solidFill>
                   <a:schemeClr val="bg1"/>
                 </a:solidFill>
@@ -16001,7 +16054,7 @@
               <a:t>6.</a:t>
             </a:r>
             <a:r>
-              <a:rPr lang="zh-TW" altLang="en-US" dirty="0">
+              <a:rPr lang="zh-TW" altLang="en-US" sz="2000" dirty="0">
                 <a:solidFill>
                   <a:schemeClr val="bg1"/>
                 </a:solidFill>
@@ -16009,7 +16062,7 @@
               <a:t>偵測字串的開頭來判斷是否把資料寫進</a:t>
             </a:r>
             <a:r>
-              <a:rPr lang="en-US" altLang="zh-TW" dirty="0">
+              <a:rPr lang="en-US" altLang="zh-TW" sz="2000" dirty="0">
                 <a:solidFill>
                   <a:schemeClr val="bg1"/>
                 </a:solidFill>
@@ -16019,7 +16072,7 @@
           </a:p>
           <a:p>
             <a:r>
-              <a:rPr lang="en-US" altLang="zh-TW" dirty="0">
+              <a:rPr lang="en-US" altLang="zh-TW" sz="2000" dirty="0">
                 <a:solidFill>
                   <a:schemeClr val="bg1"/>
                 </a:solidFill>
@@ -16029,7 +16082,7 @@
           </a:p>
           <a:p>
             <a:r>
-              <a:rPr lang="en-US" altLang="zh-TW" dirty="0">
+              <a:rPr lang="en-US" altLang="zh-TW" sz="2000" dirty="0">
                 <a:solidFill>
                   <a:schemeClr val="bg1"/>
                 </a:solidFill>
@@ -16037,7 +16090,7 @@
               <a:t>9.</a:t>
             </a:r>
             <a:r>
-              <a:rPr lang="zh-TW" altLang="en-US" dirty="0">
+              <a:rPr lang="zh-TW" altLang="en-US" sz="2000" dirty="0">
                 <a:solidFill>
                   <a:schemeClr val="bg1"/>
                 </a:solidFill>
@@ -16045,7 +16098,7 @@
               <a:t>清除</a:t>
             </a:r>
             <a:r>
-              <a:rPr lang="en-US" altLang="zh-TW" dirty="0">
+              <a:rPr lang="en-US" altLang="zh-TW" sz="2000" dirty="0">
                 <a:solidFill>
                   <a:schemeClr val="bg1"/>
                 </a:solidFill>
@@ -16053,7 +16106,7 @@
               <a:t>dataset</a:t>
             </a:r>
             <a:r>
-              <a:rPr lang="zh-TW" altLang="en-US" dirty="0">
+              <a:rPr lang="zh-TW" altLang="en-US" sz="2000" dirty="0">
                 <a:solidFill>
                   <a:schemeClr val="bg1"/>
                 </a:solidFill>
@@ -16063,7 +16116,7 @@
           </a:p>
           <a:p>
             <a:r>
-              <a:rPr lang="en-US" altLang="zh-TW" dirty="0">
+              <a:rPr lang="en-US" altLang="zh-TW" sz="2000" dirty="0">
                 <a:solidFill>
                   <a:schemeClr val="bg1"/>
                 </a:solidFill>
@@ -16071,7 +16124,7 @@
               <a:t>10.</a:t>
             </a:r>
             <a:r>
-              <a:rPr lang="zh-TW" altLang="en-US" dirty="0">
+              <a:rPr lang="zh-TW" altLang="en-US" sz="2000" dirty="0">
                 <a:solidFill>
                   <a:schemeClr val="bg1"/>
                 </a:solidFill>
@@ -16079,7 +16132,7 @@
               <a:t>將</a:t>
             </a:r>
             <a:r>
-              <a:rPr lang="en-US" altLang="zh-TW" dirty="0">
+              <a:rPr lang="en-US" altLang="zh-TW" sz="2000" dirty="0">
                 <a:solidFill>
                   <a:schemeClr val="bg1"/>
                 </a:solidFill>
@@ -16087,7 +16140,7 @@
               <a:t>String</a:t>
             </a:r>
             <a:r>
-              <a:rPr lang="zh-TW" altLang="en-US" dirty="0">
+              <a:rPr lang="zh-TW" altLang="en-US" sz="2000" dirty="0">
                 <a:solidFill>
                   <a:schemeClr val="bg1"/>
                 </a:solidFill>
@@ -16095,14 +16148,14 @@
               <a:t>宣告進</a:t>
             </a:r>
             <a:r>
-              <a:rPr lang="en-US" altLang="zh-TW" dirty="0" err="1">
+              <a:rPr lang="en-US" altLang="zh-TW" sz="2000" dirty="0" err="1">
                 <a:solidFill>
                   <a:schemeClr val="bg1"/>
                 </a:solidFill>
               </a:rPr>
               <a:t>StringTokenizer</a:t>
             </a:r>
-            <a:endParaRPr lang="en-US" altLang="zh-TW" dirty="0">
+            <a:endParaRPr lang="en-US" altLang="zh-TW" sz="2000" dirty="0">
               <a:solidFill>
                 <a:schemeClr val="bg1"/>
               </a:solidFill>
@@ -16110,7 +16163,7 @@
           </a:p>
           <a:p>
             <a:r>
-              <a:rPr lang="en-US" altLang="zh-TW" dirty="0">
+              <a:rPr lang="en-US" altLang="zh-TW" sz="2000" dirty="0">
                 <a:solidFill>
                   <a:schemeClr val="bg1"/>
                 </a:solidFill>
@@ -16118,7 +16171,7 @@
               <a:t>11&amp;12.</a:t>
             </a:r>
             <a:r>
-              <a:rPr lang="zh-TW" altLang="en-US" dirty="0">
+              <a:rPr lang="zh-TW" altLang="en-US" sz="2000" dirty="0">
                 <a:solidFill>
                   <a:schemeClr val="bg1"/>
                 </a:solidFill>
@@ -16128,7 +16181,7 @@
           </a:p>
           <a:p>
             <a:r>
-              <a:rPr lang="en-US" altLang="zh-TW" dirty="0">
+              <a:rPr lang="en-US" altLang="zh-TW" sz="2000" dirty="0">
                 <a:solidFill>
                   <a:schemeClr val="bg1"/>
                 </a:solidFill>
@@ -16136,7 +16189,7 @@
               <a:t>13&amp;14.</a:t>
             </a:r>
             <a:r>
-              <a:rPr lang="zh-TW" altLang="en-US" dirty="0">
+              <a:rPr lang="zh-TW" altLang="en-US" sz="2000" dirty="0">
                 <a:solidFill>
                   <a:schemeClr val="bg1"/>
                 </a:solidFill>
@@ -16144,7 +16197,7 @@
               <a:t>剩下的字串轉成數字一段一段塞進</a:t>
             </a:r>
             <a:r>
-              <a:rPr lang="en-US" altLang="zh-TW" dirty="0">
+              <a:rPr lang="en-US" altLang="zh-TW" sz="2000" dirty="0">
                 <a:solidFill>
                   <a:schemeClr val="bg1"/>
                 </a:solidFill>
@@ -16154,7 +16207,7 @@
           </a:p>
           <a:p>
             <a:r>
-              <a:rPr lang="en-US" altLang="zh-TW" dirty="0">
+              <a:rPr lang="en-US" altLang="zh-TW" sz="2000" dirty="0">
                 <a:solidFill>
                   <a:schemeClr val="bg1"/>
                 </a:solidFill>
@@ -16164,14 +16217,14 @@
           </a:p>
           <a:p>
             <a:r>
-              <a:rPr lang="en-US" altLang="zh-TW" dirty="0">
+              <a:rPr lang="en-US" altLang="zh-TW" sz="2000" dirty="0">
                 <a:solidFill>
                   <a:schemeClr val="bg1"/>
                 </a:solidFill>
               </a:rPr>
               <a:t>17.return true</a:t>
             </a:r>
-            <a:endParaRPr lang="zh-TW" altLang="en-US" dirty="0">
+            <a:endParaRPr lang="zh-TW" altLang="en-US" sz="2000" dirty="0">
               <a:solidFill>
                 <a:schemeClr val="bg1"/>
               </a:solidFill>
@@ -16227,12 +16280,14 @@
         </p:nvSpPr>
         <p:spPr/>
         <p:txBody>
-          <a:bodyPr/>
+          <a:bodyPr>
+            <a:normAutofit/>
+          </a:bodyPr>
           <a:lstStyle/>
           <a:p>
             <a:pPr algn="ctr"/>
             <a:r>
-              <a:rPr lang="zh-TW" altLang="en-US" dirty="0">
+              <a:rPr lang="zh-TW" altLang="en-US" sz="4400" dirty="0">
                 <a:solidFill>
                   <a:schemeClr val="bg1"/>
                 </a:solidFill>
@@ -16240,14 +16295,14 @@
               <a:t>第一階段</a:t>
             </a:r>
             <a:r>
-              <a:rPr lang="en-US" altLang="zh-TW" dirty="0">
+              <a:rPr lang="en-US" altLang="zh-TW" sz="4400" dirty="0">
                 <a:solidFill>
                   <a:schemeClr val="bg1"/>
                 </a:solidFill>
               </a:rPr>
               <a:t>:</a:t>
             </a:r>
-            <a:endParaRPr lang="zh-TW" altLang="en-US" dirty="0">
+            <a:endParaRPr lang="zh-TW" altLang="en-US" sz="4400" dirty="0">
               <a:solidFill>
                 <a:schemeClr val="bg1"/>
               </a:solidFill>
@@ -16273,11 +16328,13 @@
         </p:nvSpPr>
         <p:spPr/>
         <p:txBody>
-          <a:bodyPr/>
+          <a:bodyPr>
+            <a:normAutofit/>
+          </a:bodyPr>
           <a:lstStyle/>
           <a:p>
             <a:r>
-              <a:rPr lang="zh-TW" altLang="en-US" dirty="0">
+              <a:rPr lang="zh-TW" altLang="en-US" sz="3200" dirty="0">
                 <a:solidFill>
                   <a:schemeClr val="bg1"/>
                 </a:solidFill>
@@ -16285,7 +16342,7 @@
               <a:t>將基本</a:t>
             </a:r>
             <a:r>
-              <a:rPr lang="en-US" altLang="zh-TW" dirty="0">
+              <a:rPr lang="en-US" altLang="zh-TW" sz="3200" dirty="0">
                 <a:solidFill>
                   <a:schemeClr val="bg1"/>
                 </a:solidFill>
@@ -16293,7 +16350,7 @@
               <a:t>insertion sort</a:t>
             </a:r>
             <a:r>
-              <a:rPr lang="zh-TW" altLang="en-US" dirty="0">
+              <a:rPr lang="zh-TW" altLang="en-US" sz="3200" dirty="0">
                 <a:solidFill>
                   <a:schemeClr val="bg1"/>
                 </a:solidFill>
@@ -16301,7 +16358,7 @@
               <a:t>和介面先打好</a:t>
             </a:r>
             <a:r>
-              <a:rPr lang="en-US" altLang="zh-TW" dirty="0">
+              <a:rPr lang="en-US" altLang="zh-TW" sz="3200" dirty="0">
                 <a:solidFill>
                   <a:schemeClr val="bg1"/>
                 </a:solidFill>
@@ -16309,7 +16366,7 @@
               <a:t>,</a:t>
             </a:r>
             <a:r>
-              <a:rPr lang="zh-TW" altLang="en-US" dirty="0">
+              <a:rPr lang="zh-TW" altLang="en-US" sz="3200" dirty="0">
                 <a:solidFill>
                   <a:schemeClr val="bg1"/>
                 </a:solidFill>
@@ -16317,7 +16374,7 @@
               <a:t>並和組員討論可行的數學工具</a:t>
             </a:r>
             <a:r>
-              <a:rPr lang="en-US" altLang="zh-TW" dirty="0">
+              <a:rPr lang="en-US" altLang="zh-TW" sz="3200" dirty="0">
                 <a:solidFill>
                   <a:schemeClr val="bg1"/>
                 </a:solidFill>
@@ -16325,7 +16382,7 @@
               <a:t>(</a:t>
             </a:r>
             <a:r>
-              <a:rPr lang="zh-TW" altLang="en-US" dirty="0">
+              <a:rPr lang="zh-TW" altLang="en-US" sz="3200" dirty="0">
                 <a:solidFill>
                   <a:schemeClr val="bg1"/>
                 </a:solidFill>
@@ -16333,7 +16390,7 @@
               <a:t>以高中數學為基礎</a:t>
             </a:r>
             <a:r>
-              <a:rPr lang="en-US" altLang="zh-TW" dirty="0">
+              <a:rPr lang="en-US" altLang="zh-TW" sz="3200" dirty="0">
                 <a:solidFill>
                   <a:schemeClr val="bg1"/>
                 </a:solidFill>
@@ -16341,7 +16398,7 @@
               <a:t>),</a:t>
             </a:r>
             <a:r>
-              <a:rPr lang="zh-TW" altLang="en-US" dirty="0">
+              <a:rPr lang="zh-TW" altLang="en-US" sz="3200" dirty="0">
                 <a:solidFill>
                   <a:schemeClr val="bg1"/>
                 </a:solidFill>
@@ -16349,7 +16406,7 @@
               <a:t>並與</a:t>
             </a:r>
             <a:r>
-              <a:rPr lang="en-US" altLang="zh-TW" dirty="0">
+              <a:rPr lang="en-US" altLang="zh-TW" sz="3200" dirty="0">
                 <a:solidFill>
                   <a:schemeClr val="bg1"/>
                 </a:solidFill>
@@ -16357,7 +16414,7 @@
               <a:t>sort</a:t>
             </a:r>
             <a:r>
-              <a:rPr lang="zh-TW" altLang="en-US" dirty="0">
+              <a:rPr lang="zh-TW" altLang="en-US" sz="3200" dirty="0">
                 <a:solidFill>
                   <a:schemeClr val="bg1"/>
                 </a:solidFill>
@@ -16415,19 +16472,21 @@
         </p:nvSpPr>
         <p:spPr/>
         <p:txBody>
-          <a:bodyPr/>
+          <a:bodyPr>
+            <a:normAutofit/>
+          </a:bodyPr>
           <a:lstStyle/>
           <a:p>
             <a:pPr algn="ctr"/>
             <a:r>
-              <a:rPr lang="en-US" altLang="zh-TW" dirty="0">
+              <a:rPr lang="en-US" altLang="zh-TW" sz="4400" dirty="0">
                 <a:solidFill>
                   <a:schemeClr val="bg1"/>
                 </a:solidFill>
               </a:rPr>
               <a:t>Reset:</a:t>
             </a:r>
-            <a:endParaRPr lang="zh-TW" altLang="en-US" dirty="0">
+            <a:endParaRPr lang="zh-TW" altLang="en-US" sz="4400" dirty="0">
               <a:solidFill>
                 <a:schemeClr val="bg1"/>
               </a:solidFill>
@@ -16542,12 +16601,14 @@
         </p:nvSpPr>
         <p:spPr/>
         <p:txBody>
-          <a:bodyPr/>
+          <a:bodyPr>
+            <a:normAutofit/>
+          </a:bodyPr>
           <a:lstStyle/>
           <a:p>
             <a:pPr algn="ctr"/>
             <a:r>
-              <a:rPr lang="zh-TW" altLang="en-US" dirty="0">
+              <a:rPr lang="zh-TW" altLang="en-US" sz="4400" dirty="0">
                 <a:solidFill>
                   <a:schemeClr val="bg1"/>
                 </a:solidFill>
@@ -16555,14 +16616,14 @@
               <a:t>程式碼</a:t>
             </a:r>
             <a:r>
-              <a:rPr lang="en-US" altLang="zh-TW" dirty="0">
+              <a:rPr lang="en-US" altLang="zh-TW" sz="4400" dirty="0">
                 <a:solidFill>
                   <a:schemeClr val="bg1"/>
                 </a:solidFill>
               </a:rPr>
               <a:t>:</a:t>
             </a:r>
-            <a:endParaRPr lang="zh-TW" altLang="en-US" dirty="0"/>
+            <a:endParaRPr lang="zh-TW" altLang="en-US" sz="4400" dirty="0"/>
           </a:p>
         </p:txBody>
       </p:sp>
@@ -16610,7 +16671,7 @@
         <p:spPr>
           <a:xfrm>
             <a:off x="5636827" y="2403835"/>
-            <a:ext cx="4864230" cy="523220"/>
+            <a:ext cx="5722472" cy="584775"/>
           </a:xfrm>
           <a:prstGeom prst="rect">
             <a:avLst/>
@@ -16624,7 +16685,7 @@
           <a:lstStyle/>
           <a:p>
             <a:r>
-              <a:rPr lang="zh-TW" altLang="en-US" sz="2800" dirty="0">
+              <a:rPr lang="zh-TW" altLang="en-US" sz="3200" dirty="0">
                 <a:solidFill>
                   <a:schemeClr val="bg1"/>
                 </a:solidFill>
@@ -16632,7 +16693,7 @@
               <a:t>利用</a:t>
             </a:r>
             <a:r>
-              <a:rPr lang="en-US" altLang="zh-TW" sz="2800" dirty="0">
+              <a:rPr lang="en-US" altLang="zh-TW" sz="3200" dirty="0">
                 <a:solidFill>
                   <a:schemeClr val="bg1"/>
                 </a:solidFill>
@@ -16640,7 +16701,7 @@
               <a:t>clear</a:t>
             </a:r>
             <a:r>
-              <a:rPr lang="zh-TW" altLang="en-US" sz="2800" dirty="0">
+              <a:rPr lang="zh-TW" altLang="en-US" sz="3200" dirty="0">
                 <a:solidFill>
                   <a:schemeClr val="bg1"/>
                 </a:solidFill>
@@ -16648,7 +16709,7 @@
               <a:t>這個</a:t>
             </a:r>
             <a:r>
-              <a:rPr lang="en-US" altLang="zh-TW" sz="2800" dirty="0">
+              <a:rPr lang="en-US" altLang="zh-TW" sz="3200" dirty="0">
                 <a:solidFill>
                   <a:schemeClr val="bg1"/>
                 </a:solidFill>
@@ -16656,7 +16717,7 @@
               <a:t>function</a:t>
             </a:r>
             <a:r>
-              <a:rPr lang="zh-TW" altLang="en-US" sz="2800" dirty="0">
+              <a:rPr lang="zh-TW" altLang="en-US" sz="3200" dirty="0">
                 <a:solidFill>
                   <a:schemeClr val="bg1"/>
                 </a:solidFill>
@@ -16714,12 +16775,14 @@
         </p:nvSpPr>
         <p:spPr/>
         <p:txBody>
-          <a:bodyPr/>
+          <a:bodyPr>
+            <a:normAutofit/>
+          </a:bodyPr>
           <a:lstStyle/>
           <a:p>
             <a:pPr algn="ctr"/>
             <a:r>
-              <a:rPr lang="zh-TW" altLang="en-US" dirty="0">
+              <a:rPr lang="zh-TW" altLang="en-US" sz="4400" dirty="0">
                 <a:solidFill>
                   <a:schemeClr val="bg1"/>
                 </a:solidFill>
@@ -16727,14 +16790,14 @@
               <a:t>修正過的錯誤</a:t>
             </a:r>
             <a:r>
-              <a:rPr lang="en-US" altLang="zh-TW" dirty="0">
+              <a:rPr lang="en-US" altLang="zh-TW" sz="4400" dirty="0">
                 <a:solidFill>
                   <a:schemeClr val="bg1"/>
                 </a:solidFill>
               </a:rPr>
               <a:t>:</a:t>
             </a:r>
-            <a:endParaRPr lang="zh-TW" altLang="en-US" dirty="0">
+            <a:endParaRPr lang="zh-TW" altLang="en-US" sz="4400" dirty="0">
               <a:solidFill>
                 <a:schemeClr val="bg1"/>
               </a:solidFill>
@@ -17215,12 +17278,14 @@
         </p:nvSpPr>
         <p:spPr/>
         <p:txBody>
-          <a:bodyPr/>
+          <a:bodyPr>
+            <a:normAutofit/>
+          </a:bodyPr>
           <a:lstStyle/>
           <a:p>
             <a:pPr algn="ctr"/>
             <a:r>
-              <a:rPr lang="zh-TW" altLang="en-US" dirty="0">
+              <a:rPr lang="zh-TW" altLang="en-US" sz="4400" dirty="0">
                 <a:solidFill>
                   <a:schemeClr val="bg1"/>
                 </a:solidFill>
@@ -17228,14 +17293,14 @@
               <a:t>現有錯誤</a:t>
             </a:r>
             <a:r>
-              <a:rPr lang="en-US" altLang="zh-TW" dirty="0">
+              <a:rPr lang="en-US" altLang="zh-TW" sz="4400" dirty="0">
                 <a:solidFill>
                   <a:schemeClr val="bg1"/>
                 </a:solidFill>
               </a:rPr>
               <a:t>:</a:t>
             </a:r>
-            <a:endParaRPr lang="zh-TW" altLang="en-US" dirty="0">
+            <a:endParaRPr lang="zh-TW" altLang="en-US" sz="4400" dirty="0">
               <a:solidFill>
                 <a:schemeClr val="bg1"/>
               </a:solidFill>
@@ -17746,12 +17811,14 @@
         </p:nvSpPr>
         <p:spPr/>
         <p:txBody>
-          <a:bodyPr/>
+          <a:bodyPr>
+            <a:normAutofit/>
+          </a:bodyPr>
           <a:lstStyle/>
           <a:p>
             <a:pPr algn="ctr"/>
             <a:r>
-              <a:rPr lang="zh-TW" altLang="en-US" dirty="0">
+              <a:rPr lang="zh-TW" altLang="en-US" sz="4400" dirty="0">
                 <a:solidFill>
                   <a:schemeClr val="bg1"/>
                 </a:solidFill>
@@ -17779,22 +17846,19 @@
         </p:nvSpPr>
         <p:spPr/>
         <p:txBody>
-          <a:bodyPr/>
+          <a:bodyPr>
+            <a:normAutofit/>
+          </a:bodyPr>
           <a:lstStyle/>
           <a:p>
             <a:r>
-              <a:rPr lang="zh-TW" altLang="en-US">
+              <a:rPr lang="zh-TW" altLang="en-US" sz="3200" dirty="0">
                 <a:solidFill>
                   <a:schemeClr val="bg1"/>
                 </a:solidFill>
               </a:rPr>
               <a:t>請見規格需求書</a:t>
             </a:r>
-            <a:endParaRPr lang="zh-TW" altLang="en-US" dirty="0">
-              <a:solidFill>
-                <a:schemeClr val="bg1"/>
-              </a:solidFill>
-            </a:endParaRPr>
           </a:p>
         </p:txBody>
       </p:sp>
@@ -17846,12 +17910,14 @@
         </p:nvSpPr>
         <p:spPr/>
         <p:txBody>
-          <a:bodyPr/>
+          <a:bodyPr>
+            <a:normAutofit/>
+          </a:bodyPr>
           <a:lstStyle/>
           <a:p>
             <a:pPr algn="ctr"/>
             <a:r>
-              <a:rPr lang="zh-TW" altLang="en-US" dirty="0">
+              <a:rPr lang="zh-TW" altLang="en-US" sz="4400" dirty="0">
                 <a:solidFill>
                   <a:schemeClr val="bg1"/>
                 </a:solidFill>
@@ -17859,14 +17925,14 @@
               <a:t>工作分解結構</a:t>
             </a:r>
             <a:r>
-              <a:rPr lang="en-US" altLang="zh-TW" dirty="0">
+              <a:rPr lang="en-US" altLang="zh-TW" sz="4400" dirty="0">
                 <a:solidFill>
                   <a:schemeClr val="bg1"/>
                 </a:solidFill>
               </a:rPr>
               <a:t>(WBS):</a:t>
             </a:r>
-            <a:endParaRPr lang="zh-TW" altLang="en-US" dirty="0">
+            <a:endParaRPr lang="zh-TW" altLang="en-US" sz="4400" dirty="0">
               <a:solidFill>
                 <a:schemeClr val="bg1"/>
               </a:solidFill>
@@ -17951,12 +18017,14 @@
         </p:nvSpPr>
         <p:spPr/>
         <p:txBody>
-          <a:bodyPr/>
+          <a:bodyPr>
+            <a:normAutofit/>
+          </a:bodyPr>
           <a:lstStyle/>
           <a:p>
             <a:pPr algn="ctr"/>
             <a:r>
-              <a:rPr lang="zh-TW" altLang="en-US" dirty="0">
+              <a:rPr lang="zh-TW" altLang="en-US" sz="4400" dirty="0">
                 <a:solidFill>
                   <a:schemeClr val="bg1"/>
                 </a:solidFill>
@@ -17964,14 +18032,14 @@
               <a:t>甘特圖</a:t>
             </a:r>
             <a:r>
-              <a:rPr lang="en-US" altLang="zh-TW" dirty="0">
+              <a:rPr lang="en-US" altLang="zh-TW" sz="4400" dirty="0">
                 <a:solidFill>
                   <a:schemeClr val="bg1"/>
                 </a:solidFill>
               </a:rPr>
               <a:t>:</a:t>
             </a:r>
-            <a:endParaRPr lang="zh-TW" altLang="en-US" dirty="0">
+            <a:endParaRPr lang="zh-TW" altLang="en-US" sz="4400" dirty="0">
               <a:solidFill>
                 <a:schemeClr val="bg1"/>
               </a:solidFill>
@@ -18056,12 +18124,14 @@
         </p:nvSpPr>
         <p:spPr/>
         <p:txBody>
-          <a:bodyPr/>
+          <a:bodyPr>
+            <a:normAutofit/>
+          </a:bodyPr>
           <a:lstStyle/>
           <a:p>
             <a:pPr algn="ctr"/>
             <a:r>
-              <a:rPr lang="zh-TW" altLang="en-US" dirty="0">
+              <a:rPr lang="zh-TW" altLang="en-US" sz="4400" dirty="0">
                 <a:solidFill>
                   <a:schemeClr val="bg1"/>
                 </a:solidFill>
@@ -18069,14 +18139,14 @@
               <a:t>架構</a:t>
             </a:r>
             <a:r>
-              <a:rPr lang="en-US" altLang="zh-TW" dirty="0">
+              <a:rPr lang="en-US" altLang="zh-TW" sz="4400" dirty="0">
                 <a:solidFill>
                   <a:schemeClr val="bg1"/>
                 </a:solidFill>
               </a:rPr>
               <a:t>:</a:t>
             </a:r>
-            <a:endParaRPr lang="zh-TW" altLang="en-US" dirty="0">
+            <a:endParaRPr lang="zh-TW" altLang="en-US" sz="4400" dirty="0">
               <a:solidFill>
                 <a:schemeClr val="bg1"/>
               </a:solidFill>
@@ -18172,19 +18242,21 @@
           </a:xfrm>
         </p:spPr>
         <p:txBody>
-          <a:bodyPr/>
+          <a:bodyPr>
+            <a:normAutofit/>
+          </a:bodyPr>
           <a:lstStyle/>
           <a:p>
             <a:pPr algn="ctr"/>
             <a:r>
-              <a:rPr lang="en-US" altLang="zh-TW" dirty="0">
+              <a:rPr lang="en-US" altLang="zh-TW" sz="4400" dirty="0">
                 <a:solidFill>
                   <a:schemeClr val="bg1"/>
                 </a:solidFill>
               </a:rPr>
               <a:t>Insertion sort:</a:t>
             </a:r>
-            <a:endParaRPr lang="zh-TW" altLang="en-US" dirty="0">
+            <a:endParaRPr lang="zh-TW" altLang="en-US" sz="4400" dirty="0">
               <a:solidFill>
                 <a:schemeClr val="bg1"/>
               </a:solidFill>
@@ -18269,24 +18341,26 @@
         </p:nvSpPr>
         <p:spPr>
           <a:xfrm>
-            <a:off x="992783" y="-282804"/>
+            <a:off x="992782" y="-320512"/>
             <a:ext cx="9905998" cy="1478570"/>
           </a:xfrm>
         </p:spPr>
         <p:txBody>
-          <a:bodyPr/>
+          <a:bodyPr>
+            <a:normAutofit/>
+          </a:bodyPr>
           <a:lstStyle/>
           <a:p>
             <a:pPr algn="ctr"/>
             <a:r>
-              <a:rPr lang="en-US" altLang="zh-TW" dirty="0">
+              <a:rPr lang="en-US" altLang="zh-TW" sz="4400" dirty="0">
                 <a:solidFill>
                   <a:schemeClr val="bg1"/>
                 </a:solidFill>
               </a:rPr>
               <a:t>Calculator:</a:t>
             </a:r>
-            <a:endParaRPr lang="zh-TW" altLang="en-US" dirty="0">
+            <a:endParaRPr lang="zh-TW" altLang="en-US" sz="4400" dirty="0">
               <a:solidFill>
                 <a:schemeClr val="bg1"/>
               </a:solidFill>
@@ -18318,7 +18392,7 @@
         </p:blipFill>
         <p:spPr>
           <a:xfrm>
-            <a:off x="3760976" y="678730"/>
+            <a:off x="3683189" y="742314"/>
             <a:ext cx="4525185" cy="6115686"/>
           </a:xfrm>
         </p:spPr>

--- a/文書/報告書.pptx
+++ b/文書/報告書.pptx
@@ -10,34 +10,35 @@
     <p:sldId id="289" r:id="rId4"/>
     <p:sldId id="292" r:id="rId5"/>
     <p:sldId id="290" r:id="rId6"/>
-    <p:sldId id="286" r:id="rId7"/>
-    <p:sldId id="283" r:id="rId8"/>
-    <p:sldId id="284" r:id="rId9"/>
-    <p:sldId id="285" r:id="rId10"/>
-    <p:sldId id="257" r:id="rId11"/>
-    <p:sldId id="259" r:id="rId12"/>
-    <p:sldId id="258" r:id="rId13"/>
-    <p:sldId id="260" r:id="rId14"/>
-    <p:sldId id="263" r:id="rId15"/>
-    <p:sldId id="264" r:id="rId16"/>
-    <p:sldId id="265" r:id="rId17"/>
-    <p:sldId id="266" r:id="rId18"/>
-    <p:sldId id="269" r:id="rId19"/>
-    <p:sldId id="270" r:id="rId20"/>
-    <p:sldId id="271" r:id="rId21"/>
-    <p:sldId id="272" r:id="rId22"/>
-    <p:sldId id="273" r:id="rId23"/>
-    <p:sldId id="274" r:id="rId24"/>
-    <p:sldId id="275" r:id="rId25"/>
-    <p:sldId id="276" r:id="rId26"/>
-    <p:sldId id="277" r:id="rId27"/>
-    <p:sldId id="278" r:id="rId28"/>
-    <p:sldId id="279" r:id="rId29"/>
-    <p:sldId id="280" r:id="rId30"/>
-    <p:sldId id="281" r:id="rId31"/>
-    <p:sldId id="282" r:id="rId32"/>
-    <p:sldId id="287" r:id="rId33"/>
-    <p:sldId id="288" r:id="rId34"/>
+    <p:sldId id="293" r:id="rId7"/>
+    <p:sldId id="286" r:id="rId8"/>
+    <p:sldId id="283" r:id="rId9"/>
+    <p:sldId id="284" r:id="rId10"/>
+    <p:sldId id="285" r:id="rId11"/>
+    <p:sldId id="257" r:id="rId12"/>
+    <p:sldId id="259" r:id="rId13"/>
+    <p:sldId id="258" r:id="rId14"/>
+    <p:sldId id="260" r:id="rId15"/>
+    <p:sldId id="263" r:id="rId16"/>
+    <p:sldId id="264" r:id="rId17"/>
+    <p:sldId id="265" r:id="rId18"/>
+    <p:sldId id="266" r:id="rId19"/>
+    <p:sldId id="269" r:id="rId20"/>
+    <p:sldId id="270" r:id="rId21"/>
+    <p:sldId id="271" r:id="rId22"/>
+    <p:sldId id="272" r:id="rId23"/>
+    <p:sldId id="273" r:id="rId24"/>
+    <p:sldId id="274" r:id="rId25"/>
+    <p:sldId id="275" r:id="rId26"/>
+    <p:sldId id="276" r:id="rId27"/>
+    <p:sldId id="277" r:id="rId28"/>
+    <p:sldId id="278" r:id="rId29"/>
+    <p:sldId id="279" r:id="rId30"/>
+    <p:sldId id="280" r:id="rId31"/>
+    <p:sldId id="281" r:id="rId32"/>
+    <p:sldId id="282" r:id="rId33"/>
+    <p:sldId id="287" r:id="rId34"/>
+    <p:sldId id="288" r:id="rId35"/>
   </p:sldIdLst>
   <p:sldSz cx="12192000" cy="6858000"/>
   <p:notesSz cx="6858000" cy="9144000"/>
@@ -12805,6 +12806,110 @@
           <p:cNvPr id="2" name="標題 1">
             <a:extLst>
               <a:ext uri="{FF2B5EF4-FFF2-40B4-BE49-F238E27FC236}">
+                <a16:creationId xmlns:a16="http://schemas.microsoft.com/office/drawing/2014/main" id="{DD72F620-9AD3-40AC-8908-2AD9D81EA0FE}"/>
+              </a:ext>
+            </a:extLst>
+          </p:cNvPr>
+          <p:cNvSpPr>
+            <a:spLocks noGrp="1"/>
+          </p:cNvSpPr>
+          <p:nvPr>
+            <p:ph type="title"/>
+          </p:nvPr>
+        </p:nvSpPr>
+        <p:spPr>
+          <a:xfrm>
+            <a:off x="992782" y="-320512"/>
+            <a:ext cx="9905998" cy="1478570"/>
+          </a:xfrm>
+        </p:spPr>
+        <p:txBody>
+          <a:bodyPr>
+            <a:normAutofit/>
+          </a:bodyPr>
+          <a:lstStyle/>
+          <a:p>
+            <a:pPr algn="ctr"/>
+            <a:r>
+              <a:rPr lang="en-US" altLang="zh-TW" sz="4400" dirty="0">
+                <a:solidFill>
+                  <a:schemeClr val="bg1"/>
+                </a:solidFill>
+              </a:rPr>
+              <a:t>Calculator:</a:t>
+            </a:r>
+            <a:endParaRPr lang="zh-TW" altLang="en-US" sz="4400" dirty="0">
+              <a:solidFill>
+                <a:schemeClr val="bg1"/>
+              </a:solidFill>
+            </a:endParaRPr>
+          </a:p>
+        </p:txBody>
+      </p:sp>
+      <p:pic>
+        <p:nvPicPr>
+          <p:cNvPr id="5" name="內容版面配置區 4">
+            <a:extLst>
+              <a:ext uri="{FF2B5EF4-FFF2-40B4-BE49-F238E27FC236}">
+                <a16:creationId xmlns:a16="http://schemas.microsoft.com/office/drawing/2014/main" id="{60101AA8-3DCF-4FEE-93F7-85872816A9E3}"/>
+              </a:ext>
+            </a:extLst>
+          </p:cNvPr>
+          <p:cNvPicPr>
+            <a:picLocks noGrp="1" noChangeAspect="1"/>
+          </p:cNvPicPr>
+          <p:nvPr>
+            <p:ph idx="1"/>
+          </p:nvPr>
+        </p:nvPicPr>
+        <p:blipFill>
+          <a:blip r:embed="rId2"/>
+          <a:stretch>
+            <a:fillRect/>
+          </a:stretch>
+        </p:blipFill>
+        <p:spPr>
+          <a:xfrm>
+            <a:off x="3683189" y="742314"/>
+            <a:ext cx="4525185" cy="6115686"/>
+          </a:xfrm>
+        </p:spPr>
+      </p:pic>
+    </p:spTree>
+    <p:extLst>
+      <p:ext uri="{BB962C8B-B14F-4D97-AF65-F5344CB8AC3E}">
+        <p14:creationId xmlns:p14="http://schemas.microsoft.com/office/powerpoint/2010/main" val="3065311427"/>
+      </p:ext>
+    </p:extLst>
+  </p:cSld>
+  <p:clrMapOvr>
+    <a:masterClrMapping/>
+  </p:clrMapOvr>
+</p:sld>
+</file>
+
+<file path=ppt/slides/slide11.xml><?xml version="1.0" encoding="utf-8"?>
+<p:sld xmlns:a="http://schemas.openxmlformats.org/drawingml/2006/main" xmlns:r="http://schemas.openxmlformats.org/officeDocument/2006/relationships" xmlns:p="http://schemas.openxmlformats.org/presentationml/2006/main">
+  <p:cSld>
+    <p:spTree>
+      <p:nvGrpSpPr>
+        <p:cNvPr id="1" name=""/>
+        <p:cNvGrpSpPr/>
+        <p:nvPr/>
+      </p:nvGrpSpPr>
+      <p:grpSpPr>
+        <a:xfrm>
+          <a:off x="0" y="0"/>
+          <a:ext cx="0" cy="0"/>
+          <a:chOff x="0" y="0"/>
+          <a:chExt cx="0" cy="0"/>
+        </a:xfrm>
+      </p:grpSpPr>
+      <p:sp>
+        <p:nvSpPr>
+          <p:cNvPr id="2" name="標題 1">
+            <a:extLst>
+              <a:ext uri="{FF2B5EF4-FFF2-40B4-BE49-F238E27FC236}">
                 <a16:creationId xmlns:a16="http://schemas.microsoft.com/office/drawing/2014/main" id="{B8EFCEBF-E8A1-44E8-BBB2-701CF397790F}"/>
               </a:ext>
             </a:extLst>
@@ -12890,7 +12995,7 @@
 </p:sld>
 </file>
 
-<file path=ppt/slides/slide11.xml><?xml version="1.0" encoding="utf-8"?>
+<file path=ppt/slides/slide12.xml><?xml version="1.0" encoding="utf-8"?>
 <p:sld xmlns:a="http://schemas.openxmlformats.org/drawingml/2006/main" xmlns:r="http://schemas.openxmlformats.org/officeDocument/2006/relationships" xmlns:p="http://schemas.openxmlformats.org/presentationml/2006/main">
   <p:cSld>
     <p:spTree>
@@ -13097,7 +13202,7 @@
 </p:sld>
 </file>
 
-<file path=ppt/slides/slide12.xml><?xml version="1.0" encoding="utf-8"?>
+<file path=ppt/slides/slide13.xml><?xml version="1.0" encoding="utf-8"?>
 <p:sld xmlns:a="http://schemas.openxmlformats.org/drawingml/2006/main" xmlns:r="http://schemas.openxmlformats.org/officeDocument/2006/relationships" xmlns:p="http://schemas.openxmlformats.org/presentationml/2006/main">
   <p:cSld>
     <p:spTree>
@@ -13204,7 +13309,7 @@
 </p:sld>
 </file>
 
-<file path=ppt/slides/slide13.xml><?xml version="1.0" encoding="utf-8"?>
+<file path=ppt/slides/slide14.xml><?xml version="1.0" encoding="utf-8"?>
 <p:sld xmlns:a="http://schemas.openxmlformats.org/drawingml/2006/main" xmlns:r="http://schemas.openxmlformats.org/officeDocument/2006/relationships" xmlns:p="http://schemas.openxmlformats.org/presentationml/2006/main">
   <p:cSld>
     <p:spTree>
@@ -13446,7 +13551,7 @@
 </p:sld>
 </file>
 
-<file path=ppt/slides/slide14.xml><?xml version="1.0" encoding="utf-8"?>
+<file path=ppt/slides/slide15.xml><?xml version="1.0" encoding="utf-8"?>
 <p:sld xmlns:a="http://schemas.openxmlformats.org/drawingml/2006/main" xmlns:r="http://schemas.openxmlformats.org/officeDocument/2006/relationships" xmlns:p="http://schemas.openxmlformats.org/presentationml/2006/main">
   <p:cSld>
     <p:spTree>
@@ -13545,7 +13650,7 @@
 </p:sld>
 </file>
 
-<file path=ppt/slides/slide15.xml><?xml version="1.0" encoding="utf-8"?>
+<file path=ppt/slides/slide16.xml><?xml version="1.0" encoding="utf-8"?>
 <p:sld xmlns:a="http://schemas.openxmlformats.org/drawingml/2006/main" xmlns:r="http://schemas.openxmlformats.org/officeDocument/2006/relationships" xmlns:p="http://schemas.openxmlformats.org/presentationml/2006/main">
   <p:cSld>
     <p:spTree>
@@ -13719,7 +13824,7 @@
 </p:sld>
 </file>
 
-<file path=ppt/slides/slide16.xml><?xml version="1.0" encoding="utf-8"?>
+<file path=ppt/slides/slide17.xml><?xml version="1.0" encoding="utf-8"?>
 <p:sld xmlns:a="http://schemas.openxmlformats.org/drawingml/2006/main" xmlns:r="http://schemas.openxmlformats.org/officeDocument/2006/relationships" xmlns:p="http://schemas.openxmlformats.org/presentationml/2006/main">
   <p:cSld>
     <p:spTree>
@@ -13846,7 +13951,7 @@
 </p:sld>
 </file>
 
-<file path=ppt/slides/slide17.xml><?xml version="1.0" encoding="utf-8"?>
+<file path=ppt/slides/slide18.xml><?xml version="1.0" encoding="utf-8"?>
 <p:sld xmlns:a="http://schemas.openxmlformats.org/drawingml/2006/main" xmlns:r="http://schemas.openxmlformats.org/officeDocument/2006/relationships" xmlns:p="http://schemas.openxmlformats.org/presentationml/2006/main">
   <p:cSld>
     <p:spTree>
@@ -14004,7 +14109,7 @@
 </p:sld>
 </file>
 
-<file path=ppt/slides/slide18.xml><?xml version="1.0" encoding="utf-8"?>
+<file path=ppt/slides/slide19.xml><?xml version="1.0" encoding="utf-8"?>
 <p:sld xmlns:a="http://schemas.openxmlformats.org/drawingml/2006/main" xmlns:r="http://schemas.openxmlformats.org/officeDocument/2006/relationships" xmlns:p="http://schemas.openxmlformats.org/presentationml/2006/main">
   <p:cSld>
     <p:spTree>
@@ -14163,7 +14268,183 @@
 </p:sld>
 </file>
 
-<file path=ppt/slides/slide19.xml><?xml version="1.0" encoding="utf-8"?>
+<file path=ppt/slides/slide2.xml><?xml version="1.0" encoding="utf-8"?>
+<p:sld xmlns:a="http://schemas.openxmlformats.org/drawingml/2006/main" xmlns:r="http://schemas.openxmlformats.org/officeDocument/2006/relationships" xmlns:p="http://schemas.openxmlformats.org/presentationml/2006/main">
+  <p:cSld>
+    <p:spTree>
+      <p:nvGrpSpPr>
+        <p:cNvPr id="1" name=""/>
+        <p:cNvGrpSpPr/>
+        <p:nvPr/>
+      </p:nvGrpSpPr>
+      <p:grpSpPr>
+        <a:xfrm>
+          <a:off x="0" y="0"/>
+          <a:ext cx="0" cy="0"/>
+          <a:chOff x="0" y="0"/>
+          <a:chExt cx="0" cy="0"/>
+        </a:xfrm>
+      </p:grpSpPr>
+      <p:sp>
+        <p:nvSpPr>
+          <p:cNvPr id="2" name="標題 1">
+            <a:extLst>
+              <a:ext uri="{FF2B5EF4-FFF2-40B4-BE49-F238E27FC236}">
+                <a16:creationId xmlns:a16="http://schemas.microsoft.com/office/drawing/2014/main" id="{7B8C2D65-5D3A-42F2-BA2E-4C63928CFDC4}"/>
+              </a:ext>
+            </a:extLst>
+          </p:cNvPr>
+          <p:cNvSpPr>
+            <a:spLocks noGrp="1"/>
+          </p:cNvSpPr>
+          <p:nvPr>
+            <p:ph type="title"/>
+          </p:nvPr>
+        </p:nvSpPr>
+        <p:spPr/>
+        <p:txBody>
+          <a:bodyPr>
+            <a:normAutofit/>
+          </a:bodyPr>
+          <a:lstStyle/>
+          <a:p>
+            <a:pPr algn="ctr"/>
+            <a:r>
+              <a:rPr lang="zh-TW" altLang="en-US" sz="4400" dirty="0">
+                <a:solidFill>
+                  <a:schemeClr val="bg1"/>
+                </a:solidFill>
+              </a:rPr>
+              <a:t>需求定義</a:t>
+            </a:r>
+            <a:r>
+              <a:rPr lang="en-US" altLang="zh-TW" sz="4400" dirty="0">
+                <a:solidFill>
+                  <a:schemeClr val="bg1"/>
+                </a:solidFill>
+              </a:rPr>
+              <a:t>:</a:t>
+            </a:r>
+            <a:endParaRPr lang="zh-TW" altLang="en-US" sz="4400" dirty="0">
+              <a:solidFill>
+                <a:schemeClr val="bg1"/>
+              </a:solidFill>
+            </a:endParaRPr>
+          </a:p>
+        </p:txBody>
+      </p:sp>
+      <p:sp>
+        <p:nvSpPr>
+          <p:cNvPr id="3" name="內容版面配置區 2">
+            <a:extLst>
+              <a:ext uri="{FF2B5EF4-FFF2-40B4-BE49-F238E27FC236}">
+                <a16:creationId xmlns:a16="http://schemas.microsoft.com/office/drawing/2014/main" id="{2201DE6B-AF28-4FF8-AD73-7F25640DA8E5}"/>
+              </a:ext>
+            </a:extLst>
+          </p:cNvPr>
+          <p:cNvSpPr>
+            <a:spLocks noGrp="1"/>
+          </p:cNvSpPr>
+          <p:nvPr>
+            <p:ph idx="1"/>
+          </p:nvPr>
+        </p:nvSpPr>
+        <p:spPr/>
+        <p:txBody>
+          <a:bodyPr>
+            <a:normAutofit/>
+          </a:bodyPr>
+          <a:lstStyle/>
+          <a:p>
+            <a:r>
+              <a:rPr lang="zh-TW" altLang="en-US" sz="3200" dirty="0">
+                <a:solidFill>
+                  <a:schemeClr val="bg1"/>
+                </a:solidFill>
+              </a:rPr>
+              <a:t>最初的發想是以數學工具包的目標去做</a:t>
+            </a:r>
+            <a:r>
+              <a:rPr lang="en-US" altLang="zh-TW" sz="3200" dirty="0">
+                <a:solidFill>
+                  <a:schemeClr val="bg1"/>
+                </a:solidFill>
+              </a:rPr>
+              <a:t>,</a:t>
+            </a:r>
+            <a:r>
+              <a:rPr lang="zh-TW" altLang="en-US" sz="3200" dirty="0">
+                <a:solidFill>
+                  <a:schemeClr val="bg1"/>
+                </a:solidFill>
+              </a:rPr>
+              <a:t>我們設想客群可能為高中生到社會人士不等</a:t>
+            </a:r>
+            <a:r>
+              <a:rPr lang="en-US" altLang="zh-TW" sz="3200" dirty="0">
+                <a:solidFill>
+                  <a:schemeClr val="bg1"/>
+                </a:solidFill>
+              </a:rPr>
+              <a:t>,</a:t>
+            </a:r>
+            <a:r>
+              <a:rPr lang="zh-TW" altLang="en-US" sz="3200" dirty="0">
+                <a:solidFill>
+                  <a:schemeClr val="bg1"/>
+                </a:solidFill>
+              </a:rPr>
+              <a:t>以</a:t>
+            </a:r>
+            <a:r>
+              <a:rPr lang="en-US" altLang="zh-TW" sz="3200" dirty="0">
+                <a:solidFill>
+                  <a:schemeClr val="bg1"/>
+                </a:solidFill>
+              </a:rPr>
+              <a:t>sort</a:t>
+            </a:r>
+            <a:r>
+              <a:rPr lang="zh-TW" altLang="en-US" sz="3200" dirty="0">
+                <a:solidFill>
+                  <a:schemeClr val="bg1"/>
+                </a:solidFill>
+              </a:rPr>
+              <a:t>後的資料分析為主</a:t>
+            </a:r>
+            <a:r>
+              <a:rPr lang="en-US" altLang="zh-TW" sz="3200" dirty="0">
+                <a:solidFill>
+                  <a:schemeClr val="bg1"/>
+                </a:solidFill>
+              </a:rPr>
+              <a:t>,</a:t>
+            </a:r>
+            <a:r>
+              <a:rPr lang="zh-TW" altLang="en-US" sz="3200" dirty="0">
+                <a:solidFill>
+                  <a:schemeClr val="bg1"/>
+                </a:solidFill>
+              </a:rPr>
+              <a:t>並在之後擴增應用</a:t>
+            </a:r>
+          </a:p>
+        </p:txBody>
+      </p:sp>
+    </p:spTree>
+    <p:extLst>
+      <p:ext uri="{BB962C8B-B14F-4D97-AF65-F5344CB8AC3E}">
+        <p14:creationId xmlns:p14="http://schemas.microsoft.com/office/powerpoint/2010/main" val="349467129"/>
+      </p:ext>
+    </p:extLst>
+  </p:cSld>
+  <p:clrMapOvr>
+    <a:masterClrMapping/>
+  </p:clrMapOvr>
+</p:sld>
+</file>
+
+<file path=ppt/slides/slide20.xml><?xml version="1.0" encoding="utf-8"?>
 <p:sld xmlns:a="http://schemas.openxmlformats.org/drawingml/2006/main" xmlns:r="http://schemas.openxmlformats.org/officeDocument/2006/relationships" xmlns:p="http://schemas.openxmlformats.org/presentationml/2006/main">
   <p:cSld>
     <p:spTree>
@@ -14321,183 +14602,7 @@
 </p:sld>
 </file>
 
-<file path=ppt/slides/slide2.xml><?xml version="1.0" encoding="utf-8"?>
-<p:sld xmlns:a="http://schemas.openxmlformats.org/drawingml/2006/main" xmlns:r="http://schemas.openxmlformats.org/officeDocument/2006/relationships" xmlns:p="http://schemas.openxmlformats.org/presentationml/2006/main">
-  <p:cSld>
-    <p:spTree>
-      <p:nvGrpSpPr>
-        <p:cNvPr id="1" name=""/>
-        <p:cNvGrpSpPr/>
-        <p:nvPr/>
-      </p:nvGrpSpPr>
-      <p:grpSpPr>
-        <a:xfrm>
-          <a:off x="0" y="0"/>
-          <a:ext cx="0" cy="0"/>
-          <a:chOff x="0" y="0"/>
-          <a:chExt cx="0" cy="0"/>
-        </a:xfrm>
-      </p:grpSpPr>
-      <p:sp>
-        <p:nvSpPr>
-          <p:cNvPr id="2" name="標題 1">
-            <a:extLst>
-              <a:ext uri="{FF2B5EF4-FFF2-40B4-BE49-F238E27FC236}">
-                <a16:creationId xmlns:a16="http://schemas.microsoft.com/office/drawing/2014/main" id="{7B8C2D65-5D3A-42F2-BA2E-4C63928CFDC4}"/>
-              </a:ext>
-            </a:extLst>
-          </p:cNvPr>
-          <p:cNvSpPr>
-            <a:spLocks noGrp="1"/>
-          </p:cNvSpPr>
-          <p:nvPr>
-            <p:ph type="title"/>
-          </p:nvPr>
-        </p:nvSpPr>
-        <p:spPr/>
-        <p:txBody>
-          <a:bodyPr>
-            <a:normAutofit/>
-          </a:bodyPr>
-          <a:lstStyle/>
-          <a:p>
-            <a:pPr algn="ctr"/>
-            <a:r>
-              <a:rPr lang="zh-TW" altLang="en-US" sz="4400" dirty="0">
-                <a:solidFill>
-                  <a:schemeClr val="bg1"/>
-                </a:solidFill>
-              </a:rPr>
-              <a:t>需求定義</a:t>
-            </a:r>
-            <a:r>
-              <a:rPr lang="en-US" altLang="zh-TW" sz="4400" dirty="0">
-                <a:solidFill>
-                  <a:schemeClr val="bg1"/>
-                </a:solidFill>
-              </a:rPr>
-              <a:t>:</a:t>
-            </a:r>
-            <a:endParaRPr lang="zh-TW" altLang="en-US" sz="4400" dirty="0">
-              <a:solidFill>
-                <a:schemeClr val="bg1"/>
-              </a:solidFill>
-            </a:endParaRPr>
-          </a:p>
-        </p:txBody>
-      </p:sp>
-      <p:sp>
-        <p:nvSpPr>
-          <p:cNvPr id="3" name="內容版面配置區 2">
-            <a:extLst>
-              <a:ext uri="{FF2B5EF4-FFF2-40B4-BE49-F238E27FC236}">
-                <a16:creationId xmlns:a16="http://schemas.microsoft.com/office/drawing/2014/main" id="{2201DE6B-AF28-4FF8-AD73-7F25640DA8E5}"/>
-              </a:ext>
-            </a:extLst>
-          </p:cNvPr>
-          <p:cNvSpPr>
-            <a:spLocks noGrp="1"/>
-          </p:cNvSpPr>
-          <p:nvPr>
-            <p:ph idx="1"/>
-          </p:nvPr>
-        </p:nvSpPr>
-        <p:spPr/>
-        <p:txBody>
-          <a:bodyPr>
-            <a:normAutofit/>
-          </a:bodyPr>
-          <a:lstStyle/>
-          <a:p>
-            <a:r>
-              <a:rPr lang="zh-TW" altLang="en-US" sz="3200" dirty="0">
-                <a:solidFill>
-                  <a:schemeClr val="bg1"/>
-                </a:solidFill>
-              </a:rPr>
-              <a:t>最初的發想是以數學工具包的目標去做</a:t>
-            </a:r>
-            <a:r>
-              <a:rPr lang="en-US" altLang="zh-TW" sz="3200" dirty="0">
-                <a:solidFill>
-                  <a:schemeClr val="bg1"/>
-                </a:solidFill>
-              </a:rPr>
-              <a:t>,</a:t>
-            </a:r>
-            <a:r>
-              <a:rPr lang="zh-TW" altLang="en-US" sz="3200" dirty="0">
-                <a:solidFill>
-                  <a:schemeClr val="bg1"/>
-                </a:solidFill>
-              </a:rPr>
-              <a:t>我們設想客群可能為高中生到社會人士不等</a:t>
-            </a:r>
-            <a:r>
-              <a:rPr lang="en-US" altLang="zh-TW" sz="3200" dirty="0">
-                <a:solidFill>
-                  <a:schemeClr val="bg1"/>
-                </a:solidFill>
-              </a:rPr>
-              <a:t>,</a:t>
-            </a:r>
-            <a:r>
-              <a:rPr lang="zh-TW" altLang="en-US" sz="3200" dirty="0">
-                <a:solidFill>
-                  <a:schemeClr val="bg1"/>
-                </a:solidFill>
-              </a:rPr>
-              <a:t>以</a:t>
-            </a:r>
-            <a:r>
-              <a:rPr lang="en-US" altLang="zh-TW" sz="3200" dirty="0">
-                <a:solidFill>
-                  <a:schemeClr val="bg1"/>
-                </a:solidFill>
-              </a:rPr>
-              <a:t>sort</a:t>
-            </a:r>
-            <a:r>
-              <a:rPr lang="zh-TW" altLang="en-US" sz="3200" dirty="0">
-                <a:solidFill>
-                  <a:schemeClr val="bg1"/>
-                </a:solidFill>
-              </a:rPr>
-              <a:t>後的資料分析為主</a:t>
-            </a:r>
-            <a:r>
-              <a:rPr lang="en-US" altLang="zh-TW" sz="3200" dirty="0">
-                <a:solidFill>
-                  <a:schemeClr val="bg1"/>
-                </a:solidFill>
-              </a:rPr>
-              <a:t>,</a:t>
-            </a:r>
-            <a:r>
-              <a:rPr lang="zh-TW" altLang="en-US" sz="3200" dirty="0">
-                <a:solidFill>
-                  <a:schemeClr val="bg1"/>
-                </a:solidFill>
-              </a:rPr>
-              <a:t>並在之後擴增應用</a:t>
-            </a:r>
-          </a:p>
-        </p:txBody>
-      </p:sp>
-    </p:spTree>
-    <p:extLst>
-      <p:ext uri="{BB962C8B-B14F-4D97-AF65-F5344CB8AC3E}">
-        <p14:creationId xmlns:p14="http://schemas.microsoft.com/office/powerpoint/2010/main" val="349467129"/>
-      </p:ext>
-    </p:extLst>
-  </p:cSld>
-  <p:clrMapOvr>
-    <a:masterClrMapping/>
-  </p:clrMapOvr>
-</p:sld>
-</file>
-
-<file path=ppt/slides/slide20.xml><?xml version="1.0" encoding="utf-8"?>
+<file path=ppt/slides/slide21.xml><?xml version="1.0" encoding="utf-8"?>
 <p:sld xmlns:a="http://schemas.openxmlformats.org/drawingml/2006/main" xmlns:r="http://schemas.openxmlformats.org/officeDocument/2006/relationships" xmlns:p="http://schemas.openxmlformats.org/presentationml/2006/main">
   <p:cSld>
     <p:spTree>
@@ -14656,7 +14761,7 @@
 </p:sld>
 </file>
 
-<file path=ppt/slides/slide21.xml><?xml version="1.0" encoding="utf-8"?>
+<file path=ppt/slides/slide22.xml><?xml version="1.0" encoding="utf-8"?>
 <p:sld xmlns:a="http://schemas.openxmlformats.org/drawingml/2006/main" xmlns:r="http://schemas.openxmlformats.org/officeDocument/2006/relationships" xmlns:p="http://schemas.openxmlformats.org/presentationml/2006/main">
   <p:cSld>
     <p:spTree>
@@ -14814,7 +14919,7 @@
 </p:sld>
 </file>
 
-<file path=ppt/slides/slide22.xml><?xml version="1.0" encoding="utf-8"?>
+<file path=ppt/slides/slide23.xml><?xml version="1.0" encoding="utf-8"?>
 <p:sld xmlns:a="http://schemas.openxmlformats.org/drawingml/2006/main" xmlns:r="http://schemas.openxmlformats.org/officeDocument/2006/relationships" xmlns:p="http://schemas.openxmlformats.org/presentationml/2006/main">
   <p:cSld>
     <p:spTree>
@@ -14943,7 +15048,7 @@
 </p:sld>
 </file>
 
-<file path=ppt/slides/slide23.xml><?xml version="1.0" encoding="utf-8"?>
+<file path=ppt/slides/slide24.xml><?xml version="1.0" encoding="utf-8"?>
 <p:sld xmlns:a="http://schemas.openxmlformats.org/drawingml/2006/main" xmlns:r="http://schemas.openxmlformats.org/officeDocument/2006/relationships" xmlns:p="http://schemas.openxmlformats.org/presentationml/2006/main">
   <p:cSld>
     <p:spTree>
@@ -15085,7 +15190,7 @@
 </p:sld>
 </file>
 
-<file path=ppt/slides/slide24.xml><?xml version="1.0" encoding="utf-8"?>
+<file path=ppt/slides/slide25.xml><?xml version="1.0" encoding="utf-8"?>
 <p:sld xmlns:a="http://schemas.openxmlformats.org/drawingml/2006/main" xmlns:r="http://schemas.openxmlformats.org/officeDocument/2006/relationships" xmlns:p="http://schemas.openxmlformats.org/presentationml/2006/main">
   <p:cSld>
     <p:spTree>
@@ -15190,7 +15295,7 @@
 </p:sld>
 </file>
 
-<file path=ppt/slides/slide25.xml><?xml version="1.0" encoding="utf-8"?>
+<file path=ppt/slides/slide26.xml><?xml version="1.0" encoding="utf-8"?>
 <p:sld xmlns:a="http://schemas.openxmlformats.org/drawingml/2006/main" xmlns:r="http://schemas.openxmlformats.org/officeDocument/2006/relationships" xmlns:p="http://schemas.openxmlformats.org/presentationml/2006/main">
   <p:cSld>
     <p:spTree>
@@ -15332,7 +15437,7 @@
 </p:sld>
 </file>
 
-<file path=ppt/slides/slide26.xml><?xml version="1.0" encoding="utf-8"?>
+<file path=ppt/slides/slide27.xml><?xml version="1.0" encoding="utf-8"?>
 <p:sld xmlns:a="http://schemas.openxmlformats.org/drawingml/2006/main" xmlns:r="http://schemas.openxmlformats.org/officeDocument/2006/relationships" xmlns:p="http://schemas.openxmlformats.org/presentationml/2006/main">
   <p:cSld>
     <p:spTree>
@@ -15431,7 +15536,7 @@
 </p:sld>
 </file>
 
-<file path=ppt/slides/slide27.xml><?xml version="1.0" encoding="utf-8"?>
+<file path=ppt/slides/slide28.xml><?xml version="1.0" encoding="utf-8"?>
 <p:sld xmlns:a="http://schemas.openxmlformats.org/drawingml/2006/main" xmlns:r="http://schemas.openxmlformats.org/officeDocument/2006/relationships" xmlns:p="http://schemas.openxmlformats.org/presentationml/2006/main">
   <p:cSld>
     <p:spTree>
@@ -15610,7 +15715,7 @@
 </p:sld>
 </file>
 
-<file path=ppt/slides/slide28.xml><?xml version="1.0" encoding="utf-8"?>
+<file path=ppt/slides/slide29.xml><?xml version="1.0" encoding="utf-8"?>
 <p:sld xmlns:a="http://schemas.openxmlformats.org/drawingml/2006/main" xmlns:r="http://schemas.openxmlformats.org/officeDocument/2006/relationships" xmlns:p="http://schemas.openxmlformats.org/presentationml/2006/main">
   <p:cSld>
     <p:spTree>
@@ -15747,7 +15852,199 @@
 </p:sld>
 </file>
 
-<file path=ppt/slides/slide29.xml><?xml version="1.0" encoding="utf-8"?>
+<file path=ppt/slides/slide3.xml><?xml version="1.0" encoding="utf-8"?>
+<p:sld xmlns:a="http://schemas.openxmlformats.org/drawingml/2006/main" xmlns:r="http://schemas.openxmlformats.org/officeDocument/2006/relationships" xmlns:p="http://schemas.openxmlformats.org/presentationml/2006/main">
+  <p:cSld>
+    <p:spTree>
+      <p:nvGrpSpPr>
+        <p:cNvPr id="1" name=""/>
+        <p:cNvGrpSpPr/>
+        <p:nvPr/>
+      </p:nvGrpSpPr>
+      <p:grpSpPr>
+        <a:xfrm>
+          <a:off x="0" y="0"/>
+          <a:ext cx="0" cy="0"/>
+          <a:chOff x="0" y="0"/>
+          <a:chExt cx="0" cy="0"/>
+        </a:xfrm>
+      </p:grpSpPr>
+      <p:sp>
+        <p:nvSpPr>
+          <p:cNvPr id="2" name="標題 1">
+            <a:extLst>
+              <a:ext uri="{FF2B5EF4-FFF2-40B4-BE49-F238E27FC236}">
+                <a16:creationId xmlns:a16="http://schemas.microsoft.com/office/drawing/2014/main" id="{DDAFB282-7D81-4A05-B7C6-7D8EA1B94496}"/>
+              </a:ext>
+            </a:extLst>
+          </p:cNvPr>
+          <p:cNvSpPr>
+            <a:spLocks noGrp="1"/>
+          </p:cNvSpPr>
+          <p:nvPr>
+            <p:ph type="title"/>
+          </p:nvPr>
+        </p:nvSpPr>
+        <p:spPr/>
+        <p:txBody>
+          <a:bodyPr>
+            <a:normAutofit/>
+          </a:bodyPr>
+          <a:lstStyle/>
+          <a:p>
+            <a:pPr algn="ctr"/>
+            <a:r>
+              <a:rPr lang="zh-TW" altLang="en-US" sz="4400" dirty="0">
+                <a:solidFill>
+                  <a:schemeClr val="bg1"/>
+                </a:solidFill>
+              </a:rPr>
+              <a:t>第一階段</a:t>
+            </a:r>
+            <a:r>
+              <a:rPr lang="en-US" altLang="zh-TW" sz="4400" dirty="0">
+                <a:solidFill>
+                  <a:schemeClr val="bg1"/>
+                </a:solidFill>
+              </a:rPr>
+              <a:t>:</a:t>
+            </a:r>
+            <a:endParaRPr lang="zh-TW" altLang="en-US" sz="4400" dirty="0">
+              <a:solidFill>
+                <a:schemeClr val="bg1"/>
+              </a:solidFill>
+            </a:endParaRPr>
+          </a:p>
+        </p:txBody>
+      </p:sp>
+      <p:sp>
+        <p:nvSpPr>
+          <p:cNvPr id="3" name="內容版面配置區 2">
+            <a:extLst>
+              <a:ext uri="{FF2B5EF4-FFF2-40B4-BE49-F238E27FC236}">
+                <a16:creationId xmlns:a16="http://schemas.microsoft.com/office/drawing/2014/main" id="{A38DAFBE-1006-488B-98E7-EF0E2FE55809}"/>
+              </a:ext>
+            </a:extLst>
+          </p:cNvPr>
+          <p:cNvSpPr>
+            <a:spLocks noGrp="1"/>
+          </p:cNvSpPr>
+          <p:nvPr>
+            <p:ph idx="1"/>
+          </p:nvPr>
+        </p:nvSpPr>
+        <p:spPr/>
+        <p:txBody>
+          <a:bodyPr>
+            <a:normAutofit/>
+          </a:bodyPr>
+          <a:lstStyle/>
+          <a:p>
+            <a:r>
+              <a:rPr lang="zh-TW" altLang="en-US" sz="3200" dirty="0">
+                <a:solidFill>
+                  <a:schemeClr val="bg1"/>
+                </a:solidFill>
+              </a:rPr>
+              <a:t>將基本</a:t>
+            </a:r>
+            <a:r>
+              <a:rPr lang="en-US" altLang="zh-TW" sz="3200" dirty="0">
+                <a:solidFill>
+                  <a:schemeClr val="bg1"/>
+                </a:solidFill>
+              </a:rPr>
+              <a:t>insertion sort</a:t>
+            </a:r>
+            <a:r>
+              <a:rPr lang="zh-TW" altLang="en-US" sz="3200" dirty="0">
+                <a:solidFill>
+                  <a:schemeClr val="bg1"/>
+                </a:solidFill>
+              </a:rPr>
+              <a:t>和介面先打好</a:t>
+            </a:r>
+            <a:r>
+              <a:rPr lang="en-US" altLang="zh-TW" sz="3200" dirty="0">
+                <a:solidFill>
+                  <a:schemeClr val="bg1"/>
+                </a:solidFill>
+              </a:rPr>
+              <a:t>,</a:t>
+            </a:r>
+            <a:r>
+              <a:rPr lang="zh-TW" altLang="en-US" sz="3200" dirty="0">
+                <a:solidFill>
+                  <a:schemeClr val="bg1"/>
+                </a:solidFill>
+              </a:rPr>
+              <a:t>並和組員討論可行的數學工具</a:t>
+            </a:r>
+            <a:r>
+              <a:rPr lang="en-US" altLang="zh-TW" sz="3200" dirty="0">
+                <a:solidFill>
+                  <a:schemeClr val="bg1"/>
+                </a:solidFill>
+              </a:rPr>
+              <a:t>(</a:t>
+            </a:r>
+            <a:r>
+              <a:rPr lang="zh-TW" altLang="en-US" sz="3200" dirty="0">
+                <a:solidFill>
+                  <a:schemeClr val="bg1"/>
+                </a:solidFill>
+              </a:rPr>
+              <a:t>以高中數學為基礎</a:t>
+            </a:r>
+            <a:r>
+              <a:rPr lang="en-US" altLang="zh-TW" sz="3200" dirty="0">
+                <a:solidFill>
+                  <a:schemeClr val="bg1"/>
+                </a:solidFill>
+              </a:rPr>
+              <a:t>),</a:t>
+            </a:r>
+            <a:r>
+              <a:rPr lang="zh-TW" altLang="en-US" sz="3200" dirty="0">
+                <a:solidFill>
+                  <a:schemeClr val="bg1"/>
+                </a:solidFill>
+              </a:rPr>
+              <a:t>並與</a:t>
+            </a:r>
+            <a:r>
+              <a:rPr lang="en-US" altLang="zh-TW" sz="3200" dirty="0">
+                <a:solidFill>
+                  <a:schemeClr val="bg1"/>
+                </a:solidFill>
+              </a:rPr>
+              <a:t>sort</a:t>
+            </a:r>
+            <a:r>
+              <a:rPr lang="zh-TW" altLang="en-US" sz="3200" dirty="0">
+                <a:solidFill>
+                  <a:schemeClr val="bg1"/>
+                </a:solidFill>
+              </a:rPr>
+              <a:t>結合並實現</a:t>
+            </a:r>
+          </a:p>
+        </p:txBody>
+      </p:sp>
+    </p:spTree>
+    <p:extLst>
+      <p:ext uri="{BB962C8B-B14F-4D97-AF65-F5344CB8AC3E}">
+        <p14:creationId xmlns:p14="http://schemas.microsoft.com/office/powerpoint/2010/main" val="3329336929"/>
+      </p:ext>
+    </p:extLst>
+  </p:cSld>
+  <p:clrMapOvr>
+    <a:masterClrMapping/>
+  </p:clrMapOvr>
+</p:sld>
+</file>
+
+<file path=ppt/slides/slide30.xml><?xml version="1.0" encoding="utf-8"?>
 <p:sld xmlns:a="http://schemas.openxmlformats.org/drawingml/2006/main" xmlns:r="http://schemas.openxmlformats.org/officeDocument/2006/relationships" xmlns:p="http://schemas.openxmlformats.org/presentationml/2006/main">
   <p:cSld>
     <p:spTree>
@@ -16245,199 +16542,7 @@
 </p:sld>
 </file>
 
-<file path=ppt/slides/slide3.xml><?xml version="1.0" encoding="utf-8"?>
-<p:sld xmlns:a="http://schemas.openxmlformats.org/drawingml/2006/main" xmlns:r="http://schemas.openxmlformats.org/officeDocument/2006/relationships" xmlns:p="http://schemas.openxmlformats.org/presentationml/2006/main">
-  <p:cSld>
-    <p:spTree>
-      <p:nvGrpSpPr>
-        <p:cNvPr id="1" name=""/>
-        <p:cNvGrpSpPr/>
-        <p:nvPr/>
-      </p:nvGrpSpPr>
-      <p:grpSpPr>
-        <a:xfrm>
-          <a:off x="0" y="0"/>
-          <a:ext cx="0" cy="0"/>
-          <a:chOff x="0" y="0"/>
-          <a:chExt cx="0" cy="0"/>
-        </a:xfrm>
-      </p:grpSpPr>
-      <p:sp>
-        <p:nvSpPr>
-          <p:cNvPr id="2" name="標題 1">
-            <a:extLst>
-              <a:ext uri="{FF2B5EF4-FFF2-40B4-BE49-F238E27FC236}">
-                <a16:creationId xmlns:a16="http://schemas.microsoft.com/office/drawing/2014/main" id="{DDAFB282-7D81-4A05-B7C6-7D8EA1B94496}"/>
-              </a:ext>
-            </a:extLst>
-          </p:cNvPr>
-          <p:cNvSpPr>
-            <a:spLocks noGrp="1"/>
-          </p:cNvSpPr>
-          <p:nvPr>
-            <p:ph type="title"/>
-          </p:nvPr>
-        </p:nvSpPr>
-        <p:spPr/>
-        <p:txBody>
-          <a:bodyPr>
-            <a:normAutofit/>
-          </a:bodyPr>
-          <a:lstStyle/>
-          <a:p>
-            <a:pPr algn="ctr"/>
-            <a:r>
-              <a:rPr lang="zh-TW" altLang="en-US" sz="4400" dirty="0">
-                <a:solidFill>
-                  <a:schemeClr val="bg1"/>
-                </a:solidFill>
-              </a:rPr>
-              <a:t>第一階段</a:t>
-            </a:r>
-            <a:r>
-              <a:rPr lang="en-US" altLang="zh-TW" sz="4400" dirty="0">
-                <a:solidFill>
-                  <a:schemeClr val="bg1"/>
-                </a:solidFill>
-              </a:rPr>
-              <a:t>:</a:t>
-            </a:r>
-            <a:endParaRPr lang="zh-TW" altLang="en-US" sz="4400" dirty="0">
-              <a:solidFill>
-                <a:schemeClr val="bg1"/>
-              </a:solidFill>
-            </a:endParaRPr>
-          </a:p>
-        </p:txBody>
-      </p:sp>
-      <p:sp>
-        <p:nvSpPr>
-          <p:cNvPr id="3" name="內容版面配置區 2">
-            <a:extLst>
-              <a:ext uri="{FF2B5EF4-FFF2-40B4-BE49-F238E27FC236}">
-                <a16:creationId xmlns:a16="http://schemas.microsoft.com/office/drawing/2014/main" id="{A38DAFBE-1006-488B-98E7-EF0E2FE55809}"/>
-              </a:ext>
-            </a:extLst>
-          </p:cNvPr>
-          <p:cNvSpPr>
-            <a:spLocks noGrp="1"/>
-          </p:cNvSpPr>
-          <p:nvPr>
-            <p:ph idx="1"/>
-          </p:nvPr>
-        </p:nvSpPr>
-        <p:spPr/>
-        <p:txBody>
-          <a:bodyPr>
-            <a:normAutofit/>
-          </a:bodyPr>
-          <a:lstStyle/>
-          <a:p>
-            <a:r>
-              <a:rPr lang="zh-TW" altLang="en-US" sz="3200" dirty="0">
-                <a:solidFill>
-                  <a:schemeClr val="bg1"/>
-                </a:solidFill>
-              </a:rPr>
-              <a:t>將基本</a:t>
-            </a:r>
-            <a:r>
-              <a:rPr lang="en-US" altLang="zh-TW" sz="3200" dirty="0">
-                <a:solidFill>
-                  <a:schemeClr val="bg1"/>
-                </a:solidFill>
-              </a:rPr>
-              <a:t>insertion sort</a:t>
-            </a:r>
-            <a:r>
-              <a:rPr lang="zh-TW" altLang="en-US" sz="3200" dirty="0">
-                <a:solidFill>
-                  <a:schemeClr val="bg1"/>
-                </a:solidFill>
-              </a:rPr>
-              <a:t>和介面先打好</a:t>
-            </a:r>
-            <a:r>
-              <a:rPr lang="en-US" altLang="zh-TW" sz="3200" dirty="0">
-                <a:solidFill>
-                  <a:schemeClr val="bg1"/>
-                </a:solidFill>
-              </a:rPr>
-              <a:t>,</a:t>
-            </a:r>
-            <a:r>
-              <a:rPr lang="zh-TW" altLang="en-US" sz="3200" dirty="0">
-                <a:solidFill>
-                  <a:schemeClr val="bg1"/>
-                </a:solidFill>
-              </a:rPr>
-              <a:t>並和組員討論可行的數學工具</a:t>
-            </a:r>
-            <a:r>
-              <a:rPr lang="en-US" altLang="zh-TW" sz="3200" dirty="0">
-                <a:solidFill>
-                  <a:schemeClr val="bg1"/>
-                </a:solidFill>
-              </a:rPr>
-              <a:t>(</a:t>
-            </a:r>
-            <a:r>
-              <a:rPr lang="zh-TW" altLang="en-US" sz="3200" dirty="0">
-                <a:solidFill>
-                  <a:schemeClr val="bg1"/>
-                </a:solidFill>
-              </a:rPr>
-              <a:t>以高中數學為基礎</a:t>
-            </a:r>
-            <a:r>
-              <a:rPr lang="en-US" altLang="zh-TW" sz="3200" dirty="0">
-                <a:solidFill>
-                  <a:schemeClr val="bg1"/>
-                </a:solidFill>
-              </a:rPr>
-              <a:t>),</a:t>
-            </a:r>
-            <a:r>
-              <a:rPr lang="zh-TW" altLang="en-US" sz="3200" dirty="0">
-                <a:solidFill>
-                  <a:schemeClr val="bg1"/>
-                </a:solidFill>
-              </a:rPr>
-              <a:t>並與</a:t>
-            </a:r>
-            <a:r>
-              <a:rPr lang="en-US" altLang="zh-TW" sz="3200" dirty="0">
-                <a:solidFill>
-                  <a:schemeClr val="bg1"/>
-                </a:solidFill>
-              </a:rPr>
-              <a:t>sort</a:t>
-            </a:r>
-            <a:r>
-              <a:rPr lang="zh-TW" altLang="en-US" sz="3200" dirty="0">
-                <a:solidFill>
-                  <a:schemeClr val="bg1"/>
-                </a:solidFill>
-              </a:rPr>
-              <a:t>結合並實現</a:t>
-            </a:r>
-          </a:p>
-        </p:txBody>
-      </p:sp>
-    </p:spTree>
-    <p:extLst>
-      <p:ext uri="{BB962C8B-B14F-4D97-AF65-F5344CB8AC3E}">
-        <p14:creationId xmlns:p14="http://schemas.microsoft.com/office/powerpoint/2010/main" val="3329336929"/>
-      </p:ext>
-    </p:extLst>
-  </p:cSld>
-  <p:clrMapOvr>
-    <a:masterClrMapping/>
-  </p:clrMapOvr>
-</p:sld>
-</file>
-
-<file path=ppt/slides/slide30.xml><?xml version="1.0" encoding="utf-8"?>
+<file path=ppt/slides/slide31.xml><?xml version="1.0" encoding="utf-8"?>
 <p:sld xmlns:a="http://schemas.openxmlformats.org/drawingml/2006/main" xmlns:r="http://schemas.openxmlformats.org/officeDocument/2006/relationships" xmlns:p="http://schemas.openxmlformats.org/presentationml/2006/main">
   <p:cSld>
     <p:spTree>
@@ -16566,7 +16671,7 @@
 </p:sld>
 </file>
 
-<file path=ppt/slides/slide31.xml><?xml version="1.0" encoding="utf-8"?>
+<file path=ppt/slides/slide32.xml><?xml version="1.0" encoding="utf-8"?>
 <p:sld xmlns:a="http://schemas.openxmlformats.org/drawingml/2006/main" xmlns:r="http://schemas.openxmlformats.org/officeDocument/2006/relationships" xmlns:p="http://schemas.openxmlformats.org/presentationml/2006/main">
   <p:cSld>
     <p:spTree>
@@ -16740,7 +16845,7 @@
 </p:sld>
 </file>
 
-<file path=ppt/slides/slide32.xml><?xml version="1.0" encoding="utf-8"?>
+<file path=ppt/slides/slide33.xml><?xml version="1.0" encoding="utf-8"?>
 <p:sld xmlns:a="http://schemas.openxmlformats.org/drawingml/2006/main" xmlns:r="http://schemas.openxmlformats.org/officeDocument/2006/relationships" xmlns:p="http://schemas.openxmlformats.org/presentationml/2006/main">
   <p:cSld>
     <p:spTree>
@@ -17243,7 +17348,7 @@
 </p:sld>
 </file>
 
-<file path=ppt/slides/slide33.xml><?xml version="1.0" encoding="utf-8"?>
+<file path=ppt/slides/slide34.xml><?xml version="1.0" encoding="utf-8"?>
 <p:sld xmlns:a="http://schemas.openxmlformats.org/drawingml/2006/main" xmlns:r="http://schemas.openxmlformats.org/officeDocument/2006/relationships" xmlns:p="http://schemas.openxmlformats.org/presentationml/2006/main">
   <p:cSld>
     <p:spTree>
@@ -18004,6 +18109,720 @@
           <p:cNvPr id="2" name="標題 1">
             <a:extLst>
               <a:ext uri="{FF2B5EF4-FFF2-40B4-BE49-F238E27FC236}">
+                <a16:creationId xmlns:a16="http://schemas.microsoft.com/office/drawing/2014/main" id="{9D8F6787-4CBC-4FD6-B75B-A28822D2944B}"/>
+              </a:ext>
+            </a:extLst>
+          </p:cNvPr>
+          <p:cNvSpPr>
+            <a:spLocks noGrp="1"/>
+          </p:cNvSpPr>
+          <p:nvPr>
+            <p:ph type="title"/>
+          </p:nvPr>
+        </p:nvSpPr>
+        <p:spPr>
+          <a:xfrm>
+            <a:off x="1141412" y="0"/>
+            <a:ext cx="9905998" cy="1478570"/>
+          </a:xfrm>
+        </p:spPr>
+        <p:txBody>
+          <a:bodyPr>
+            <a:normAutofit/>
+          </a:bodyPr>
+          <a:lstStyle/>
+          <a:p>
+            <a:pPr algn="ctr"/>
+            <a:r>
+              <a:rPr lang="zh-TW" altLang="en-US" sz="4400" dirty="0">
+                <a:solidFill>
+                  <a:schemeClr val="bg1"/>
+                </a:solidFill>
+              </a:rPr>
+              <a:t>分工</a:t>
+            </a:r>
+            <a:r>
+              <a:rPr lang="en-US" altLang="zh-TW" sz="4400" dirty="0">
+                <a:solidFill>
+                  <a:schemeClr val="bg1"/>
+                </a:solidFill>
+              </a:rPr>
+              <a:t>:</a:t>
+            </a:r>
+            <a:endParaRPr lang="zh-TW" altLang="en-US" sz="4400" dirty="0">
+              <a:solidFill>
+                <a:schemeClr val="bg1"/>
+              </a:solidFill>
+            </a:endParaRPr>
+          </a:p>
+        </p:txBody>
+      </p:sp>
+      <p:sp>
+        <p:nvSpPr>
+          <p:cNvPr id="3" name="內容版面配置區 2">
+            <a:extLst>
+              <a:ext uri="{FF2B5EF4-FFF2-40B4-BE49-F238E27FC236}">
+                <a16:creationId xmlns:a16="http://schemas.microsoft.com/office/drawing/2014/main" id="{2F2CB4DF-79F1-4F02-9BDF-CD4B66D42B6B}"/>
+              </a:ext>
+            </a:extLst>
+          </p:cNvPr>
+          <p:cNvSpPr>
+            <a:spLocks noGrp="1"/>
+          </p:cNvSpPr>
+          <p:nvPr>
+            <p:ph idx="1"/>
+          </p:nvPr>
+        </p:nvSpPr>
+        <p:spPr>
+          <a:xfrm>
+            <a:off x="1065997" y="1140643"/>
+            <a:ext cx="9905999" cy="5646656"/>
+          </a:xfrm>
+        </p:spPr>
+        <p:txBody>
+          <a:bodyPr>
+            <a:normAutofit/>
+          </a:bodyPr>
+          <a:lstStyle/>
+          <a:p>
+            <a:pPr algn="ctr"/>
+            <a:r>
+              <a:rPr lang="en-US" altLang="zh-TW" sz="2600" kern="100" dirty="0">
+                <a:solidFill>
+                  <a:schemeClr val="bg1"/>
+                </a:solidFill>
+                <a:effectLst/>
+                <a:latin typeface="標楷體" panose="03000509000000000000" pitchFamily="65" charset="-120"/>
+                <a:ea typeface="新細明體" panose="02020500000000000000" pitchFamily="18" charset="-120"/>
+                <a:cs typeface="Times New Roman" panose="02020603050405020304" pitchFamily="18" charset="0"/>
+              </a:rPr>
+              <a:t>Sort</a:t>
+            </a:r>
+            <a:r>
+              <a:rPr lang="zh-TW" altLang="zh-TW" sz="2600" kern="100" dirty="0">
+                <a:solidFill>
+                  <a:schemeClr val="bg1"/>
+                </a:solidFill>
+                <a:effectLst/>
+                <a:latin typeface="Calibri" panose="020F0502020204030204" pitchFamily="34" charset="0"/>
+                <a:ea typeface="標楷體" panose="03000509000000000000" pitchFamily="65" charset="-120"/>
+                <a:cs typeface="Times New Roman" panose="02020603050405020304" pitchFamily="18" charset="0"/>
+              </a:rPr>
+              <a:t>及各種</a:t>
+            </a:r>
+            <a:r>
+              <a:rPr lang="en-US" altLang="zh-TW" sz="2600" kern="100" dirty="0">
+                <a:solidFill>
+                  <a:schemeClr val="bg1"/>
+                </a:solidFill>
+                <a:effectLst/>
+                <a:latin typeface="Calibri" panose="020F0502020204030204" pitchFamily="34" charset="0"/>
+                <a:ea typeface="標楷體" panose="03000509000000000000" pitchFamily="65" charset="-120"/>
+                <a:cs typeface="Times New Roman" panose="02020603050405020304" pitchFamily="18" charset="0"/>
+              </a:rPr>
+              <a:t>function:</a:t>
+            </a:r>
+            <a:r>
+              <a:rPr lang="zh-TW" altLang="zh-TW" sz="2600" kern="100" dirty="0">
+                <a:solidFill>
+                  <a:schemeClr val="bg1"/>
+                </a:solidFill>
+                <a:effectLst/>
+                <a:latin typeface="Calibri" panose="020F0502020204030204" pitchFamily="34" charset="0"/>
+                <a:ea typeface="標楷體" panose="03000509000000000000" pitchFamily="65" charset="-120"/>
+                <a:cs typeface="Times New Roman" panose="02020603050405020304" pitchFamily="18" charset="0"/>
+              </a:rPr>
+              <a:t>謝瑞峰</a:t>
+            </a:r>
+            <a:endParaRPr lang="zh-TW" altLang="zh-TW" sz="2600" kern="100" dirty="0">
+              <a:solidFill>
+                <a:schemeClr val="bg1"/>
+              </a:solidFill>
+              <a:effectLst/>
+              <a:latin typeface="Calibri" panose="020F0502020204030204" pitchFamily="34" charset="0"/>
+              <a:ea typeface="新細明體" panose="02020500000000000000" pitchFamily="18" charset="-120"/>
+              <a:cs typeface="Times New Roman" panose="02020603050405020304" pitchFamily="18" charset="0"/>
+            </a:endParaRPr>
+          </a:p>
+          <a:p>
+            <a:pPr algn="ctr"/>
+            <a:r>
+              <a:rPr lang="zh-TW" altLang="zh-TW" sz="2600" kern="100" dirty="0">
+                <a:solidFill>
+                  <a:schemeClr val="bg1"/>
+                </a:solidFill>
+                <a:effectLst/>
+                <a:latin typeface="Calibri" panose="020F0502020204030204" pitchFamily="34" charset="0"/>
+                <a:ea typeface="標楷體" panose="03000509000000000000" pitchFamily="65" charset="-120"/>
+                <a:cs typeface="Times New Roman" panose="02020603050405020304" pitchFamily="18" charset="0"/>
+              </a:rPr>
+              <a:t>信賴區間</a:t>
+            </a:r>
+            <a:r>
+              <a:rPr lang="en-US" altLang="zh-TW" sz="2600" kern="100" dirty="0">
+                <a:solidFill>
+                  <a:schemeClr val="bg1"/>
+                </a:solidFill>
+                <a:effectLst/>
+                <a:latin typeface="Calibri" panose="020F0502020204030204" pitchFamily="34" charset="0"/>
+                <a:ea typeface="標楷體" panose="03000509000000000000" pitchFamily="65" charset="-120"/>
+                <a:cs typeface="Times New Roman" panose="02020603050405020304" pitchFamily="18" charset="0"/>
+              </a:rPr>
+              <a:t>function:</a:t>
+            </a:r>
+            <a:r>
+              <a:rPr lang="zh-TW" altLang="zh-TW" sz="2600" kern="100" dirty="0">
+                <a:solidFill>
+                  <a:schemeClr val="bg1"/>
+                </a:solidFill>
+                <a:effectLst/>
+                <a:latin typeface="Calibri" panose="020F0502020204030204" pitchFamily="34" charset="0"/>
+                <a:ea typeface="標楷體" panose="03000509000000000000" pitchFamily="65" charset="-120"/>
+                <a:cs typeface="Times New Roman" panose="02020603050405020304" pitchFamily="18" charset="0"/>
+              </a:rPr>
+              <a:t>吳振榮</a:t>
+            </a:r>
+            <a:endParaRPr lang="zh-TW" altLang="zh-TW" sz="2600" kern="100" dirty="0">
+              <a:solidFill>
+                <a:schemeClr val="bg1"/>
+              </a:solidFill>
+              <a:effectLst/>
+              <a:latin typeface="Calibri" panose="020F0502020204030204" pitchFamily="34" charset="0"/>
+              <a:ea typeface="新細明體" panose="02020500000000000000" pitchFamily="18" charset="-120"/>
+              <a:cs typeface="Times New Roman" panose="02020603050405020304" pitchFamily="18" charset="0"/>
+            </a:endParaRPr>
+          </a:p>
+          <a:p>
+            <a:pPr algn="ctr"/>
+            <a:r>
+              <a:rPr lang="zh-TW" altLang="zh-TW" sz="2600" kern="100" dirty="0">
+                <a:solidFill>
+                  <a:schemeClr val="bg1"/>
+                </a:solidFill>
+                <a:effectLst/>
+                <a:latin typeface="Calibri" panose="020F0502020204030204" pitchFamily="34" charset="0"/>
+                <a:ea typeface="標楷體" panose="03000509000000000000" pitchFamily="65" charset="-120"/>
+                <a:cs typeface="Times New Roman" panose="02020603050405020304" pitchFamily="18" charset="0"/>
+              </a:rPr>
+              <a:t>相關係數</a:t>
+            </a:r>
+            <a:r>
+              <a:rPr lang="en-US" altLang="zh-TW" sz="2600" kern="100" dirty="0">
+                <a:solidFill>
+                  <a:schemeClr val="bg1"/>
+                </a:solidFill>
+                <a:effectLst/>
+                <a:latin typeface="Calibri" panose="020F0502020204030204" pitchFamily="34" charset="0"/>
+                <a:ea typeface="標楷體" panose="03000509000000000000" pitchFamily="65" charset="-120"/>
+                <a:cs typeface="Times New Roman" panose="02020603050405020304" pitchFamily="18" charset="0"/>
+              </a:rPr>
+              <a:t>function:</a:t>
+            </a:r>
+            <a:r>
+              <a:rPr lang="zh-TW" altLang="zh-TW" sz="2600" kern="100" dirty="0">
+                <a:solidFill>
+                  <a:schemeClr val="bg1"/>
+                </a:solidFill>
+                <a:effectLst/>
+                <a:latin typeface="Calibri" panose="020F0502020204030204" pitchFamily="34" charset="0"/>
+                <a:ea typeface="標楷體" panose="03000509000000000000" pitchFamily="65" charset="-120"/>
+                <a:cs typeface="Times New Roman" panose="02020603050405020304" pitchFamily="18" charset="0"/>
+              </a:rPr>
+              <a:t>吳伯儒</a:t>
+            </a:r>
+            <a:endParaRPr lang="zh-TW" altLang="zh-TW" sz="2600" kern="100" dirty="0">
+              <a:solidFill>
+                <a:schemeClr val="bg1"/>
+              </a:solidFill>
+              <a:effectLst/>
+              <a:latin typeface="Calibri" panose="020F0502020204030204" pitchFamily="34" charset="0"/>
+              <a:ea typeface="新細明體" panose="02020500000000000000" pitchFamily="18" charset="-120"/>
+              <a:cs typeface="Times New Roman" panose="02020603050405020304" pitchFamily="18" charset="0"/>
+            </a:endParaRPr>
+          </a:p>
+          <a:p>
+            <a:pPr algn="ctr"/>
+            <a:r>
+              <a:rPr lang="en-US" altLang="zh-TW" sz="2600" kern="100" dirty="0">
+                <a:solidFill>
+                  <a:schemeClr val="bg1"/>
+                </a:solidFill>
+                <a:effectLst/>
+                <a:latin typeface="標楷體" panose="03000509000000000000" pitchFamily="65" charset="-120"/>
+                <a:ea typeface="新細明體" panose="02020500000000000000" pitchFamily="18" charset="-120"/>
+                <a:cs typeface="Times New Roman" panose="02020603050405020304" pitchFamily="18" charset="0"/>
+              </a:rPr>
+              <a:t>GUI</a:t>
+            </a:r>
+            <a:r>
+              <a:rPr lang="zh-TW" altLang="zh-TW" sz="2600" kern="100" dirty="0">
+                <a:solidFill>
+                  <a:schemeClr val="bg1"/>
+                </a:solidFill>
+                <a:effectLst/>
+                <a:latin typeface="Calibri" panose="020F0502020204030204" pitchFamily="34" charset="0"/>
+                <a:ea typeface="標楷體" panose="03000509000000000000" pitchFamily="65" charset="-120"/>
+                <a:cs typeface="Times New Roman" panose="02020603050405020304" pitchFamily="18" charset="0"/>
+              </a:rPr>
+              <a:t>的格式及設計</a:t>
+            </a:r>
+            <a:r>
+              <a:rPr lang="en-US" altLang="zh-TW" sz="2600" kern="100" dirty="0">
+                <a:solidFill>
+                  <a:schemeClr val="bg1"/>
+                </a:solidFill>
+                <a:effectLst/>
+                <a:latin typeface="Calibri" panose="020F0502020204030204" pitchFamily="34" charset="0"/>
+                <a:ea typeface="標楷體" panose="03000509000000000000" pitchFamily="65" charset="-120"/>
+                <a:cs typeface="Times New Roman" panose="02020603050405020304" pitchFamily="18" charset="0"/>
+              </a:rPr>
+              <a:t>:</a:t>
+            </a:r>
+            <a:r>
+              <a:rPr lang="zh-TW" altLang="zh-TW" sz="2600" kern="100" dirty="0">
+                <a:solidFill>
+                  <a:schemeClr val="bg1"/>
+                </a:solidFill>
+                <a:effectLst/>
+                <a:latin typeface="Calibri" panose="020F0502020204030204" pitchFamily="34" charset="0"/>
+                <a:ea typeface="標楷體" panose="03000509000000000000" pitchFamily="65" charset="-120"/>
+                <a:cs typeface="Times New Roman" panose="02020603050405020304" pitchFamily="18" charset="0"/>
+              </a:rPr>
+              <a:t>林碩約</a:t>
+            </a:r>
+            <a:endParaRPr lang="zh-TW" altLang="zh-TW" sz="2600" kern="100" dirty="0">
+              <a:solidFill>
+                <a:schemeClr val="bg1"/>
+              </a:solidFill>
+              <a:effectLst/>
+              <a:latin typeface="Calibri" panose="020F0502020204030204" pitchFamily="34" charset="0"/>
+              <a:ea typeface="新細明體" panose="02020500000000000000" pitchFamily="18" charset="-120"/>
+              <a:cs typeface="Times New Roman" panose="02020603050405020304" pitchFamily="18" charset="0"/>
+            </a:endParaRPr>
+          </a:p>
+          <a:p>
+            <a:pPr algn="ctr"/>
+            <a:r>
+              <a:rPr lang="en-US" altLang="zh-TW" sz="2600" kern="100" dirty="0">
+                <a:solidFill>
+                  <a:schemeClr val="bg1"/>
+                </a:solidFill>
+                <a:effectLst/>
+                <a:latin typeface="標楷體" panose="03000509000000000000" pitchFamily="65" charset="-120"/>
+                <a:ea typeface="新細明體" panose="02020500000000000000" pitchFamily="18" charset="-120"/>
+                <a:cs typeface="Times New Roman" panose="02020603050405020304" pitchFamily="18" charset="0"/>
+              </a:rPr>
+              <a:t>GUI</a:t>
+            </a:r>
+            <a:r>
+              <a:rPr lang="zh-TW" altLang="zh-TW" sz="2600" kern="100" dirty="0">
+                <a:solidFill>
+                  <a:schemeClr val="bg1"/>
+                </a:solidFill>
+                <a:effectLst/>
+                <a:latin typeface="Calibri" panose="020F0502020204030204" pitchFamily="34" charset="0"/>
+                <a:ea typeface="標楷體" panose="03000509000000000000" pitchFamily="65" charset="-120"/>
+                <a:cs typeface="Times New Roman" panose="02020603050405020304" pitchFamily="18" charset="0"/>
+              </a:rPr>
+              <a:t>功能的新增</a:t>
+            </a:r>
+            <a:r>
+              <a:rPr lang="en-US" altLang="zh-TW" sz="2600" kern="100" dirty="0">
+                <a:solidFill>
+                  <a:schemeClr val="bg1"/>
+                </a:solidFill>
+                <a:effectLst/>
+                <a:latin typeface="Calibri" panose="020F0502020204030204" pitchFamily="34" charset="0"/>
+                <a:ea typeface="標楷體" panose="03000509000000000000" pitchFamily="65" charset="-120"/>
+                <a:cs typeface="Times New Roman" panose="02020603050405020304" pitchFamily="18" charset="0"/>
+              </a:rPr>
+              <a:t>:</a:t>
+            </a:r>
+            <a:r>
+              <a:rPr lang="zh-TW" altLang="zh-TW" sz="2600" kern="100" dirty="0">
+                <a:solidFill>
+                  <a:schemeClr val="bg1"/>
+                </a:solidFill>
+                <a:effectLst/>
+                <a:latin typeface="Calibri" panose="020F0502020204030204" pitchFamily="34" charset="0"/>
+                <a:ea typeface="標楷體" panose="03000509000000000000" pitchFamily="65" charset="-120"/>
+                <a:cs typeface="Times New Roman" panose="02020603050405020304" pitchFamily="18" charset="0"/>
+              </a:rPr>
+              <a:t>顏志騰</a:t>
+            </a:r>
+            <a:endParaRPr lang="zh-TW" altLang="zh-TW" sz="2600" kern="100" dirty="0">
+              <a:solidFill>
+                <a:schemeClr val="bg1"/>
+              </a:solidFill>
+              <a:effectLst/>
+              <a:latin typeface="Calibri" panose="020F0502020204030204" pitchFamily="34" charset="0"/>
+              <a:ea typeface="新細明體" panose="02020500000000000000" pitchFamily="18" charset="-120"/>
+              <a:cs typeface="Times New Roman" panose="02020603050405020304" pitchFamily="18" charset="0"/>
+            </a:endParaRPr>
+          </a:p>
+          <a:p>
+            <a:pPr algn="ctr"/>
+            <a:r>
+              <a:rPr lang="en-US" altLang="zh-TW" sz="2600" kern="100" dirty="0">
+                <a:solidFill>
+                  <a:schemeClr val="bg1"/>
+                </a:solidFill>
+                <a:effectLst/>
+                <a:latin typeface="標楷體" panose="03000509000000000000" pitchFamily="65" charset="-120"/>
+                <a:ea typeface="新細明體" panose="02020500000000000000" pitchFamily="18" charset="-120"/>
+                <a:cs typeface="Times New Roman" panose="02020603050405020304" pitchFamily="18" charset="0"/>
+              </a:rPr>
+              <a:t>GUI</a:t>
+            </a:r>
+            <a:r>
+              <a:rPr lang="zh-TW" altLang="zh-TW" sz="2600" kern="100" dirty="0">
+                <a:solidFill>
+                  <a:schemeClr val="bg1"/>
+                </a:solidFill>
+                <a:effectLst/>
+                <a:latin typeface="Calibri" panose="020F0502020204030204" pitchFamily="34" charset="0"/>
+                <a:ea typeface="標楷體" panose="03000509000000000000" pitchFamily="65" charset="-120"/>
+                <a:cs typeface="Times New Roman" panose="02020603050405020304" pitchFamily="18" charset="0"/>
+              </a:rPr>
+              <a:t>的校驗</a:t>
+            </a:r>
+            <a:r>
+              <a:rPr lang="en-US" altLang="zh-TW" sz="2600" kern="100" dirty="0">
+                <a:solidFill>
+                  <a:schemeClr val="bg1"/>
+                </a:solidFill>
+                <a:effectLst/>
+                <a:latin typeface="Calibri" panose="020F0502020204030204" pitchFamily="34" charset="0"/>
+                <a:ea typeface="標楷體" panose="03000509000000000000" pitchFamily="65" charset="-120"/>
+                <a:cs typeface="Times New Roman" panose="02020603050405020304" pitchFamily="18" charset="0"/>
+              </a:rPr>
+              <a:t>:</a:t>
+            </a:r>
+            <a:r>
+              <a:rPr lang="zh-TW" altLang="zh-TW" sz="2600" kern="100" dirty="0">
+                <a:solidFill>
+                  <a:schemeClr val="bg1"/>
+                </a:solidFill>
+                <a:effectLst/>
+                <a:latin typeface="Calibri" panose="020F0502020204030204" pitchFamily="34" charset="0"/>
+                <a:ea typeface="標楷體" panose="03000509000000000000" pitchFamily="65" charset="-120"/>
+                <a:cs typeface="Times New Roman" panose="02020603050405020304" pitchFamily="18" charset="0"/>
+              </a:rPr>
+              <a:t>吳竣宇</a:t>
+            </a:r>
+            <a:endParaRPr lang="zh-TW" altLang="zh-TW" sz="2600" kern="100" dirty="0">
+              <a:solidFill>
+                <a:schemeClr val="bg1"/>
+              </a:solidFill>
+              <a:effectLst/>
+              <a:latin typeface="Calibri" panose="020F0502020204030204" pitchFamily="34" charset="0"/>
+              <a:ea typeface="新細明體" panose="02020500000000000000" pitchFamily="18" charset="-120"/>
+              <a:cs typeface="Times New Roman" panose="02020603050405020304" pitchFamily="18" charset="0"/>
+            </a:endParaRPr>
+          </a:p>
+          <a:p>
+            <a:pPr algn="ctr"/>
+            <a:r>
+              <a:rPr lang="en-US" altLang="zh-TW" sz="2600" kern="100" dirty="0">
+                <a:solidFill>
+                  <a:schemeClr val="bg1"/>
+                </a:solidFill>
+                <a:effectLst/>
+                <a:latin typeface="標楷體" panose="03000509000000000000" pitchFamily="65" charset="-120"/>
+                <a:ea typeface="新細明體" panose="02020500000000000000" pitchFamily="18" charset="-120"/>
+                <a:cs typeface="Times New Roman" panose="02020603050405020304" pitchFamily="18" charset="0"/>
+              </a:rPr>
+              <a:t>ppt</a:t>
+            </a:r>
+            <a:r>
+              <a:rPr lang="zh-TW" altLang="zh-TW" sz="2600" kern="100" dirty="0">
+                <a:solidFill>
+                  <a:schemeClr val="bg1"/>
+                </a:solidFill>
+                <a:effectLst/>
+                <a:latin typeface="Calibri" panose="020F0502020204030204" pitchFamily="34" charset="0"/>
+                <a:ea typeface="標楷體" panose="03000509000000000000" pitchFamily="65" charset="-120"/>
+                <a:cs typeface="Times New Roman" panose="02020603050405020304" pitchFamily="18" charset="0"/>
+              </a:rPr>
+              <a:t>製作</a:t>
+            </a:r>
+            <a:r>
+              <a:rPr lang="en-US" altLang="zh-TW" sz="2600" kern="100" dirty="0">
+                <a:solidFill>
+                  <a:schemeClr val="bg1"/>
+                </a:solidFill>
+                <a:effectLst/>
+                <a:latin typeface="Calibri" panose="020F0502020204030204" pitchFamily="34" charset="0"/>
+                <a:ea typeface="標楷體" panose="03000509000000000000" pitchFamily="65" charset="-120"/>
+                <a:cs typeface="Times New Roman" panose="02020603050405020304" pitchFamily="18" charset="0"/>
+              </a:rPr>
+              <a:t>:</a:t>
+            </a:r>
+            <a:r>
+              <a:rPr lang="zh-TW" altLang="zh-TW" sz="2600" kern="100" dirty="0">
+                <a:solidFill>
+                  <a:schemeClr val="bg1"/>
+                </a:solidFill>
+                <a:effectLst/>
+                <a:latin typeface="Calibri" panose="020F0502020204030204" pitchFamily="34" charset="0"/>
+                <a:ea typeface="標楷體" panose="03000509000000000000" pitchFamily="65" charset="-120"/>
+                <a:cs typeface="Times New Roman" panose="02020603050405020304" pitchFamily="18" charset="0"/>
+              </a:rPr>
+              <a:t>江亦賢</a:t>
+            </a:r>
+            <a:r>
+              <a:rPr lang="en-US" altLang="zh-TW" sz="2600" kern="100" dirty="0">
+                <a:solidFill>
+                  <a:schemeClr val="bg1"/>
+                </a:solidFill>
+                <a:effectLst/>
+                <a:latin typeface="Calibri" panose="020F0502020204030204" pitchFamily="34" charset="0"/>
+                <a:ea typeface="標楷體" panose="03000509000000000000" pitchFamily="65" charset="-120"/>
+                <a:cs typeface="Times New Roman" panose="02020603050405020304" pitchFamily="18" charset="0"/>
+              </a:rPr>
+              <a:t>,</a:t>
+            </a:r>
+            <a:r>
+              <a:rPr lang="zh-TW" altLang="en-US" sz="2600" kern="100" dirty="0">
+                <a:solidFill>
+                  <a:schemeClr val="bg1"/>
+                </a:solidFill>
+                <a:effectLst/>
+                <a:latin typeface="Calibri" panose="020F0502020204030204" pitchFamily="34" charset="0"/>
+                <a:ea typeface="標楷體" panose="03000509000000000000" pitchFamily="65" charset="-120"/>
+                <a:cs typeface="Times New Roman" panose="02020603050405020304" pitchFamily="18" charset="0"/>
+              </a:rPr>
+              <a:t>吳竣宇</a:t>
+            </a:r>
+            <a:endParaRPr lang="zh-TW" altLang="zh-TW" sz="2600" kern="100" dirty="0">
+              <a:solidFill>
+                <a:schemeClr val="bg1"/>
+              </a:solidFill>
+              <a:effectLst/>
+              <a:latin typeface="Calibri" panose="020F0502020204030204" pitchFamily="34" charset="0"/>
+              <a:ea typeface="新細明體" panose="02020500000000000000" pitchFamily="18" charset="-120"/>
+              <a:cs typeface="Times New Roman" panose="02020603050405020304" pitchFamily="18" charset="0"/>
+            </a:endParaRPr>
+          </a:p>
+          <a:p>
+            <a:pPr algn="ctr"/>
+            <a:r>
+              <a:rPr lang="zh-TW" altLang="zh-TW" sz="2600" kern="100" dirty="0">
+                <a:solidFill>
+                  <a:schemeClr val="bg1"/>
+                </a:solidFill>
+                <a:effectLst/>
+                <a:latin typeface="Calibri" panose="020F0502020204030204" pitchFamily="34" charset="0"/>
+                <a:ea typeface="標楷體" panose="03000509000000000000" pitchFamily="65" charset="-120"/>
+                <a:cs typeface="Times New Roman" panose="02020603050405020304" pitchFamily="18" charset="0"/>
+              </a:rPr>
+              <a:t>報告</a:t>
+            </a:r>
+            <a:r>
+              <a:rPr lang="en-US" altLang="zh-TW" sz="2600" kern="100" dirty="0">
+                <a:solidFill>
+                  <a:schemeClr val="bg1"/>
+                </a:solidFill>
+                <a:effectLst/>
+                <a:latin typeface="Calibri" panose="020F0502020204030204" pitchFamily="34" charset="0"/>
+                <a:ea typeface="標楷體" panose="03000509000000000000" pitchFamily="65" charset="-120"/>
+                <a:cs typeface="Times New Roman" panose="02020603050405020304" pitchFamily="18" charset="0"/>
+              </a:rPr>
+              <a:t>:</a:t>
+            </a:r>
+            <a:r>
+              <a:rPr lang="zh-TW" altLang="en-US" sz="2600" kern="100" dirty="0">
+                <a:solidFill>
+                  <a:schemeClr val="bg1"/>
+                </a:solidFill>
+                <a:latin typeface="Calibri" panose="020F0502020204030204" pitchFamily="34" charset="0"/>
+                <a:ea typeface="標楷體" panose="03000509000000000000" pitchFamily="65" charset="-120"/>
+                <a:cs typeface="Times New Roman" panose="02020603050405020304" pitchFamily="18" charset="0"/>
+              </a:rPr>
+              <a:t>顏志騰</a:t>
+            </a:r>
+            <a:r>
+              <a:rPr lang="en-US" altLang="zh-TW" sz="2600" kern="100" dirty="0">
+                <a:solidFill>
+                  <a:schemeClr val="bg1"/>
+                </a:solidFill>
+                <a:effectLst/>
+                <a:latin typeface="Calibri" panose="020F0502020204030204" pitchFamily="34" charset="0"/>
+                <a:ea typeface="標楷體" panose="03000509000000000000" pitchFamily="65" charset="-120"/>
+                <a:cs typeface="Times New Roman" panose="02020603050405020304" pitchFamily="18" charset="0"/>
+              </a:rPr>
+              <a:t>,</a:t>
+            </a:r>
+            <a:r>
+              <a:rPr lang="zh-TW" altLang="en-US" sz="2600" kern="100">
+                <a:solidFill>
+                  <a:schemeClr val="bg1"/>
+                </a:solidFill>
+                <a:effectLst/>
+                <a:latin typeface="Calibri" panose="020F0502020204030204" pitchFamily="34" charset="0"/>
+                <a:ea typeface="標楷體" panose="03000509000000000000" pitchFamily="65" charset="-120"/>
+                <a:cs typeface="Times New Roman" panose="02020603050405020304" pitchFamily="18" charset="0"/>
+              </a:rPr>
+              <a:t>吳竣宇</a:t>
+            </a:r>
+            <a:endParaRPr lang="zh-TW" altLang="zh-TW" sz="2600" kern="100" dirty="0">
+              <a:solidFill>
+                <a:schemeClr val="bg1"/>
+              </a:solidFill>
+              <a:effectLst/>
+              <a:latin typeface="Calibri" panose="020F0502020204030204" pitchFamily="34" charset="0"/>
+              <a:ea typeface="新細明體" panose="02020500000000000000" pitchFamily="18" charset="-120"/>
+              <a:cs typeface="Times New Roman" panose="02020603050405020304" pitchFamily="18" charset="0"/>
+            </a:endParaRPr>
+          </a:p>
+          <a:p>
+            <a:pPr algn="ctr"/>
+            <a:r>
+              <a:rPr lang="en-US" altLang="zh-TW" sz="2600" kern="100" dirty="0">
+                <a:solidFill>
+                  <a:schemeClr val="bg1"/>
+                </a:solidFill>
+                <a:effectLst/>
+                <a:latin typeface="標楷體" panose="03000509000000000000" pitchFamily="65" charset="-120"/>
+                <a:ea typeface="新細明體" panose="02020500000000000000" pitchFamily="18" charset="-120"/>
+                <a:cs typeface="Times New Roman" panose="02020603050405020304" pitchFamily="18" charset="0"/>
+              </a:rPr>
+              <a:t>Function</a:t>
+            </a:r>
+            <a:r>
+              <a:rPr lang="zh-TW" altLang="zh-TW" sz="2600" kern="100" dirty="0">
+                <a:solidFill>
+                  <a:schemeClr val="bg1"/>
+                </a:solidFill>
+                <a:effectLst/>
+                <a:latin typeface="Calibri" panose="020F0502020204030204" pitchFamily="34" charset="0"/>
+                <a:ea typeface="標楷體" panose="03000509000000000000" pitchFamily="65" charset="-120"/>
+                <a:cs typeface="Times New Roman" panose="02020603050405020304" pitchFamily="18" charset="0"/>
+              </a:rPr>
+              <a:t>的校驗</a:t>
+            </a:r>
+            <a:r>
+              <a:rPr lang="en-US" altLang="zh-TW" sz="2600" kern="100" dirty="0">
+                <a:solidFill>
+                  <a:schemeClr val="bg1"/>
+                </a:solidFill>
+                <a:effectLst/>
+                <a:latin typeface="Calibri" panose="020F0502020204030204" pitchFamily="34" charset="0"/>
+                <a:ea typeface="標楷體" panose="03000509000000000000" pitchFamily="65" charset="-120"/>
+                <a:cs typeface="Times New Roman" panose="02020603050405020304" pitchFamily="18" charset="0"/>
+              </a:rPr>
+              <a:t>: </a:t>
+            </a:r>
+            <a:r>
+              <a:rPr lang="zh-TW" altLang="zh-TW" sz="2600" kern="100" dirty="0">
+                <a:solidFill>
+                  <a:schemeClr val="bg1"/>
+                </a:solidFill>
+                <a:effectLst/>
+                <a:latin typeface="Calibri" panose="020F0502020204030204" pitchFamily="34" charset="0"/>
+                <a:ea typeface="標楷體" panose="03000509000000000000" pitchFamily="65" charset="-120"/>
+                <a:cs typeface="Times New Roman" panose="02020603050405020304" pitchFamily="18" charset="0"/>
+              </a:rPr>
+              <a:t>江亦賢</a:t>
+            </a:r>
+            <a:r>
+              <a:rPr lang="en-US" altLang="zh-TW" sz="2600" kern="100" dirty="0">
+                <a:solidFill>
+                  <a:schemeClr val="bg1"/>
+                </a:solidFill>
+                <a:effectLst/>
+                <a:latin typeface="Calibri" panose="020F0502020204030204" pitchFamily="34" charset="0"/>
+                <a:ea typeface="標楷體" panose="03000509000000000000" pitchFamily="65" charset="-120"/>
+                <a:cs typeface="Times New Roman" panose="02020603050405020304" pitchFamily="18" charset="0"/>
+              </a:rPr>
+              <a:t>,</a:t>
+            </a:r>
+            <a:r>
+              <a:rPr lang="zh-TW" altLang="zh-TW" sz="2600" kern="100" dirty="0">
+                <a:solidFill>
+                  <a:schemeClr val="bg1"/>
+                </a:solidFill>
+                <a:effectLst/>
+                <a:latin typeface="Calibri" panose="020F0502020204030204" pitchFamily="34" charset="0"/>
+                <a:ea typeface="標楷體" panose="03000509000000000000" pitchFamily="65" charset="-120"/>
+                <a:cs typeface="Times New Roman" panose="02020603050405020304" pitchFamily="18" charset="0"/>
+              </a:rPr>
+              <a:t>許育瑋</a:t>
+            </a:r>
+            <a:r>
+              <a:rPr lang="en-US" altLang="zh-TW" sz="2600" kern="100" dirty="0">
+                <a:solidFill>
+                  <a:schemeClr val="bg1"/>
+                </a:solidFill>
+                <a:effectLst/>
+                <a:latin typeface="Calibri" panose="020F0502020204030204" pitchFamily="34" charset="0"/>
+                <a:ea typeface="標楷體" panose="03000509000000000000" pitchFamily="65" charset="-120"/>
+                <a:cs typeface="Times New Roman" panose="02020603050405020304" pitchFamily="18" charset="0"/>
+              </a:rPr>
+              <a:t>,</a:t>
+            </a:r>
+            <a:r>
+              <a:rPr lang="zh-TW" altLang="zh-TW" sz="2600" kern="100" dirty="0">
+                <a:solidFill>
+                  <a:schemeClr val="bg1"/>
+                </a:solidFill>
+                <a:effectLst/>
+                <a:latin typeface="Calibri" panose="020F0502020204030204" pitchFamily="34" charset="0"/>
+                <a:ea typeface="標楷體" panose="03000509000000000000" pitchFamily="65" charset="-120"/>
+                <a:cs typeface="Times New Roman" panose="02020603050405020304" pitchFamily="18" charset="0"/>
+              </a:rPr>
+              <a:t>施賀騰</a:t>
+            </a:r>
+            <a:endParaRPr lang="zh-TW" altLang="zh-TW" sz="2600" kern="100" dirty="0">
+              <a:solidFill>
+                <a:schemeClr val="bg1"/>
+              </a:solidFill>
+              <a:effectLst/>
+              <a:latin typeface="Calibri" panose="020F0502020204030204" pitchFamily="34" charset="0"/>
+              <a:ea typeface="新細明體" panose="02020500000000000000" pitchFamily="18" charset="-120"/>
+              <a:cs typeface="Times New Roman" panose="02020603050405020304" pitchFamily="18" charset="0"/>
+            </a:endParaRPr>
+          </a:p>
+          <a:p>
+            <a:endParaRPr lang="zh-TW" altLang="en-US" dirty="0"/>
+          </a:p>
+        </p:txBody>
+      </p:sp>
+    </p:spTree>
+    <p:extLst>
+      <p:ext uri="{BB962C8B-B14F-4D97-AF65-F5344CB8AC3E}">
+        <p14:creationId xmlns:p14="http://schemas.microsoft.com/office/powerpoint/2010/main" val="2684658528"/>
+      </p:ext>
+    </p:extLst>
+  </p:cSld>
+  <p:clrMapOvr>
+    <a:masterClrMapping/>
+  </p:clrMapOvr>
+</p:sld>
+</file>
+
+<file path=ppt/slides/slide7.xml><?xml version="1.0" encoding="utf-8"?>
+<p:sld xmlns:a="http://schemas.openxmlformats.org/drawingml/2006/main" xmlns:r="http://schemas.openxmlformats.org/officeDocument/2006/relationships" xmlns:p="http://schemas.openxmlformats.org/presentationml/2006/main">
+  <p:cSld>
+    <p:spTree>
+      <p:nvGrpSpPr>
+        <p:cNvPr id="1" name=""/>
+        <p:cNvGrpSpPr/>
+        <p:nvPr/>
+      </p:nvGrpSpPr>
+      <p:grpSpPr>
+        <a:xfrm>
+          <a:off x="0" y="0"/>
+          <a:ext cx="0" cy="0"/>
+          <a:chOff x="0" y="0"/>
+          <a:chExt cx="0" cy="0"/>
+        </a:xfrm>
+      </p:grpSpPr>
+      <p:sp>
+        <p:nvSpPr>
+          <p:cNvPr id="2" name="標題 1">
+            <a:extLst>
+              <a:ext uri="{FF2B5EF4-FFF2-40B4-BE49-F238E27FC236}">
                 <a16:creationId xmlns:a16="http://schemas.microsoft.com/office/drawing/2014/main" id="{E78BD9C6-12B8-4688-91DA-8E2A6E6E77DF}"/>
               </a:ext>
             </a:extLst>
@@ -18089,7 +18908,7 @@
 </p:sld>
 </file>
 
-<file path=ppt/slides/slide7.xml><?xml version="1.0" encoding="utf-8"?>
+<file path=ppt/slides/slide8.xml><?xml version="1.0" encoding="utf-8"?>
 <p:sld xmlns:a="http://schemas.openxmlformats.org/drawingml/2006/main" xmlns:r="http://schemas.openxmlformats.org/officeDocument/2006/relationships" xmlns:p="http://schemas.openxmlformats.org/presentationml/2006/main">
   <p:cSld>
     <p:spTree>
@@ -18202,7 +19021,7 @@
 </p:sld>
 </file>
 
-<file path=ppt/slides/slide8.xml><?xml version="1.0" encoding="utf-8"?>
+<file path=ppt/slides/slide9.xml><?xml version="1.0" encoding="utf-8"?>
 <p:sld xmlns:a="http://schemas.openxmlformats.org/drawingml/2006/main" xmlns:r="http://schemas.openxmlformats.org/officeDocument/2006/relationships" xmlns:p="http://schemas.openxmlformats.org/presentationml/2006/main">
   <p:cSld>
     <p:spTree>
@@ -18297,110 +19116,6 @@
     <p:extLst>
       <p:ext uri="{BB962C8B-B14F-4D97-AF65-F5344CB8AC3E}">
         <p14:creationId xmlns:p14="http://schemas.microsoft.com/office/powerpoint/2010/main" val="3828811823"/>
-      </p:ext>
-    </p:extLst>
-  </p:cSld>
-  <p:clrMapOvr>
-    <a:masterClrMapping/>
-  </p:clrMapOvr>
-</p:sld>
-</file>
-
-<file path=ppt/slides/slide9.xml><?xml version="1.0" encoding="utf-8"?>
-<p:sld xmlns:a="http://schemas.openxmlformats.org/drawingml/2006/main" xmlns:r="http://schemas.openxmlformats.org/officeDocument/2006/relationships" xmlns:p="http://schemas.openxmlformats.org/presentationml/2006/main">
-  <p:cSld>
-    <p:spTree>
-      <p:nvGrpSpPr>
-        <p:cNvPr id="1" name=""/>
-        <p:cNvGrpSpPr/>
-        <p:nvPr/>
-      </p:nvGrpSpPr>
-      <p:grpSpPr>
-        <a:xfrm>
-          <a:off x="0" y="0"/>
-          <a:ext cx="0" cy="0"/>
-          <a:chOff x="0" y="0"/>
-          <a:chExt cx="0" cy="0"/>
-        </a:xfrm>
-      </p:grpSpPr>
-      <p:sp>
-        <p:nvSpPr>
-          <p:cNvPr id="2" name="標題 1">
-            <a:extLst>
-              <a:ext uri="{FF2B5EF4-FFF2-40B4-BE49-F238E27FC236}">
-                <a16:creationId xmlns:a16="http://schemas.microsoft.com/office/drawing/2014/main" id="{DD72F620-9AD3-40AC-8908-2AD9D81EA0FE}"/>
-              </a:ext>
-            </a:extLst>
-          </p:cNvPr>
-          <p:cNvSpPr>
-            <a:spLocks noGrp="1"/>
-          </p:cNvSpPr>
-          <p:nvPr>
-            <p:ph type="title"/>
-          </p:nvPr>
-        </p:nvSpPr>
-        <p:spPr>
-          <a:xfrm>
-            <a:off x="992782" y="-320512"/>
-            <a:ext cx="9905998" cy="1478570"/>
-          </a:xfrm>
-        </p:spPr>
-        <p:txBody>
-          <a:bodyPr>
-            <a:normAutofit/>
-          </a:bodyPr>
-          <a:lstStyle/>
-          <a:p>
-            <a:pPr algn="ctr"/>
-            <a:r>
-              <a:rPr lang="en-US" altLang="zh-TW" sz="4400" dirty="0">
-                <a:solidFill>
-                  <a:schemeClr val="bg1"/>
-                </a:solidFill>
-              </a:rPr>
-              <a:t>Calculator:</a:t>
-            </a:r>
-            <a:endParaRPr lang="zh-TW" altLang="en-US" sz="4400" dirty="0">
-              <a:solidFill>
-                <a:schemeClr val="bg1"/>
-              </a:solidFill>
-            </a:endParaRPr>
-          </a:p>
-        </p:txBody>
-      </p:sp>
-      <p:pic>
-        <p:nvPicPr>
-          <p:cNvPr id="5" name="內容版面配置區 4">
-            <a:extLst>
-              <a:ext uri="{FF2B5EF4-FFF2-40B4-BE49-F238E27FC236}">
-                <a16:creationId xmlns:a16="http://schemas.microsoft.com/office/drawing/2014/main" id="{60101AA8-3DCF-4FEE-93F7-85872816A9E3}"/>
-              </a:ext>
-            </a:extLst>
-          </p:cNvPr>
-          <p:cNvPicPr>
-            <a:picLocks noGrp="1" noChangeAspect="1"/>
-          </p:cNvPicPr>
-          <p:nvPr>
-            <p:ph idx="1"/>
-          </p:nvPr>
-        </p:nvPicPr>
-        <p:blipFill>
-          <a:blip r:embed="rId2"/>
-          <a:stretch>
-            <a:fillRect/>
-          </a:stretch>
-        </p:blipFill>
-        <p:spPr>
-          <a:xfrm>
-            <a:off x="3683189" y="742314"/>
-            <a:ext cx="4525185" cy="6115686"/>
-          </a:xfrm>
-        </p:spPr>
-      </p:pic>
-    </p:spTree>
-    <p:extLst>
-      <p:ext uri="{BB962C8B-B14F-4D97-AF65-F5344CB8AC3E}">
-        <p14:creationId xmlns:p14="http://schemas.microsoft.com/office/powerpoint/2010/main" val="3065311427"/>
       </p:ext>
     </p:extLst>
   </p:cSld>
